--- a/1_Presentaciones/Sesion_4_Teoria.pptx
+++ b/1_Presentaciones/Sesion_4_Teoria.pptx
@@ -6,7 +6,7 @@
     <p:sldMasterId id="2147483660" r:id="rId2"/>
   </p:sldMasterIdLst>
   <p:notesMasterIdLst>
-    <p:notesMasterId r:id="rId33"/>
+    <p:notesMasterId r:id="rId45"/>
   </p:notesMasterIdLst>
   <p:sldIdLst>
     <p:sldId id="257" r:id="rId3"/>
@@ -17,28 +17,40 @@
     <p:sldId id="263" r:id="rId8"/>
     <p:sldId id="285" r:id="rId9"/>
     <p:sldId id="264" r:id="rId10"/>
-    <p:sldId id="288" r:id="rId11"/>
-    <p:sldId id="273" r:id="rId12"/>
-    <p:sldId id="286" r:id="rId13"/>
-    <p:sldId id="287" r:id="rId14"/>
-    <p:sldId id="275" r:id="rId15"/>
-    <p:sldId id="276" r:id="rId16"/>
-    <p:sldId id="274" r:id="rId17"/>
-    <p:sldId id="278" r:id="rId18"/>
-    <p:sldId id="289" r:id="rId19"/>
-    <p:sldId id="291" r:id="rId20"/>
-    <p:sldId id="294" r:id="rId21"/>
-    <p:sldId id="290" r:id="rId22"/>
-    <p:sldId id="292" r:id="rId23"/>
-    <p:sldId id="293" r:id="rId24"/>
-    <p:sldId id="280" r:id="rId25"/>
-    <p:sldId id="295" r:id="rId26"/>
-    <p:sldId id="296" r:id="rId27"/>
-    <p:sldId id="281" r:id="rId28"/>
-    <p:sldId id="297" r:id="rId29"/>
-    <p:sldId id="282" r:id="rId30"/>
-    <p:sldId id="283" r:id="rId31"/>
-    <p:sldId id="284" r:id="rId32"/>
+    <p:sldId id="310" r:id="rId11"/>
+    <p:sldId id="311" r:id="rId12"/>
+    <p:sldId id="288" r:id="rId13"/>
+    <p:sldId id="267" r:id="rId14"/>
+    <p:sldId id="298" r:id="rId15"/>
+    <p:sldId id="286" r:id="rId16"/>
+    <p:sldId id="318" r:id="rId17"/>
+    <p:sldId id="273" r:id="rId18"/>
+    <p:sldId id="287" r:id="rId19"/>
+    <p:sldId id="275" r:id="rId20"/>
+    <p:sldId id="276" r:id="rId21"/>
+    <p:sldId id="274" r:id="rId22"/>
+    <p:sldId id="278" r:id="rId23"/>
+    <p:sldId id="313" r:id="rId24"/>
+    <p:sldId id="289" r:id="rId25"/>
+    <p:sldId id="291" r:id="rId26"/>
+    <p:sldId id="294" r:id="rId27"/>
+    <p:sldId id="314" r:id="rId28"/>
+    <p:sldId id="290" r:id="rId29"/>
+    <p:sldId id="292" r:id="rId30"/>
+    <p:sldId id="315" r:id="rId31"/>
+    <p:sldId id="293" r:id="rId32"/>
+    <p:sldId id="280" r:id="rId33"/>
+    <p:sldId id="316" r:id="rId34"/>
+    <p:sldId id="295" r:id="rId35"/>
+    <p:sldId id="296" r:id="rId36"/>
+    <p:sldId id="281" r:id="rId37"/>
+    <p:sldId id="282" r:id="rId38"/>
+    <p:sldId id="283" r:id="rId39"/>
+    <p:sldId id="317" r:id="rId40"/>
+    <p:sldId id="306" r:id="rId41"/>
+    <p:sldId id="308" r:id="rId42"/>
+    <p:sldId id="309" r:id="rId43"/>
+    <p:sldId id="284" r:id="rId44"/>
   </p:sldIdLst>
   <p:sldSz cx="12192000" cy="6858000"/>
   <p:notesSz cx="6858000" cy="9144000"/>
@@ -148,7 +160,7 @@
 <file path=ppt/revisionInfo.xml><?xml version="1.0" encoding="utf-8"?>
 <p1510:revInfo xmlns:a="http://schemas.openxmlformats.org/drawingml/2006/main" xmlns:r="http://schemas.openxmlformats.org/officeDocument/2006/relationships" xmlns:p1510="http://schemas.microsoft.com/office/powerpoint/2015/10/main">
   <p1510:revLst>
-    <p1510:client id="{81B96BB3-7EF3-4641-8728-A364ABBF598C}" v="4" dt="2021-11-08T16:26:14.122"/>
+    <p1510:client id="{81B96BB3-7EF3-4641-8728-A364ABBF598C}" v="74" dt="2021-11-23T14:07:10.640"/>
   </p1510:revLst>
 </p1510:revInfo>
 </file>
@@ -157,8 +169,8 @@
 <pc:chgInfo xmlns:a="http://schemas.openxmlformats.org/drawingml/2006/main" xmlns:r="http://schemas.openxmlformats.org/officeDocument/2006/relationships" xmlns:ac="http://schemas.microsoft.com/office/drawing/2013/main/command" xmlns:pc="http://schemas.microsoft.com/office/powerpoint/2013/main/command">
   <pc:docChgLst>
     <pc:chgData name="Mikel Lumbreras" userId="e57255e2-e72e-47e1-86e5-705636f423c9" providerId="ADAL" clId="{81B96BB3-7EF3-4641-8728-A364ABBF598C}"/>
-    <pc:docChg chg="modSld">
-      <pc:chgData name="Mikel Lumbreras" userId="e57255e2-e72e-47e1-86e5-705636f423c9" providerId="ADAL" clId="{81B96BB3-7EF3-4641-8728-A364ABBF598C}" dt="2021-11-08T16:26:14.122" v="2"/>
+    <pc:docChg chg="undo custSel addSld delSld modSld sldOrd">
+      <pc:chgData name="Mikel Lumbreras" userId="e57255e2-e72e-47e1-86e5-705636f423c9" providerId="ADAL" clId="{81B96BB3-7EF3-4641-8728-A364ABBF598C}" dt="2021-11-23T14:07:10.640" v="1793" actId="1076"/>
       <pc:docMkLst>
         <pc:docMk/>
       </pc:docMkLst>
@@ -176,6 +188,721 @@
             <ac:graphicFrameMk id="6" creationId="{3A62E472-57DE-45F4-89B6-E389A35DCDD4}"/>
           </ac:graphicFrameMkLst>
         </pc:graphicFrameChg>
+      </pc:sldChg>
+      <pc:sldChg chg="modSp add mod">
+        <pc:chgData name="Mikel Lumbreras" userId="e57255e2-e72e-47e1-86e5-705636f423c9" providerId="ADAL" clId="{81B96BB3-7EF3-4641-8728-A364ABBF598C}" dt="2021-11-22T18:14:04.098" v="1604" actId="20577"/>
+        <pc:sldMkLst>
+          <pc:docMk/>
+          <pc:sldMk cId="47075193" sldId="267"/>
+        </pc:sldMkLst>
+        <pc:spChg chg="mod">
+          <ac:chgData name="Mikel Lumbreras" userId="e57255e2-e72e-47e1-86e5-705636f423c9" providerId="ADAL" clId="{81B96BB3-7EF3-4641-8728-A364ABBF598C}" dt="2021-11-22T18:14:04.098" v="1604" actId="20577"/>
+          <ac:spMkLst>
+            <pc:docMk/>
+            <pc:sldMk cId="47075193" sldId="267"/>
+            <ac:spMk id="2" creationId="{00000000-0000-0000-0000-000000000000}"/>
+          </ac:spMkLst>
+        </pc:spChg>
+      </pc:sldChg>
+      <pc:sldChg chg="modSp mod">
+        <pc:chgData name="Mikel Lumbreras" userId="e57255e2-e72e-47e1-86e5-705636f423c9" providerId="ADAL" clId="{81B96BB3-7EF3-4641-8728-A364ABBF598C}" dt="2021-11-22T18:14:46.712" v="1617" actId="20577"/>
+        <pc:sldMkLst>
+          <pc:docMk/>
+          <pc:sldMk cId="3312659519" sldId="276"/>
+        </pc:sldMkLst>
+        <pc:spChg chg="mod">
+          <ac:chgData name="Mikel Lumbreras" userId="e57255e2-e72e-47e1-86e5-705636f423c9" providerId="ADAL" clId="{81B96BB3-7EF3-4641-8728-A364ABBF598C}" dt="2021-11-22T18:14:46.712" v="1617" actId="20577"/>
+          <ac:spMkLst>
+            <pc:docMk/>
+            <pc:sldMk cId="3312659519" sldId="276"/>
+            <ac:spMk id="3" creationId="{00000000-0000-0000-0000-000000000000}"/>
+          </ac:spMkLst>
+        </pc:spChg>
+      </pc:sldChg>
+      <pc:sldChg chg="addSp delSp modSp mod">
+        <pc:chgData name="Mikel Lumbreras" userId="e57255e2-e72e-47e1-86e5-705636f423c9" providerId="ADAL" clId="{81B96BB3-7EF3-4641-8728-A364ABBF598C}" dt="2021-11-22T18:17:44.827" v="1648" actId="12"/>
+        <pc:sldMkLst>
+          <pc:docMk/>
+          <pc:sldMk cId="2987094804" sldId="280"/>
+        </pc:sldMkLst>
+        <pc:spChg chg="add del mod">
+          <ac:chgData name="Mikel Lumbreras" userId="e57255e2-e72e-47e1-86e5-705636f423c9" providerId="ADAL" clId="{81B96BB3-7EF3-4641-8728-A364ABBF598C}" dt="2021-11-22T18:17:23.194" v="1641"/>
+          <ac:spMkLst>
+            <pc:docMk/>
+            <pc:sldMk cId="2987094804" sldId="280"/>
+            <ac:spMk id="2" creationId="{38B6CF36-6450-4996-8A2D-B6A85ED3894B}"/>
+          </ac:spMkLst>
+        </pc:spChg>
+        <pc:spChg chg="add del mod">
+          <ac:chgData name="Mikel Lumbreras" userId="e57255e2-e72e-47e1-86e5-705636f423c9" providerId="ADAL" clId="{81B96BB3-7EF3-4641-8728-A364ABBF598C}" dt="2021-11-22T18:17:44.827" v="1648" actId="12"/>
+          <ac:spMkLst>
+            <pc:docMk/>
+            <pc:sldMk cId="2987094804" sldId="280"/>
+            <ac:spMk id="3" creationId="{00000000-0000-0000-0000-000000000000}"/>
+          </ac:spMkLst>
+        </pc:spChg>
+        <pc:spChg chg="add del mod">
+          <ac:chgData name="Mikel Lumbreras" userId="e57255e2-e72e-47e1-86e5-705636f423c9" providerId="ADAL" clId="{81B96BB3-7EF3-4641-8728-A364ABBF598C}" dt="2021-11-22T18:17:29.560" v="1644"/>
+          <ac:spMkLst>
+            <pc:docMk/>
+            <pc:sldMk cId="2987094804" sldId="280"/>
+            <ac:spMk id="5" creationId="{6559F683-3A42-4F85-9518-3499CC599FAD}"/>
+          </ac:spMkLst>
+        </pc:spChg>
+      </pc:sldChg>
+      <pc:sldChg chg="addSp modSp mod">
+        <pc:chgData name="Mikel Lumbreras" userId="e57255e2-e72e-47e1-86e5-705636f423c9" providerId="ADAL" clId="{81B96BB3-7EF3-4641-8728-A364ABBF598C}" dt="2021-11-22T18:07:01.456" v="1319" actId="1076"/>
+        <pc:sldMkLst>
+          <pc:docMk/>
+          <pc:sldMk cId="3647424591" sldId="282"/>
+        </pc:sldMkLst>
+        <pc:spChg chg="mod">
+          <ac:chgData name="Mikel Lumbreras" userId="e57255e2-e72e-47e1-86e5-705636f423c9" providerId="ADAL" clId="{81B96BB3-7EF3-4641-8728-A364ABBF598C}" dt="2021-11-22T18:05:15.078" v="1280" actId="20577"/>
+          <ac:spMkLst>
+            <pc:docMk/>
+            <pc:sldMk cId="3647424591" sldId="282"/>
+            <ac:spMk id="3" creationId="{00000000-0000-0000-0000-000000000000}"/>
+          </ac:spMkLst>
+        </pc:spChg>
+        <pc:spChg chg="add mod">
+          <ac:chgData name="Mikel Lumbreras" userId="e57255e2-e72e-47e1-86e5-705636f423c9" providerId="ADAL" clId="{81B96BB3-7EF3-4641-8728-A364ABBF598C}" dt="2021-11-22T18:07:01.456" v="1319" actId="1076"/>
+          <ac:spMkLst>
+            <pc:docMk/>
+            <pc:sldMk cId="3647424591" sldId="282"/>
+            <ac:spMk id="4" creationId="{AAA2ECA5-76C5-40F7-A80E-1EA62B347008}"/>
+          </ac:spMkLst>
+        </pc:spChg>
+        <pc:picChg chg="add mod">
+          <ac:chgData name="Mikel Lumbreras" userId="e57255e2-e72e-47e1-86e5-705636f423c9" providerId="ADAL" clId="{81B96BB3-7EF3-4641-8728-A364ABBF598C}" dt="2021-11-22T18:06:07.947" v="1285" actId="1076"/>
+          <ac:picMkLst>
+            <pc:docMk/>
+            <pc:sldMk cId="3647424591" sldId="282"/>
+            <ac:picMk id="1026" creationId="{28EB1338-0149-4F6E-90DA-A95B467C7C8C}"/>
+          </ac:picMkLst>
+        </pc:picChg>
+      </pc:sldChg>
+      <pc:sldChg chg="modSp mod">
+        <pc:chgData name="Mikel Lumbreras" userId="e57255e2-e72e-47e1-86e5-705636f423c9" providerId="ADAL" clId="{81B96BB3-7EF3-4641-8728-A364ABBF598C}" dt="2021-11-22T17:44:36.142" v="207" actId="20577"/>
+        <pc:sldMkLst>
+          <pc:docMk/>
+          <pc:sldMk cId="3127136940" sldId="285"/>
+        </pc:sldMkLst>
+        <pc:spChg chg="mod">
+          <ac:chgData name="Mikel Lumbreras" userId="e57255e2-e72e-47e1-86e5-705636f423c9" providerId="ADAL" clId="{81B96BB3-7EF3-4641-8728-A364ABBF598C}" dt="2021-11-22T17:44:36.142" v="207" actId="20577"/>
+          <ac:spMkLst>
+            <pc:docMk/>
+            <pc:sldMk cId="3127136940" sldId="285"/>
+            <ac:spMk id="4" creationId="{57358FC5-0DFC-4396-9893-E446212006B0}"/>
+          </ac:spMkLst>
+        </pc:spChg>
+      </pc:sldChg>
+      <pc:sldChg chg="addSp delSp modSp mod ord">
+        <pc:chgData name="Mikel Lumbreras" userId="e57255e2-e72e-47e1-86e5-705636f423c9" providerId="ADAL" clId="{81B96BB3-7EF3-4641-8728-A364ABBF598C}" dt="2021-11-23T14:04:50.638" v="1740"/>
+        <pc:sldMkLst>
+          <pc:docMk/>
+          <pc:sldMk cId="4148520123" sldId="286"/>
+        </pc:sldMkLst>
+        <pc:spChg chg="del">
+          <ac:chgData name="Mikel Lumbreras" userId="e57255e2-e72e-47e1-86e5-705636f423c9" providerId="ADAL" clId="{81B96BB3-7EF3-4641-8728-A364ABBF598C}" dt="2021-11-23T14:04:47.784" v="1739" actId="478"/>
+          <ac:spMkLst>
+            <pc:docMk/>
+            <pc:sldMk cId="4148520123" sldId="286"/>
+            <ac:spMk id="2" creationId="{00000000-0000-0000-0000-000000000000}"/>
+          </ac:spMkLst>
+        </pc:spChg>
+        <pc:spChg chg="add del mod">
+          <ac:chgData name="Mikel Lumbreras" userId="e57255e2-e72e-47e1-86e5-705636f423c9" providerId="ADAL" clId="{81B96BB3-7EF3-4641-8728-A364ABBF598C}" dt="2021-11-23T14:04:50.638" v="1740"/>
+          <ac:spMkLst>
+            <pc:docMk/>
+            <pc:sldMk cId="4148520123" sldId="286"/>
+            <ac:spMk id="5" creationId="{C0BF7AAF-A97C-405E-8E4E-C0185DB03676}"/>
+          </ac:spMkLst>
+        </pc:spChg>
+        <pc:spChg chg="add del mod">
+          <ac:chgData name="Mikel Lumbreras" userId="e57255e2-e72e-47e1-86e5-705636f423c9" providerId="ADAL" clId="{81B96BB3-7EF3-4641-8728-A364ABBF598C}" dt="2021-11-23T14:04:46.728" v="1738"/>
+          <ac:spMkLst>
+            <pc:docMk/>
+            <pc:sldMk cId="4148520123" sldId="286"/>
+            <ac:spMk id="7" creationId="{9B088294-761B-4550-BA13-5DD37AA3A25D}"/>
+          </ac:spMkLst>
+        </pc:spChg>
+        <pc:spChg chg="add mod">
+          <ac:chgData name="Mikel Lumbreras" userId="e57255e2-e72e-47e1-86e5-705636f423c9" providerId="ADAL" clId="{81B96BB3-7EF3-4641-8728-A364ABBF598C}" dt="2021-11-23T14:04:50.638" v="1740"/>
+          <ac:spMkLst>
+            <pc:docMk/>
+            <pc:sldMk cId="4148520123" sldId="286"/>
+            <ac:spMk id="9" creationId="{EFCF3737-C2F4-4C0B-B839-D65AE9DA19FA}"/>
+          </ac:spMkLst>
+        </pc:spChg>
+        <pc:picChg chg="mod">
+          <ac:chgData name="Mikel Lumbreras" userId="e57255e2-e72e-47e1-86e5-705636f423c9" providerId="ADAL" clId="{81B96BB3-7EF3-4641-8728-A364ABBF598C}" dt="2021-11-09T10:27:37.476" v="3" actId="1076"/>
+          <ac:picMkLst>
+            <pc:docMk/>
+            <pc:sldMk cId="4148520123" sldId="286"/>
+            <ac:picMk id="1026" creationId="{00000000-0000-0000-0000-000000000000}"/>
+          </ac:picMkLst>
+        </pc:picChg>
+      </pc:sldChg>
+      <pc:sldChg chg="ord">
+        <pc:chgData name="Mikel Lumbreras" userId="e57255e2-e72e-47e1-86e5-705636f423c9" providerId="ADAL" clId="{81B96BB3-7EF3-4641-8728-A364ABBF598C}" dt="2021-11-22T18:09:41.527" v="1522"/>
+        <pc:sldMkLst>
+          <pc:docMk/>
+          <pc:sldMk cId="300207621" sldId="288"/>
+        </pc:sldMkLst>
+      </pc:sldChg>
+      <pc:sldChg chg="del">
+        <pc:chgData name="Mikel Lumbreras" userId="e57255e2-e72e-47e1-86e5-705636f423c9" providerId="ADAL" clId="{81B96BB3-7EF3-4641-8728-A364ABBF598C}" dt="2021-11-22T17:43:36.683" v="112" actId="47"/>
+        <pc:sldMkLst>
+          <pc:docMk/>
+          <pc:sldMk cId="2074918233" sldId="297"/>
+        </pc:sldMkLst>
+      </pc:sldChg>
+      <pc:sldChg chg="addSp delSp modSp add del mod ord">
+        <pc:chgData name="Mikel Lumbreras" userId="e57255e2-e72e-47e1-86e5-705636f423c9" providerId="ADAL" clId="{81B96BB3-7EF3-4641-8728-A364ABBF598C}" dt="2021-11-22T18:07:39.022" v="1323" actId="1076"/>
+        <pc:sldMkLst>
+          <pc:docMk/>
+          <pc:sldMk cId="2923506841" sldId="298"/>
+        </pc:sldMkLst>
+        <pc:spChg chg="mod">
+          <ac:chgData name="Mikel Lumbreras" userId="e57255e2-e72e-47e1-86e5-705636f423c9" providerId="ADAL" clId="{81B96BB3-7EF3-4641-8728-A364ABBF598C}" dt="2021-11-17T09:09:37.890" v="25" actId="20577"/>
+          <ac:spMkLst>
+            <pc:docMk/>
+            <pc:sldMk cId="2923506841" sldId="298"/>
+            <ac:spMk id="2" creationId="{00000000-0000-0000-0000-000000000000}"/>
+          </ac:spMkLst>
+        </pc:spChg>
+        <pc:spChg chg="del">
+          <ac:chgData name="Mikel Lumbreras" userId="e57255e2-e72e-47e1-86e5-705636f423c9" providerId="ADAL" clId="{81B96BB3-7EF3-4641-8728-A364ABBF598C}" dt="2021-11-17T09:09:43.408" v="26" actId="478"/>
+          <ac:spMkLst>
+            <pc:docMk/>
+            <pc:sldMk cId="2923506841" sldId="298"/>
+            <ac:spMk id="3" creationId="{00000000-0000-0000-0000-000000000000}"/>
+          </ac:spMkLst>
+        </pc:spChg>
+        <pc:spChg chg="add del mod">
+          <ac:chgData name="Mikel Lumbreras" userId="e57255e2-e72e-47e1-86e5-705636f423c9" providerId="ADAL" clId="{81B96BB3-7EF3-4641-8728-A364ABBF598C}" dt="2021-11-17T09:10:00.781" v="30" actId="478"/>
+          <ac:spMkLst>
+            <pc:docMk/>
+            <pc:sldMk cId="2923506841" sldId="298"/>
+            <ac:spMk id="5" creationId="{DAA28C92-2AF4-4CCE-BC0A-0FDA784FA962}"/>
+          </ac:spMkLst>
+        </pc:spChg>
+        <pc:spChg chg="add mod">
+          <ac:chgData name="Mikel Lumbreras" userId="e57255e2-e72e-47e1-86e5-705636f423c9" providerId="ADAL" clId="{81B96BB3-7EF3-4641-8728-A364ABBF598C}" dt="2021-11-17T09:10:58.651" v="92" actId="1076"/>
+          <ac:spMkLst>
+            <pc:docMk/>
+            <pc:sldMk cId="2923506841" sldId="298"/>
+            <ac:spMk id="6" creationId="{A54FAD4F-9635-4C1E-B4FE-B8C8474EED92}"/>
+          </ac:spMkLst>
+        </pc:spChg>
+        <pc:spChg chg="add mod">
+          <ac:chgData name="Mikel Lumbreras" userId="e57255e2-e72e-47e1-86e5-705636f423c9" providerId="ADAL" clId="{81B96BB3-7EF3-4641-8728-A364ABBF598C}" dt="2021-11-17T09:11:41.839" v="108" actId="692"/>
+          <ac:spMkLst>
+            <pc:docMk/>
+            <pc:sldMk cId="2923506841" sldId="298"/>
+            <ac:spMk id="7" creationId="{5A422F3A-2571-4108-8077-414CCA682E3B}"/>
+          </ac:spMkLst>
+        </pc:spChg>
+        <pc:picChg chg="add mod">
+          <ac:chgData name="Mikel Lumbreras" userId="e57255e2-e72e-47e1-86e5-705636f423c9" providerId="ADAL" clId="{81B96BB3-7EF3-4641-8728-A364ABBF598C}" dt="2021-11-22T18:07:39.022" v="1323" actId="1076"/>
+          <ac:picMkLst>
+            <pc:docMk/>
+            <pc:sldMk cId="2923506841" sldId="298"/>
+            <ac:picMk id="1026" creationId="{E6664584-7D54-43DF-AAED-9FFC7046D00D}"/>
+          </ac:picMkLst>
+        </pc:picChg>
+        <pc:picChg chg="del">
+          <ac:chgData name="Mikel Lumbreras" userId="e57255e2-e72e-47e1-86e5-705636f423c9" providerId="ADAL" clId="{81B96BB3-7EF3-4641-8728-A364ABBF598C}" dt="2021-11-17T09:09:45.119" v="27" actId="478"/>
+          <ac:picMkLst>
+            <pc:docMk/>
+            <pc:sldMk cId="2923506841" sldId="298"/>
+            <ac:picMk id="2052" creationId="{00000000-0000-0000-0000-000000000000}"/>
+          </ac:picMkLst>
+        </pc:picChg>
+      </pc:sldChg>
+      <pc:sldChg chg="add del">
+        <pc:chgData name="Mikel Lumbreras" userId="e57255e2-e72e-47e1-86e5-705636f423c9" providerId="ADAL" clId="{81B96BB3-7EF3-4641-8728-A364ABBF598C}" dt="2021-11-17T09:09:47.985" v="29"/>
+        <pc:sldMkLst>
+          <pc:docMk/>
+          <pc:sldMk cId="3167918612" sldId="299"/>
+        </pc:sldMkLst>
+      </pc:sldChg>
+      <pc:sldChg chg="new del">
+        <pc:chgData name="Mikel Lumbreras" userId="e57255e2-e72e-47e1-86e5-705636f423c9" providerId="ADAL" clId="{81B96BB3-7EF3-4641-8728-A364ABBF598C}" dt="2021-11-22T17:42:24.031" v="111" actId="47"/>
+        <pc:sldMkLst>
+          <pc:docMk/>
+          <pc:sldMk cId="4178307435" sldId="299"/>
+        </pc:sldMkLst>
+      </pc:sldChg>
+      <pc:sldChg chg="modSp add del mod">
+        <pc:chgData name="Mikel Lumbreras" userId="e57255e2-e72e-47e1-86e5-705636f423c9" providerId="ADAL" clId="{81B96BB3-7EF3-4641-8728-A364ABBF598C}" dt="2021-11-23T12:42:56.309" v="1723" actId="47"/>
+        <pc:sldMkLst>
+          <pc:docMk/>
+          <pc:sldMk cId="2356795868" sldId="304"/>
+        </pc:sldMkLst>
+        <pc:spChg chg="mod">
+          <ac:chgData name="Mikel Lumbreras" userId="e57255e2-e72e-47e1-86e5-705636f423c9" providerId="ADAL" clId="{81B96BB3-7EF3-4641-8728-A364ABBF598C}" dt="2021-11-22T18:21:52.941" v="1718" actId="20577"/>
+          <ac:spMkLst>
+            <pc:docMk/>
+            <pc:sldMk cId="2356795868" sldId="304"/>
+            <ac:spMk id="2" creationId="{3BA35E48-703B-4E3F-8A50-181FCA662E24}"/>
+          </ac:spMkLst>
+        </pc:spChg>
+      </pc:sldChg>
+      <pc:sldChg chg="addSp modSp add mod">
+        <pc:chgData name="Mikel Lumbreras" userId="e57255e2-e72e-47e1-86e5-705636f423c9" providerId="ADAL" clId="{81B96BB3-7EF3-4641-8728-A364ABBF598C}" dt="2021-11-22T17:51:39.911" v="495" actId="1076"/>
+        <pc:sldMkLst>
+          <pc:docMk/>
+          <pc:sldMk cId="4220847849" sldId="306"/>
+        </pc:sldMkLst>
+        <pc:spChg chg="mod">
+          <ac:chgData name="Mikel Lumbreras" userId="e57255e2-e72e-47e1-86e5-705636f423c9" providerId="ADAL" clId="{81B96BB3-7EF3-4641-8728-A364ABBF598C}" dt="2021-11-22T17:45:36.173" v="247" actId="20577"/>
+          <ac:spMkLst>
+            <pc:docMk/>
+            <pc:sldMk cId="4220847849" sldId="306"/>
+            <ac:spMk id="2" creationId="{E9889F8A-3C1A-4580-B462-7B4E04F6E33B}"/>
+          </ac:spMkLst>
+        </pc:spChg>
+        <pc:spChg chg="mod">
+          <ac:chgData name="Mikel Lumbreras" userId="e57255e2-e72e-47e1-86e5-705636f423c9" providerId="ADAL" clId="{81B96BB3-7EF3-4641-8728-A364ABBF598C}" dt="2021-11-22T17:51:14.600" v="455" actId="6549"/>
+          <ac:spMkLst>
+            <pc:docMk/>
+            <pc:sldMk cId="4220847849" sldId="306"/>
+            <ac:spMk id="3" creationId="{051682E3-FCE3-41C1-9113-756D8EA13F28}"/>
+          </ac:spMkLst>
+        </pc:spChg>
+        <pc:spChg chg="add mod">
+          <ac:chgData name="Mikel Lumbreras" userId="e57255e2-e72e-47e1-86e5-705636f423c9" providerId="ADAL" clId="{81B96BB3-7EF3-4641-8728-A364ABBF598C}" dt="2021-11-22T17:51:39.911" v="495" actId="1076"/>
+          <ac:spMkLst>
+            <pc:docMk/>
+            <pc:sldMk cId="4220847849" sldId="306"/>
+            <ac:spMk id="6" creationId="{B292E0E1-FBD1-4592-A76D-304C1C742191}"/>
+          </ac:spMkLst>
+        </pc:spChg>
+        <pc:picChg chg="add mod">
+          <ac:chgData name="Mikel Lumbreras" userId="e57255e2-e72e-47e1-86e5-705636f423c9" providerId="ADAL" clId="{81B96BB3-7EF3-4641-8728-A364ABBF598C}" dt="2021-11-22T17:51:20.011" v="457" actId="1076"/>
+          <ac:picMkLst>
+            <pc:docMk/>
+            <pc:sldMk cId="4220847849" sldId="306"/>
+            <ac:picMk id="5" creationId="{0ADD68E3-12A2-4928-B707-17C86D216845}"/>
+          </ac:picMkLst>
+        </pc:picChg>
+      </pc:sldChg>
+      <pc:sldChg chg="modSp add mod">
+        <pc:chgData name="Mikel Lumbreras" userId="e57255e2-e72e-47e1-86e5-705636f423c9" providerId="ADAL" clId="{81B96BB3-7EF3-4641-8728-A364ABBF598C}" dt="2021-11-22T18:00:57.083" v="790" actId="20577"/>
+        <pc:sldMkLst>
+          <pc:docMk/>
+          <pc:sldMk cId="1240959078" sldId="308"/>
+        </pc:sldMkLst>
+        <pc:spChg chg="mod">
+          <ac:chgData name="Mikel Lumbreras" userId="e57255e2-e72e-47e1-86e5-705636f423c9" providerId="ADAL" clId="{81B96BB3-7EF3-4641-8728-A364ABBF598C}" dt="2021-11-22T17:45:42.743" v="257" actId="20577"/>
+          <ac:spMkLst>
+            <pc:docMk/>
+            <pc:sldMk cId="1240959078" sldId="308"/>
+            <ac:spMk id="2" creationId="{E9889F8A-3C1A-4580-B462-7B4E04F6E33B}"/>
+          </ac:spMkLst>
+        </pc:spChg>
+        <pc:spChg chg="mod">
+          <ac:chgData name="Mikel Lumbreras" userId="e57255e2-e72e-47e1-86e5-705636f423c9" providerId="ADAL" clId="{81B96BB3-7EF3-4641-8728-A364ABBF598C}" dt="2021-11-22T18:00:57.083" v="790" actId="20577"/>
+          <ac:spMkLst>
+            <pc:docMk/>
+            <pc:sldMk cId="1240959078" sldId="308"/>
+            <ac:spMk id="3" creationId="{051682E3-FCE3-41C1-9113-756D8EA13F28}"/>
+          </ac:spMkLst>
+        </pc:spChg>
+      </pc:sldChg>
+      <pc:sldChg chg="modSp add mod">
+        <pc:chgData name="Mikel Lumbreras" userId="e57255e2-e72e-47e1-86e5-705636f423c9" providerId="ADAL" clId="{81B96BB3-7EF3-4641-8728-A364ABBF598C}" dt="2021-11-22T18:03:39.650" v="1111" actId="20577"/>
+        <pc:sldMkLst>
+          <pc:docMk/>
+          <pc:sldMk cId="2318141971" sldId="309"/>
+        </pc:sldMkLst>
+        <pc:spChg chg="mod">
+          <ac:chgData name="Mikel Lumbreras" userId="e57255e2-e72e-47e1-86e5-705636f423c9" providerId="ADAL" clId="{81B96BB3-7EF3-4641-8728-A364ABBF598C}" dt="2021-11-22T18:00:29.090" v="747" actId="20577"/>
+          <ac:spMkLst>
+            <pc:docMk/>
+            <pc:sldMk cId="2318141971" sldId="309"/>
+            <ac:spMk id="2" creationId="{E9889F8A-3C1A-4580-B462-7B4E04F6E33B}"/>
+          </ac:spMkLst>
+        </pc:spChg>
+        <pc:spChg chg="mod">
+          <ac:chgData name="Mikel Lumbreras" userId="e57255e2-e72e-47e1-86e5-705636f423c9" providerId="ADAL" clId="{81B96BB3-7EF3-4641-8728-A364ABBF598C}" dt="2021-11-22T18:03:39.650" v="1111" actId="20577"/>
+          <ac:spMkLst>
+            <pc:docMk/>
+            <pc:sldMk cId="2318141971" sldId="309"/>
+            <ac:spMk id="3" creationId="{051682E3-FCE3-41C1-9113-756D8EA13F28}"/>
+          </ac:spMkLst>
+        </pc:spChg>
+      </pc:sldChg>
+      <pc:sldChg chg="addSp delSp modSp new mod">
+        <pc:chgData name="Mikel Lumbreras" userId="e57255e2-e72e-47e1-86e5-705636f423c9" providerId="ADAL" clId="{81B96BB3-7EF3-4641-8728-A364ABBF598C}" dt="2021-11-22T18:10:52.456" v="1527" actId="14100"/>
+        <pc:sldMkLst>
+          <pc:docMk/>
+          <pc:sldMk cId="2189653242" sldId="310"/>
+        </pc:sldMkLst>
+        <pc:spChg chg="del">
+          <ac:chgData name="Mikel Lumbreras" userId="e57255e2-e72e-47e1-86e5-705636f423c9" providerId="ADAL" clId="{81B96BB3-7EF3-4641-8728-A364ABBF598C}" dt="2021-11-22T18:07:57.046" v="1327" actId="478"/>
+          <ac:spMkLst>
+            <pc:docMk/>
+            <pc:sldMk cId="2189653242" sldId="310"/>
+            <ac:spMk id="2" creationId="{4978797E-EC62-4891-8115-045FCAFDD9EB}"/>
+          </ac:spMkLst>
+        </pc:spChg>
+        <pc:spChg chg="mod">
+          <ac:chgData name="Mikel Lumbreras" userId="e57255e2-e72e-47e1-86e5-705636f423c9" providerId="ADAL" clId="{81B96BB3-7EF3-4641-8728-A364ABBF598C}" dt="2021-11-22T18:09:32.737" v="1520" actId="20577"/>
+          <ac:spMkLst>
+            <pc:docMk/>
+            <pc:sldMk cId="2189653242" sldId="310"/>
+            <ac:spMk id="3" creationId="{7DF18251-5429-4362-85E0-B1E46ADC4890}"/>
+          </ac:spMkLst>
+        </pc:spChg>
+        <pc:spChg chg="add mod">
+          <ac:chgData name="Mikel Lumbreras" userId="e57255e2-e72e-47e1-86e5-705636f423c9" providerId="ADAL" clId="{81B96BB3-7EF3-4641-8728-A364ABBF598C}" dt="2021-11-22T18:07:57.403" v="1328"/>
+          <ac:spMkLst>
+            <pc:docMk/>
+            <pc:sldMk cId="2189653242" sldId="310"/>
+            <ac:spMk id="4" creationId="{516D2DB9-337E-48B3-A910-7FDE706EAF15}"/>
+          </ac:spMkLst>
+        </pc:spChg>
+        <pc:picChg chg="add mod">
+          <ac:chgData name="Mikel Lumbreras" userId="e57255e2-e72e-47e1-86e5-705636f423c9" providerId="ADAL" clId="{81B96BB3-7EF3-4641-8728-A364ABBF598C}" dt="2021-11-22T18:10:52.456" v="1527" actId="14100"/>
+          <ac:picMkLst>
+            <pc:docMk/>
+            <pc:sldMk cId="2189653242" sldId="310"/>
+            <ac:picMk id="2050" creationId="{1FF11C5D-A6B1-4DC1-84EC-A38C94A566B2}"/>
+          </ac:picMkLst>
+        </pc:picChg>
+      </pc:sldChg>
+      <pc:sldChg chg="addSp delSp modSp new mod">
+        <pc:chgData name="Mikel Lumbreras" userId="e57255e2-e72e-47e1-86e5-705636f423c9" providerId="ADAL" clId="{81B96BB3-7EF3-4641-8728-A364ABBF598C}" dt="2021-11-22T18:13:00.754" v="1584"/>
+        <pc:sldMkLst>
+          <pc:docMk/>
+          <pc:sldMk cId="1808727453" sldId="311"/>
+        </pc:sldMkLst>
+        <pc:spChg chg="del">
+          <ac:chgData name="Mikel Lumbreras" userId="e57255e2-e72e-47e1-86e5-705636f423c9" providerId="ADAL" clId="{81B96BB3-7EF3-4641-8728-A364ABBF598C}" dt="2021-11-22T18:13:00.754" v="1584"/>
+          <ac:spMkLst>
+            <pc:docMk/>
+            <pc:sldMk cId="1808727453" sldId="311"/>
+            <ac:spMk id="2" creationId="{CA95EDAF-E89D-4F5C-B6D6-DEF8CA861F18}"/>
+          </ac:spMkLst>
+        </pc:spChg>
+        <pc:spChg chg="mod">
+          <ac:chgData name="Mikel Lumbreras" userId="e57255e2-e72e-47e1-86e5-705636f423c9" providerId="ADAL" clId="{81B96BB3-7EF3-4641-8728-A364ABBF598C}" dt="2021-11-22T18:12:51.238" v="1583" actId="20577"/>
+          <ac:spMkLst>
+            <pc:docMk/>
+            <pc:sldMk cId="1808727453" sldId="311"/>
+            <ac:spMk id="3" creationId="{0B271636-AD7D-40A9-B0C5-6E36E0585951}"/>
+          </ac:spMkLst>
+        </pc:spChg>
+        <pc:spChg chg="add mod">
+          <ac:chgData name="Mikel Lumbreras" userId="e57255e2-e72e-47e1-86e5-705636f423c9" providerId="ADAL" clId="{81B96BB3-7EF3-4641-8728-A364ABBF598C}" dt="2021-11-22T18:13:00.754" v="1584"/>
+          <ac:spMkLst>
+            <pc:docMk/>
+            <pc:sldMk cId="1808727453" sldId="311"/>
+            <ac:spMk id="4" creationId="{8A069EF8-271E-48B3-8A0C-080D9CB06CDD}"/>
+          </ac:spMkLst>
+        </pc:spChg>
+      </pc:sldChg>
+      <pc:sldChg chg="new del">
+        <pc:chgData name="Mikel Lumbreras" userId="e57255e2-e72e-47e1-86e5-705636f423c9" providerId="ADAL" clId="{81B96BB3-7EF3-4641-8728-A364ABBF598C}" dt="2021-11-22T18:13:48.136" v="1587" actId="47"/>
+        <pc:sldMkLst>
+          <pc:docMk/>
+          <pc:sldMk cId="980762040" sldId="312"/>
+        </pc:sldMkLst>
+      </pc:sldChg>
+      <pc:sldChg chg="new del">
+        <pc:chgData name="Mikel Lumbreras" userId="e57255e2-e72e-47e1-86e5-705636f423c9" providerId="ADAL" clId="{81B96BB3-7EF3-4641-8728-A364ABBF598C}" dt="2021-11-22T18:15:48.607" v="1631" actId="47"/>
+        <pc:sldMkLst>
+          <pc:docMk/>
+          <pc:sldMk cId="2329488140" sldId="312"/>
+        </pc:sldMkLst>
+      </pc:sldChg>
+      <pc:sldChg chg="addSp delSp modSp add mod">
+        <pc:chgData name="Mikel Lumbreras" userId="e57255e2-e72e-47e1-86e5-705636f423c9" providerId="ADAL" clId="{81B96BB3-7EF3-4641-8728-A364ABBF598C}" dt="2021-11-22T18:15:45.960" v="1630" actId="1076"/>
+        <pc:sldMkLst>
+          <pc:docMk/>
+          <pc:sldMk cId="1607093231" sldId="313"/>
+        </pc:sldMkLst>
+        <pc:spChg chg="del mod">
+          <ac:chgData name="Mikel Lumbreras" userId="e57255e2-e72e-47e1-86e5-705636f423c9" providerId="ADAL" clId="{81B96BB3-7EF3-4641-8728-A364ABBF598C}" dt="2021-11-22T18:15:25.835" v="1623" actId="478"/>
+          <ac:spMkLst>
+            <pc:docMk/>
+            <pc:sldMk cId="1607093231" sldId="313"/>
+            <ac:spMk id="4" creationId="{00000000-0000-0000-0000-000000000000}"/>
+          </ac:spMkLst>
+        </pc:spChg>
+        <pc:spChg chg="add del mod">
+          <ac:chgData name="Mikel Lumbreras" userId="e57255e2-e72e-47e1-86e5-705636f423c9" providerId="ADAL" clId="{81B96BB3-7EF3-4641-8728-A364ABBF598C}" dt="2021-11-22T18:15:38.710" v="1627" actId="478"/>
+          <ac:spMkLst>
+            <pc:docMk/>
+            <pc:sldMk cId="1607093231" sldId="313"/>
+            <ac:spMk id="6" creationId="{EB49A1FB-C525-437C-9CE0-E45FF917BA0B}"/>
+          </ac:spMkLst>
+        </pc:spChg>
+        <pc:spChg chg="del">
+          <ac:chgData name="Mikel Lumbreras" userId="e57255e2-e72e-47e1-86e5-705636f423c9" providerId="ADAL" clId="{81B96BB3-7EF3-4641-8728-A364ABBF598C}" dt="2021-11-22T18:15:22.904" v="1621" actId="478"/>
+          <ac:spMkLst>
+            <pc:docMk/>
+            <pc:sldMk cId="1607093231" sldId="313"/>
+            <ac:spMk id="7" creationId="{00000000-0000-0000-0000-000000000000}"/>
+          </ac:spMkLst>
+        </pc:spChg>
+        <pc:spChg chg="mod">
+          <ac:chgData name="Mikel Lumbreras" userId="e57255e2-e72e-47e1-86e5-705636f423c9" providerId="ADAL" clId="{81B96BB3-7EF3-4641-8728-A364ABBF598C}" dt="2021-11-22T18:15:45.960" v="1630" actId="1076"/>
+          <ac:spMkLst>
+            <pc:docMk/>
+            <pc:sldMk cId="1607093231" sldId="313"/>
+            <ac:spMk id="8" creationId="{00000000-0000-0000-0000-000000000000}"/>
+          </ac:spMkLst>
+        </pc:spChg>
+        <pc:spChg chg="del">
+          <ac:chgData name="Mikel Lumbreras" userId="e57255e2-e72e-47e1-86e5-705636f423c9" providerId="ADAL" clId="{81B96BB3-7EF3-4641-8728-A364ABBF598C}" dt="2021-11-22T18:15:43.912" v="1629" actId="478"/>
+          <ac:spMkLst>
+            <pc:docMk/>
+            <pc:sldMk cId="1607093231" sldId="313"/>
+            <ac:spMk id="9" creationId="{00000000-0000-0000-0000-000000000000}"/>
+          </ac:spMkLst>
+        </pc:spChg>
+        <pc:picChg chg="mod">
+          <ac:chgData name="Mikel Lumbreras" userId="e57255e2-e72e-47e1-86e5-705636f423c9" providerId="ADAL" clId="{81B96BB3-7EF3-4641-8728-A364ABBF598C}" dt="2021-11-22T18:15:41.405" v="1628" actId="1076"/>
+          <ac:picMkLst>
+            <pc:docMk/>
+            <pc:sldMk cId="1607093231" sldId="313"/>
+            <ac:picMk id="5" creationId="{00000000-0000-0000-0000-000000000000}"/>
+          </ac:picMkLst>
+        </pc:picChg>
+      </pc:sldChg>
+      <pc:sldChg chg="modSp add mod">
+        <pc:chgData name="Mikel Lumbreras" userId="e57255e2-e72e-47e1-86e5-705636f423c9" providerId="ADAL" clId="{81B96BB3-7EF3-4641-8728-A364ABBF598C}" dt="2021-11-22T18:16:03.980" v="1633" actId="1076"/>
+        <pc:sldMkLst>
+          <pc:docMk/>
+          <pc:sldMk cId="2230362692" sldId="314"/>
+        </pc:sldMkLst>
+        <pc:spChg chg="mod">
+          <ac:chgData name="Mikel Lumbreras" userId="e57255e2-e72e-47e1-86e5-705636f423c9" providerId="ADAL" clId="{81B96BB3-7EF3-4641-8728-A364ABBF598C}" dt="2021-11-22T18:16:03.980" v="1633" actId="1076"/>
+          <ac:spMkLst>
+            <pc:docMk/>
+            <pc:sldMk cId="2230362692" sldId="314"/>
+            <ac:spMk id="8" creationId="{00000000-0000-0000-0000-000000000000}"/>
+          </ac:spMkLst>
+        </pc:spChg>
+      </pc:sldChg>
+      <pc:sldChg chg="modSp add mod">
+        <pc:chgData name="Mikel Lumbreras" userId="e57255e2-e72e-47e1-86e5-705636f423c9" providerId="ADAL" clId="{81B96BB3-7EF3-4641-8728-A364ABBF598C}" dt="2021-11-22T18:16:24.772" v="1637" actId="1076"/>
+        <pc:sldMkLst>
+          <pc:docMk/>
+          <pc:sldMk cId="116938366" sldId="315"/>
+        </pc:sldMkLst>
+        <pc:spChg chg="mod">
+          <ac:chgData name="Mikel Lumbreras" userId="e57255e2-e72e-47e1-86e5-705636f423c9" providerId="ADAL" clId="{81B96BB3-7EF3-4641-8728-A364ABBF598C}" dt="2021-11-22T18:16:24.772" v="1637" actId="1076"/>
+          <ac:spMkLst>
+            <pc:docMk/>
+            <pc:sldMk cId="116938366" sldId="315"/>
+            <ac:spMk id="8" creationId="{00000000-0000-0000-0000-000000000000}"/>
+          </ac:spMkLst>
+        </pc:spChg>
+      </pc:sldChg>
+      <pc:sldChg chg="new del">
+        <pc:chgData name="Mikel Lumbreras" userId="e57255e2-e72e-47e1-86e5-705636f423c9" providerId="ADAL" clId="{81B96BB3-7EF3-4641-8728-A364ABBF598C}" dt="2021-11-22T18:16:08.969" v="1635" actId="680"/>
+        <pc:sldMkLst>
+          <pc:docMk/>
+          <pc:sldMk cId="918238137" sldId="315"/>
+        </pc:sldMkLst>
+      </pc:sldChg>
+      <pc:sldChg chg="addSp delSp modSp new mod">
+        <pc:chgData name="Mikel Lumbreras" userId="e57255e2-e72e-47e1-86e5-705636f423c9" providerId="ADAL" clId="{81B96BB3-7EF3-4641-8728-A364ABBF598C}" dt="2021-11-22T18:20:50.267" v="1706" actId="20577"/>
+        <pc:sldMkLst>
+          <pc:docMk/>
+          <pc:sldMk cId="2283352270" sldId="316"/>
+        </pc:sldMkLst>
+        <pc:spChg chg="del">
+          <ac:chgData name="Mikel Lumbreras" userId="e57255e2-e72e-47e1-86e5-705636f423c9" providerId="ADAL" clId="{81B96BB3-7EF3-4641-8728-A364ABBF598C}" dt="2021-11-22T18:18:17.469" v="1650"/>
+          <ac:spMkLst>
+            <pc:docMk/>
+            <pc:sldMk cId="2283352270" sldId="316"/>
+            <ac:spMk id="2" creationId="{D162CC27-6809-4B6B-814B-B8E883EC86F7}"/>
+          </ac:spMkLst>
+        </pc:spChg>
+        <pc:spChg chg="del">
+          <ac:chgData name="Mikel Lumbreras" userId="e57255e2-e72e-47e1-86e5-705636f423c9" providerId="ADAL" clId="{81B96BB3-7EF3-4641-8728-A364ABBF598C}" dt="2021-11-22T18:18:36.021" v="1651" actId="478"/>
+          <ac:spMkLst>
+            <pc:docMk/>
+            <pc:sldMk cId="2283352270" sldId="316"/>
+            <ac:spMk id="3" creationId="{6E1EF644-941D-44E7-BFBF-B356DA33F1E2}"/>
+          </ac:spMkLst>
+        </pc:spChg>
+        <pc:spChg chg="add mod">
+          <ac:chgData name="Mikel Lumbreras" userId="e57255e2-e72e-47e1-86e5-705636f423c9" providerId="ADAL" clId="{81B96BB3-7EF3-4641-8728-A364ABBF598C}" dt="2021-11-22T18:18:17.469" v="1650"/>
+          <ac:spMkLst>
+            <pc:docMk/>
+            <pc:sldMk cId="2283352270" sldId="316"/>
+            <ac:spMk id="4" creationId="{AE7D73D4-D64D-48B1-BA3F-1D890DE0CB4B}"/>
+          </ac:spMkLst>
+        </pc:spChg>
+        <pc:spChg chg="add mod">
+          <ac:chgData name="Mikel Lumbreras" userId="e57255e2-e72e-47e1-86e5-705636f423c9" providerId="ADAL" clId="{81B96BB3-7EF3-4641-8728-A364ABBF598C}" dt="2021-11-22T18:20:30.360" v="1696" actId="403"/>
+          <ac:spMkLst>
+            <pc:docMk/>
+            <pc:sldMk cId="2283352270" sldId="316"/>
+            <ac:spMk id="6" creationId="{0C3B5783-68CE-4978-B7AB-FA5FF070EADB}"/>
+          </ac:spMkLst>
+        </pc:spChg>
+        <pc:spChg chg="add del">
+          <ac:chgData name="Mikel Lumbreras" userId="e57255e2-e72e-47e1-86e5-705636f423c9" providerId="ADAL" clId="{81B96BB3-7EF3-4641-8728-A364ABBF598C}" dt="2021-11-22T18:20:19.011" v="1688"/>
+          <ac:spMkLst>
+            <pc:docMk/>
+            <pc:sldMk cId="2283352270" sldId="316"/>
+            <ac:spMk id="7" creationId="{DD84BE85-2145-41B0-A811-3EC2461854AA}"/>
+          </ac:spMkLst>
+        </pc:spChg>
+        <pc:spChg chg="add mod">
+          <ac:chgData name="Mikel Lumbreras" userId="e57255e2-e72e-47e1-86e5-705636f423c9" providerId="ADAL" clId="{81B96BB3-7EF3-4641-8728-A364ABBF598C}" dt="2021-11-22T18:20:42.823" v="1703" actId="122"/>
+          <ac:spMkLst>
+            <pc:docMk/>
+            <pc:sldMk cId="2283352270" sldId="316"/>
+            <ac:spMk id="9" creationId="{BB485F5C-6632-4FD7-A514-48A33182FBC4}"/>
+          </ac:spMkLst>
+        </pc:spChg>
+        <pc:spChg chg="add mod">
+          <ac:chgData name="Mikel Lumbreras" userId="e57255e2-e72e-47e1-86e5-705636f423c9" providerId="ADAL" clId="{81B96BB3-7EF3-4641-8728-A364ABBF598C}" dt="2021-11-22T18:20:50.267" v="1706" actId="20577"/>
+          <ac:spMkLst>
+            <pc:docMk/>
+            <pc:sldMk cId="2283352270" sldId="316"/>
+            <ac:spMk id="10" creationId="{9D112EE7-8231-48B3-A7DC-9A098270E03A}"/>
+          </ac:spMkLst>
+        </pc:spChg>
+        <pc:picChg chg="add mod">
+          <ac:chgData name="Mikel Lumbreras" userId="e57255e2-e72e-47e1-86e5-705636f423c9" providerId="ADAL" clId="{81B96BB3-7EF3-4641-8728-A364ABBF598C}" dt="2021-11-22T18:20:31.673" v="1697" actId="1076"/>
+          <ac:picMkLst>
+            <pc:docMk/>
+            <pc:sldMk cId="2283352270" sldId="316"/>
+            <ac:picMk id="5" creationId="{5948BA56-05A0-4CCF-B205-FBB3928C3637}"/>
+          </ac:picMkLst>
+        </pc:picChg>
+        <pc:picChg chg="add mod">
+          <ac:chgData name="Mikel Lumbreras" userId="e57255e2-e72e-47e1-86e5-705636f423c9" providerId="ADAL" clId="{81B96BB3-7EF3-4641-8728-A364ABBF598C}" dt="2021-11-22T18:20:32.493" v="1698" actId="1076"/>
+          <ac:picMkLst>
+            <pc:docMk/>
+            <pc:sldMk cId="2283352270" sldId="316"/>
+            <ac:picMk id="8" creationId="{10CD85B5-F57A-429F-8DFC-09D9D64FF7D6}"/>
+          </ac:picMkLst>
+        </pc:picChg>
+      </pc:sldChg>
+      <pc:sldChg chg="modSp add mod">
+        <pc:chgData name="Mikel Lumbreras" userId="e57255e2-e72e-47e1-86e5-705636f423c9" providerId="ADAL" clId="{81B96BB3-7EF3-4641-8728-A364ABBF598C}" dt="2021-11-23T13:50:41.760" v="1727"/>
+        <pc:sldMkLst>
+          <pc:docMk/>
+          <pc:sldMk cId="2640609736" sldId="317"/>
+        </pc:sldMkLst>
+        <pc:spChg chg="mod">
+          <ac:chgData name="Mikel Lumbreras" userId="e57255e2-e72e-47e1-86e5-705636f423c9" providerId="ADAL" clId="{81B96BB3-7EF3-4641-8728-A364ABBF598C}" dt="2021-11-22T18:22:17.759" v="1720" actId="20577"/>
+          <ac:spMkLst>
+            <pc:docMk/>
+            <pc:sldMk cId="2640609736" sldId="317"/>
+            <ac:spMk id="2" creationId="{3BA35E48-703B-4E3F-8A50-181FCA662E24}"/>
+          </ac:spMkLst>
+        </pc:spChg>
+        <pc:spChg chg="mod">
+          <ac:chgData name="Mikel Lumbreras" userId="e57255e2-e72e-47e1-86e5-705636f423c9" providerId="ADAL" clId="{81B96BB3-7EF3-4641-8728-A364ABBF598C}" dt="2021-11-23T13:50:41.760" v="1727"/>
+          <ac:spMkLst>
+            <pc:docMk/>
+            <pc:sldMk cId="2640609736" sldId="317"/>
+            <ac:spMk id="4" creationId="{C600BDF6-21DE-42EC-8938-7AE4152071C7}"/>
+          </ac:spMkLst>
+        </pc:spChg>
+      </pc:sldChg>
+      <pc:sldChg chg="modSp new del mod">
+        <pc:chgData name="Mikel Lumbreras" userId="e57255e2-e72e-47e1-86e5-705636f423c9" providerId="ADAL" clId="{81B96BB3-7EF3-4641-8728-A364ABBF598C}" dt="2021-11-22T18:21:49.678" v="1717" actId="47"/>
+        <pc:sldMkLst>
+          <pc:docMk/>
+          <pc:sldMk cId="2648994776" sldId="317"/>
+        </pc:sldMkLst>
+        <pc:spChg chg="mod">
+          <ac:chgData name="Mikel Lumbreras" userId="e57255e2-e72e-47e1-86e5-705636f423c9" providerId="ADAL" clId="{81B96BB3-7EF3-4641-8728-A364ABBF598C}" dt="2021-11-22T18:21:39.787" v="1715" actId="20577"/>
+          <ac:spMkLst>
+            <pc:docMk/>
+            <pc:sldMk cId="2648994776" sldId="317"/>
+            <ac:spMk id="2" creationId="{E2A84972-8A1E-4B75-A0C5-BCB9850FF4B2}"/>
+          </ac:spMkLst>
+        </pc:spChg>
+      </pc:sldChg>
+      <pc:sldChg chg="new del">
+        <pc:chgData name="Mikel Lumbreras" userId="e57255e2-e72e-47e1-86e5-705636f423c9" providerId="ADAL" clId="{81B96BB3-7EF3-4641-8728-A364ABBF598C}" dt="2021-11-23T14:03:24.738" v="1735" actId="47"/>
+        <pc:sldMkLst>
+          <pc:docMk/>
+          <pc:sldMk cId="2979674824" sldId="318"/>
+        </pc:sldMkLst>
+      </pc:sldChg>
+      <pc:sldChg chg="addSp delSp modSp new mod">
+        <pc:chgData name="Mikel Lumbreras" userId="e57255e2-e72e-47e1-86e5-705636f423c9" providerId="ADAL" clId="{81B96BB3-7EF3-4641-8728-A364ABBF598C}" dt="2021-11-23T14:07:10.640" v="1793" actId="1076"/>
+        <pc:sldMkLst>
+          <pc:docMk/>
+          <pc:sldMk cId="3937452992" sldId="318"/>
+        </pc:sldMkLst>
+        <pc:spChg chg="del mod">
+          <ac:chgData name="Mikel Lumbreras" userId="e57255e2-e72e-47e1-86e5-705636f423c9" providerId="ADAL" clId="{81B96BB3-7EF3-4641-8728-A364ABBF598C}" dt="2021-11-23T14:04:54.901" v="1742"/>
+          <ac:spMkLst>
+            <pc:docMk/>
+            <pc:sldMk cId="3937452992" sldId="318"/>
+            <ac:spMk id="2" creationId="{194A77B5-7AFB-4AAD-AA12-AEB7078352E8}"/>
+          </ac:spMkLst>
+        </pc:spChg>
+        <pc:spChg chg="del">
+          <ac:chgData name="Mikel Lumbreras" userId="e57255e2-e72e-47e1-86e5-705636f423c9" providerId="ADAL" clId="{81B96BB3-7EF3-4641-8728-A364ABBF598C}" dt="2021-11-23T14:05:01.914" v="1743" actId="478"/>
+          <ac:spMkLst>
+            <pc:docMk/>
+            <pc:sldMk cId="3937452992" sldId="318"/>
+            <ac:spMk id="3" creationId="{CCC475A8-E92B-46F2-BB86-9ED525D71B5C}"/>
+          </ac:spMkLst>
+        </pc:spChg>
+        <pc:spChg chg="add mod">
+          <ac:chgData name="Mikel Lumbreras" userId="e57255e2-e72e-47e1-86e5-705636f423c9" providerId="ADAL" clId="{81B96BB3-7EF3-4641-8728-A364ABBF598C}" dt="2021-11-23T14:04:54.901" v="1742"/>
+          <ac:spMkLst>
+            <pc:docMk/>
+            <pc:sldMk cId="3937452992" sldId="318"/>
+            <ac:spMk id="4" creationId="{C5D6DB61-39C6-4389-8C11-F451CAE0CD5A}"/>
+          </ac:spMkLst>
+        </pc:spChg>
+        <pc:spChg chg="add mod">
+          <ac:chgData name="Mikel Lumbreras" userId="e57255e2-e72e-47e1-86e5-705636f423c9" providerId="ADAL" clId="{81B96BB3-7EF3-4641-8728-A364ABBF598C}" dt="2021-11-23T14:05:26.307" v="1790" actId="5793"/>
+          <ac:spMkLst>
+            <pc:docMk/>
+            <pc:sldMk cId="3937452992" sldId="318"/>
+            <ac:spMk id="5" creationId="{F48E5763-2C6B-4EA6-B935-5EF74D782195}"/>
+          </ac:spMkLst>
+        </pc:spChg>
+        <pc:picChg chg="add mod">
+          <ac:chgData name="Mikel Lumbreras" userId="e57255e2-e72e-47e1-86e5-705636f423c9" providerId="ADAL" clId="{81B96BB3-7EF3-4641-8728-A364ABBF598C}" dt="2021-11-23T14:07:10.640" v="1793" actId="1076"/>
+          <ac:picMkLst>
+            <pc:docMk/>
+            <pc:sldMk cId="3937452992" sldId="318"/>
+            <ac:picMk id="1026" creationId="{A5A99F72-CB0F-4882-B276-1EF0D2C5FC5F}"/>
+          </ac:picMkLst>
+        </pc:picChg>
+      </pc:sldChg>
+      <pc:sldChg chg="modSp add del mod">
+        <pc:chgData name="Mikel Lumbreras" userId="e57255e2-e72e-47e1-86e5-705636f423c9" providerId="ADAL" clId="{81B96BB3-7EF3-4641-8728-A364ABBF598C}" dt="2021-11-23T13:55:17.570" v="1733" actId="47"/>
+        <pc:sldMkLst>
+          <pc:docMk/>
+          <pc:sldMk cId="4056710986" sldId="318"/>
+        </pc:sldMkLst>
+        <pc:spChg chg="mod">
+          <ac:chgData name="Mikel Lumbreras" userId="e57255e2-e72e-47e1-86e5-705636f423c9" providerId="ADAL" clId="{81B96BB3-7EF3-4641-8728-A364ABBF598C}" dt="2021-11-22T18:22:23.440" v="1722" actId="20577"/>
+          <ac:spMkLst>
+            <pc:docMk/>
+            <pc:sldMk cId="4056710986" sldId="318"/>
+            <ac:spMk id="2" creationId="{3BA35E48-703B-4E3F-8A50-181FCA662E24}"/>
+          </ac:spMkLst>
+        </pc:spChg>
+        <pc:spChg chg="mod">
+          <ac:chgData name="Mikel Lumbreras" userId="e57255e2-e72e-47e1-86e5-705636f423c9" providerId="ADAL" clId="{81B96BB3-7EF3-4641-8728-A364ABBF598C}" dt="2021-11-23T13:51:01.646" v="1732" actId="20577"/>
+          <ac:spMkLst>
+            <pc:docMk/>
+            <pc:sldMk cId="4056710986" sldId="318"/>
+            <ac:spMk id="4" creationId="{C600BDF6-21DE-42EC-8938-7AE4152071C7}"/>
+          </ac:spMkLst>
+        </pc:spChg>
       </pc:sldChg>
     </pc:docChg>
   </pc:docChgLst>
@@ -264,7 +991,7 @@
           <a:p>
             <a:fld id="{D49BC84A-3884-429B-A7E7-0390EDA0EFB2}" type="datetimeFigureOut">
               <a:rPr lang="es-ES" smtClean="0"/>
-              <a:t>08/11/2021</a:t>
+              <a:t>23/11/2021</a:t>
             </a:fld>
             <a:endParaRPr lang="es-ES"/>
           </a:p>
@@ -422,7 +1149,7 @@
           <a:p>
             <a:fld id="{4F11EF3A-ABB9-4E48-9E7D-809E403157F8}" type="slidenum">
               <a:rPr lang="es-ES" smtClean="0"/>
-              <a:t>‹Nº›</a:t>
+              <a:t>‹#›</a:t>
             </a:fld>
             <a:endParaRPr lang="es-ES"/>
           </a:p>
@@ -662,7 +1389,7 @@
           <a:p>
             <a:fld id="{31A5FAD9-4F41-45A2-94CB-CF6C3F2E165E}" type="datetimeFigureOut">
               <a:rPr lang="en-GB" smtClean="0"/>
-              <a:t>08/11/2021</a:t>
+              <a:t>23/11/2021</a:t>
             </a:fld>
             <a:endParaRPr lang="en-GB"/>
           </a:p>
@@ -704,7 +1431,7 @@
           <a:p>
             <a:fld id="{0D816F0C-445B-4687-B03B-29282915F03E}" type="slidenum">
               <a:rPr lang="en-GB" smtClean="0"/>
-              <a:t>‹Nº›</a:t>
+              <a:t>‹#›</a:t>
             </a:fld>
             <a:endParaRPr lang="en-GB"/>
           </a:p>
@@ -832,7 +1559,7 @@
           <a:p>
             <a:fld id="{31A5FAD9-4F41-45A2-94CB-CF6C3F2E165E}" type="datetimeFigureOut">
               <a:rPr lang="en-GB" smtClean="0"/>
-              <a:t>08/11/2021</a:t>
+              <a:t>23/11/2021</a:t>
             </a:fld>
             <a:endParaRPr lang="en-GB"/>
           </a:p>
@@ -874,7 +1601,7 @@
           <a:p>
             <a:fld id="{0D816F0C-445B-4687-B03B-29282915F03E}" type="slidenum">
               <a:rPr lang="en-GB" smtClean="0"/>
-              <a:t>‹Nº›</a:t>
+              <a:t>‹#›</a:t>
             </a:fld>
             <a:endParaRPr lang="en-GB"/>
           </a:p>
@@ -1012,7 +1739,7 @@
           <a:p>
             <a:fld id="{31A5FAD9-4F41-45A2-94CB-CF6C3F2E165E}" type="datetimeFigureOut">
               <a:rPr lang="en-GB" smtClean="0"/>
-              <a:t>08/11/2021</a:t>
+              <a:t>23/11/2021</a:t>
             </a:fld>
             <a:endParaRPr lang="en-GB"/>
           </a:p>
@@ -1054,7 +1781,7 @@
           <a:p>
             <a:fld id="{0D816F0C-445B-4687-B03B-29282915F03E}" type="slidenum">
               <a:rPr lang="en-GB" smtClean="0"/>
-              <a:t>‹Nº›</a:t>
+              <a:t>‹#›</a:t>
             </a:fld>
             <a:endParaRPr lang="en-GB"/>
           </a:p>
@@ -1236,7 +1963,7 @@
           <a:p>
             <a:fld id="{FB75AA7C-85FF-43DA-A19E-044EB312A766}" type="slidenum">
               <a:rPr lang="en-GB" smtClean="0"/>
-              <a:t>‹Nº›</a:t>
+              <a:t>‹#›</a:t>
             </a:fld>
             <a:endParaRPr lang="en-GB"/>
           </a:p>
@@ -1398,7 +2125,7 @@
           <a:p>
             <a:fld id="{FB75AA7C-85FF-43DA-A19E-044EB312A766}" type="slidenum">
               <a:rPr lang="en-GB" smtClean="0"/>
-              <a:t>‹Nº›</a:t>
+              <a:t>‹#›</a:t>
             </a:fld>
             <a:endParaRPr lang="en-GB"/>
           </a:p>
@@ -1553,7 +2280,7 @@
           <a:p>
             <a:fld id="{FB75AA7C-85FF-43DA-A19E-044EB312A766}" type="slidenum">
               <a:rPr lang="en-GB" smtClean="0"/>
-              <a:t>‹Nº›</a:t>
+              <a:t>‹#›</a:t>
             </a:fld>
             <a:endParaRPr lang="en-GB"/>
           </a:p>
@@ -1784,7 +2511,7 @@
           <a:p>
             <a:fld id="{FB75AA7C-85FF-43DA-A19E-044EB312A766}" type="slidenum">
               <a:rPr lang="en-GB" smtClean="0"/>
-              <a:t>‹Nº›</a:t>
+              <a:t>‹#›</a:t>
             </a:fld>
             <a:endParaRPr lang="en-GB"/>
           </a:p>
@@ -2001,7 +2728,7 @@
           <a:p>
             <a:fld id="{FB75AA7C-85FF-43DA-A19E-044EB312A766}" type="slidenum">
               <a:rPr lang="en-GB" smtClean="0"/>
-              <a:t>‹Nº›</a:t>
+              <a:t>‹#›</a:t>
             </a:fld>
             <a:endParaRPr lang="en-GB"/>
           </a:p>
@@ -2353,7 +3080,7 @@
           <a:p>
             <a:fld id="{FB75AA7C-85FF-43DA-A19E-044EB312A766}" type="slidenum">
               <a:rPr lang="en-GB" smtClean="0"/>
-              <a:t>‹Nº›</a:t>
+              <a:t>‹#›</a:t>
             </a:fld>
             <a:endParaRPr lang="en-GB"/>
           </a:p>
@@ -2437,7 +3164,7 @@
           <a:p>
             <a:fld id="{FB75AA7C-85FF-43DA-A19E-044EB312A766}" type="slidenum">
               <a:rPr lang="en-GB" smtClean="0"/>
-              <a:t>‹Nº›</a:t>
+              <a:t>‹#›</a:t>
             </a:fld>
             <a:endParaRPr lang="en-GB"/>
           </a:p>
@@ -2531,7 +3258,7 @@
           <a:p>
             <a:fld id="{4A42529D-B5B1-47E1-A19B-037CCFF42894}" type="datetimeFigureOut">
               <a:rPr lang="en-GB" smtClean="0"/>
-              <a:t>08/11/2021</a:t>
+              <a:t>23/11/2021</a:t>
             </a:fld>
             <a:endParaRPr lang="en-GB"/>
           </a:p>
@@ -2581,7 +3308,7 @@
           <a:p>
             <a:fld id="{FB75AA7C-85FF-43DA-A19E-044EB312A766}" type="slidenum">
               <a:rPr lang="en-GB" smtClean="0"/>
-              <a:t>‹Nº›</a:t>
+              <a:t>‹#›</a:t>
             </a:fld>
             <a:endParaRPr lang="en-GB"/>
           </a:p>
@@ -2709,7 +3436,7 @@
           <a:p>
             <a:fld id="{31A5FAD9-4F41-45A2-94CB-CF6C3F2E165E}" type="datetimeFigureOut">
               <a:rPr lang="en-GB" smtClean="0"/>
-              <a:t>08/11/2021</a:t>
+              <a:t>23/11/2021</a:t>
             </a:fld>
             <a:endParaRPr lang="en-GB"/>
           </a:p>
@@ -2751,7 +3478,7 @@
           <a:p>
             <a:fld id="{0D816F0C-445B-4687-B03B-29282915F03E}" type="slidenum">
               <a:rPr lang="en-GB" smtClean="0"/>
-              <a:t>‹Nº›</a:t>
+              <a:t>‹#›</a:t>
             </a:fld>
             <a:endParaRPr lang="en-GB"/>
           </a:p>
@@ -2994,7 +3721,7 @@
           <a:p>
             <a:fld id="{4A42529D-B5B1-47E1-A19B-037CCFF42894}" type="datetimeFigureOut">
               <a:rPr lang="en-GB" smtClean="0"/>
-              <a:t>08/11/2021</a:t>
+              <a:t>23/11/2021</a:t>
             </a:fld>
             <a:endParaRPr lang="en-GB"/>
           </a:p>
@@ -3044,7 +3771,7 @@
           <a:p>
             <a:fld id="{FB75AA7C-85FF-43DA-A19E-044EB312A766}" type="slidenum">
               <a:rPr lang="en-GB" smtClean="0"/>
-              <a:t>‹Nº›</a:t>
+              <a:t>‹#›</a:t>
             </a:fld>
             <a:endParaRPr lang="en-GB"/>
           </a:p>
@@ -3263,7 +3990,7 @@
           <a:p>
             <a:fld id="{4A42529D-B5B1-47E1-A19B-037CCFF42894}" type="datetimeFigureOut">
               <a:rPr lang="en-GB" smtClean="0"/>
-              <a:t>08/11/2021</a:t>
+              <a:t>23/11/2021</a:t>
             </a:fld>
             <a:endParaRPr lang="en-GB"/>
           </a:p>
@@ -3313,7 +4040,7 @@
           <a:p>
             <a:fld id="{FB75AA7C-85FF-43DA-A19E-044EB312A766}" type="slidenum">
               <a:rPr lang="en-GB" smtClean="0"/>
-              <a:t>‹Nº›</a:t>
+              <a:t>‹#›</a:t>
             </a:fld>
             <a:endParaRPr lang="en-GB"/>
           </a:p>
@@ -3449,7 +4176,7 @@
           <a:p>
             <a:fld id="{4A42529D-B5B1-47E1-A19B-037CCFF42894}" type="datetimeFigureOut">
               <a:rPr lang="en-GB" smtClean="0"/>
-              <a:t>08/11/2021</a:t>
+              <a:t>23/11/2021</a:t>
             </a:fld>
             <a:endParaRPr lang="en-GB"/>
           </a:p>
@@ -3499,7 +4226,7 @@
           <a:p>
             <a:fld id="{FB75AA7C-85FF-43DA-A19E-044EB312A766}" type="slidenum">
               <a:rPr lang="en-GB" smtClean="0"/>
-              <a:t>‹Nº›</a:t>
+              <a:t>‹#›</a:t>
             </a:fld>
             <a:endParaRPr lang="en-GB"/>
           </a:p>
@@ -3645,7 +4372,7 @@
           <a:p>
             <a:fld id="{4A42529D-B5B1-47E1-A19B-037CCFF42894}" type="datetimeFigureOut">
               <a:rPr lang="en-GB" smtClean="0"/>
-              <a:t>08/11/2021</a:t>
+              <a:t>23/11/2021</a:t>
             </a:fld>
             <a:endParaRPr lang="en-GB"/>
           </a:p>
@@ -3695,7 +4422,7 @@
           <a:p>
             <a:fld id="{FB75AA7C-85FF-43DA-A19E-044EB312A766}" type="slidenum">
               <a:rPr lang="en-GB" smtClean="0"/>
-              <a:t>‹Nº›</a:t>
+              <a:t>‹#›</a:t>
             </a:fld>
             <a:endParaRPr lang="en-GB"/>
           </a:p>
@@ -3899,7 +4626,7 @@
           <a:p>
             <a:fld id="{31A5FAD9-4F41-45A2-94CB-CF6C3F2E165E}" type="datetimeFigureOut">
               <a:rPr lang="en-GB" smtClean="0"/>
-              <a:t>08/11/2021</a:t>
+              <a:t>23/11/2021</a:t>
             </a:fld>
             <a:endParaRPr lang="en-GB"/>
           </a:p>
@@ -3941,7 +4668,7 @@
           <a:p>
             <a:fld id="{0D816F0C-445B-4687-B03B-29282915F03E}" type="slidenum">
               <a:rPr lang="en-GB" smtClean="0"/>
-              <a:t>‹Nº›</a:t>
+              <a:t>‹#›</a:t>
             </a:fld>
             <a:endParaRPr lang="en-GB"/>
           </a:p>
@@ -4131,7 +4858,7 @@
           <a:p>
             <a:fld id="{31A5FAD9-4F41-45A2-94CB-CF6C3F2E165E}" type="datetimeFigureOut">
               <a:rPr lang="en-GB" smtClean="0"/>
-              <a:t>08/11/2021</a:t>
+              <a:t>23/11/2021</a:t>
             </a:fld>
             <a:endParaRPr lang="en-GB"/>
           </a:p>
@@ -4173,7 +4900,7 @@
           <a:p>
             <a:fld id="{0D816F0C-445B-4687-B03B-29282915F03E}" type="slidenum">
               <a:rPr lang="en-GB" smtClean="0"/>
-              <a:t>‹Nº›</a:t>
+              <a:t>‹#›</a:t>
             </a:fld>
             <a:endParaRPr lang="en-GB"/>
           </a:p>
@@ -4498,7 +5225,7 @@
           <a:p>
             <a:fld id="{31A5FAD9-4F41-45A2-94CB-CF6C3F2E165E}" type="datetimeFigureOut">
               <a:rPr lang="en-GB" smtClean="0"/>
-              <a:t>08/11/2021</a:t>
+              <a:t>23/11/2021</a:t>
             </a:fld>
             <a:endParaRPr lang="en-GB"/>
           </a:p>
@@ -4540,7 +5267,7 @@
           <a:p>
             <a:fld id="{0D816F0C-445B-4687-B03B-29282915F03E}" type="slidenum">
               <a:rPr lang="en-GB" smtClean="0"/>
-              <a:t>‹Nº›</a:t>
+              <a:t>‹#›</a:t>
             </a:fld>
             <a:endParaRPr lang="en-GB"/>
           </a:p>
@@ -4616,7 +5343,7 @@
           <a:p>
             <a:fld id="{31A5FAD9-4F41-45A2-94CB-CF6C3F2E165E}" type="datetimeFigureOut">
               <a:rPr lang="en-GB" smtClean="0"/>
-              <a:t>08/11/2021</a:t>
+              <a:t>23/11/2021</a:t>
             </a:fld>
             <a:endParaRPr lang="en-GB"/>
           </a:p>
@@ -4658,7 +5385,7 @@
           <a:p>
             <a:fld id="{0D816F0C-445B-4687-B03B-29282915F03E}" type="slidenum">
               <a:rPr lang="en-GB" smtClean="0"/>
-              <a:t>‹Nº›</a:t>
+              <a:t>‹#›</a:t>
             </a:fld>
             <a:endParaRPr lang="en-GB"/>
           </a:p>
@@ -4711,7 +5438,7 @@
           <a:p>
             <a:fld id="{31A5FAD9-4F41-45A2-94CB-CF6C3F2E165E}" type="datetimeFigureOut">
               <a:rPr lang="en-GB" smtClean="0"/>
-              <a:t>08/11/2021</a:t>
+              <a:t>23/11/2021</a:t>
             </a:fld>
             <a:endParaRPr lang="en-GB"/>
           </a:p>
@@ -4753,7 +5480,7 @@
           <a:p>
             <a:fld id="{0D816F0C-445B-4687-B03B-29282915F03E}" type="slidenum">
               <a:rPr lang="en-GB" smtClean="0"/>
-              <a:t>‹Nº›</a:t>
+              <a:t>‹#›</a:t>
             </a:fld>
             <a:endParaRPr lang="en-GB"/>
           </a:p>
@@ -4988,7 +5715,7 @@
           <a:p>
             <a:fld id="{31A5FAD9-4F41-45A2-94CB-CF6C3F2E165E}" type="datetimeFigureOut">
               <a:rPr lang="en-GB" smtClean="0"/>
-              <a:t>08/11/2021</a:t>
+              <a:t>23/11/2021</a:t>
             </a:fld>
             <a:endParaRPr lang="en-GB"/>
           </a:p>
@@ -5030,7 +5757,7 @@
           <a:p>
             <a:fld id="{0D816F0C-445B-4687-B03B-29282915F03E}" type="slidenum">
               <a:rPr lang="en-GB" smtClean="0"/>
-              <a:t>‹Nº›</a:t>
+              <a:t>‹#›</a:t>
             </a:fld>
             <a:endParaRPr lang="en-GB"/>
           </a:p>
@@ -5241,7 +5968,7 @@
           <a:p>
             <a:fld id="{31A5FAD9-4F41-45A2-94CB-CF6C3F2E165E}" type="datetimeFigureOut">
               <a:rPr lang="en-GB" smtClean="0"/>
-              <a:t>08/11/2021</a:t>
+              <a:t>23/11/2021</a:t>
             </a:fld>
             <a:endParaRPr lang="en-GB"/>
           </a:p>
@@ -5283,7 +6010,7 @@
           <a:p>
             <a:fld id="{0D816F0C-445B-4687-B03B-29282915F03E}" type="slidenum">
               <a:rPr lang="en-GB" smtClean="0"/>
-              <a:t>‹Nº›</a:t>
+              <a:t>‹#›</a:t>
             </a:fld>
             <a:endParaRPr lang="en-GB"/>
           </a:p>
@@ -5454,7 +6181,7 @@
           <a:p>
             <a:fld id="{31A5FAD9-4F41-45A2-94CB-CF6C3F2E165E}" type="datetimeFigureOut">
               <a:rPr lang="en-GB" smtClean="0"/>
-              <a:t>08/11/2021</a:t>
+              <a:t>23/11/2021</a:t>
             </a:fld>
             <a:endParaRPr lang="en-GB"/>
           </a:p>
@@ -5532,7 +6259,7 @@
           <a:p>
             <a:fld id="{0D816F0C-445B-4687-B03B-29282915F03E}" type="slidenum">
               <a:rPr lang="en-GB" smtClean="0"/>
-              <a:t>‹Nº›</a:t>
+              <a:t>‹#›</a:t>
             </a:fld>
             <a:endParaRPr lang="en-GB"/>
           </a:p>
@@ -6496,7 +7223,173 @@
       </p:grpSpPr>
       <p:sp>
         <p:nvSpPr>
-          <p:cNvPr id="2" name="Título 1"/>
+          <p:cNvPr id="3" name="Content Placeholder 2">
+            <a:extLst>
+              <a:ext uri="{FF2B5EF4-FFF2-40B4-BE49-F238E27FC236}">
+                <a16:creationId xmlns:a16="http://schemas.microsoft.com/office/drawing/2014/main" id="{0B271636-AD7D-40A9-B0C5-6E36E0585951}"/>
+              </a:ext>
+            </a:extLst>
+          </p:cNvPr>
+          <p:cNvSpPr>
+            <a:spLocks noGrp="1"/>
+          </p:cNvSpPr>
+          <p:nvPr>
+            <p:ph idx="1"/>
+          </p:nvPr>
+        </p:nvSpPr>
+        <p:spPr/>
+        <p:txBody>
+          <a:bodyPr/>
+          <a:lstStyle/>
+          <a:p>
+            <a:r>
+              <a:rPr lang="es-ES" dirty="0"/>
+              <a:t>“</a:t>
+            </a:r>
+            <a:r>
+              <a:rPr lang="es-ES" i="0" dirty="0">
+                <a:solidFill>
+                  <a:srgbClr val="2C2C2C"/>
+                </a:solidFill>
+                <a:effectLst/>
+              </a:rPr>
+              <a:t>El </a:t>
+            </a:r>
+            <a:r>
+              <a:rPr lang="es-ES" i="1" dirty="0">
+                <a:solidFill>
+                  <a:srgbClr val="2C2C2C"/>
+                </a:solidFill>
+                <a:effectLst/>
+              </a:rPr>
+              <a:t>Machine Learning</a:t>
+            </a:r>
+            <a:r>
+              <a:rPr lang="es-ES" i="0" dirty="0">
+                <a:solidFill>
+                  <a:srgbClr val="2C2C2C"/>
+                </a:solidFill>
+                <a:effectLst/>
+              </a:rPr>
+              <a:t> es una disciplina del campo de la </a:t>
+            </a:r>
+            <a:r>
+              <a:rPr lang="es-ES" i="0" u="none" strike="noStrike" dirty="0">
+                <a:solidFill>
+                  <a:srgbClr val="0D7CBF"/>
+                </a:solidFill>
+                <a:effectLst/>
+                <a:hlinkClick r:id="rId2"/>
+              </a:rPr>
+              <a:t>Inteligencia Artificial</a:t>
+            </a:r>
+            <a:r>
+              <a:rPr lang="es-ES" i="0" dirty="0">
+                <a:solidFill>
+                  <a:srgbClr val="2C2C2C"/>
+                </a:solidFill>
+                <a:effectLst/>
+              </a:rPr>
+              <a:t> que, a través de </a:t>
+            </a:r>
+            <a:r>
+              <a:rPr lang="es-ES" i="0" dirty="0">
+                <a:solidFill>
+                  <a:srgbClr val="CF4900"/>
+                </a:solidFill>
+                <a:effectLst/>
+              </a:rPr>
+              <a:t>algoritmos,</a:t>
+            </a:r>
+            <a:r>
+              <a:rPr lang="es-ES" i="0" dirty="0">
+                <a:solidFill>
+                  <a:srgbClr val="2C2C2C"/>
+                </a:solidFill>
+                <a:effectLst/>
+              </a:rPr>
+              <a:t> dota a los ordenadores de la capacidad de identificar patrones en datos masivos y elaborar predicciones (</a:t>
+            </a:r>
+            <a:r>
+              <a:rPr lang="es-ES" i="0" u="none" strike="noStrike" dirty="0">
+                <a:solidFill>
+                  <a:srgbClr val="0D7CBF"/>
+                </a:solidFill>
+                <a:effectLst/>
+                <a:hlinkClick r:id="rId3"/>
+              </a:rPr>
+              <a:t>análisis predictivo</a:t>
+            </a:r>
+            <a:r>
+              <a:rPr lang="es-ES" i="0" dirty="0">
+                <a:solidFill>
+                  <a:srgbClr val="2C2C2C"/>
+                </a:solidFill>
+                <a:effectLst/>
+              </a:rPr>
+              <a:t>)”</a:t>
+            </a:r>
+          </a:p>
+          <a:p>
+            <a:pPr marL="0" indent="0">
+              <a:buNone/>
+            </a:pPr>
+            <a:r>
+              <a:rPr lang="es-ES" dirty="0">
+                <a:solidFill>
+                  <a:srgbClr val="2C2C2C"/>
+                </a:solidFill>
+              </a:rPr>
+              <a:t>Fuente: Iberdrola: </a:t>
+            </a:r>
+            <a:r>
+              <a:rPr lang="es-ES" sz="1600" dirty="0">
+                <a:solidFill>
+                  <a:srgbClr val="2C2C2C"/>
+                </a:solidFill>
+                <a:hlinkClick r:id="rId4"/>
+              </a:rPr>
+              <a:t>https://www.iberdrola.com/</a:t>
+            </a:r>
+            <a:r>
+              <a:rPr lang="es-ES" sz="1600" dirty="0" err="1">
+                <a:solidFill>
+                  <a:srgbClr val="2C2C2C"/>
+                </a:solidFill>
+                <a:hlinkClick r:id="rId4"/>
+              </a:rPr>
+              <a:t>innovacion</a:t>
+            </a:r>
+            <a:r>
+              <a:rPr lang="es-ES" sz="1600" dirty="0">
+                <a:solidFill>
+                  <a:srgbClr val="2C2C2C"/>
+                </a:solidFill>
+                <a:hlinkClick r:id="rId4"/>
+              </a:rPr>
+              <a:t>/machine-learning-aprendizaje-automático</a:t>
+            </a:r>
+            <a:r>
+              <a:rPr lang="es-ES" sz="1600" dirty="0">
+                <a:solidFill>
+                  <a:srgbClr val="2C2C2C"/>
+                </a:solidFill>
+              </a:rPr>
+              <a:t> </a:t>
+            </a:r>
+            <a:endParaRPr lang="es-ES" dirty="0"/>
+          </a:p>
+        </p:txBody>
+      </p:sp>
+      <p:sp>
+        <p:nvSpPr>
+          <p:cNvPr id="4" name="Título 1">
+            <a:extLst>
+              <a:ext uri="{FF2B5EF4-FFF2-40B4-BE49-F238E27FC236}">
+                <a16:creationId xmlns:a16="http://schemas.microsoft.com/office/drawing/2014/main" id="{8A069EF8-271E-48B3-8A0C-080D9CB06CDD}"/>
+              </a:ext>
+            </a:extLst>
+          </p:cNvPr>
           <p:cNvSpPr>
             <a:spLocks noGrp="1"/>
           </p:cNvSpPr>
@@ -6504,74 +7397,27 @@
             <p:ph type="title"/>
           </p:nvPr>
         </p:nvSpPr>
-        <p:spPr/>
+        <p:spPr>
+          <a:xfrm>
+            <a:off x="838200" y="365125"/>
+            <a:ext cx="10515600" cy="1325563"/>
+          </a:xfrm>
+        </p:spPr>
         <p:txBody>
           <a:bodyPr/>
           <a:lstStyle/>
           <a:p>
             <a:r>
               <a:rPr lang="es-ES" dirty="0"/>
-              <a:t>Introducción Clustering No-supervisado</a:t>
-            </a:r>
-          </a:p>
-        </p:txBody>
-      </p:sp>
-      <p:sp>
-        <p:nvSpPr>
-          <p:cNvPr id="3" name="Marcador de contenido 2"/>
-          <p:cNvSpPr>
-            <a:spLocks noGrp="1"/>
-          </p:cNvSpPr>
-          <p:nvPr>
-            <p:ph idx="1"/>
-          </p:nvPr>
-        </p:nvSpPr>
-        <p:spPr/>
-        <p:txBody>
-          <a:bodyPr/>
-          <a:lstStyle/>
-          <a:p>
-            <a:pPr marL="0" indent="0" algn="just">
-              <a:buNone/>
-            </a:pPr>
-            <a:r>
-              <a:rPr lang="es-ES" dirty="0"/>
-              <a:t>¿Qué es?</a:t>
-            </a:r>
-          </a:p>
-          <a:p>
-            <a:pPr marL="0" indent="0" algn="just">
-              <a:buNone/>
-            </a:pPr>
-            <a:endParaRPr lang="es-ES" dirty="0"/>
-          </a:p>
-          <a:p>
-            <a:pPr marL="0" indent="0" algn="just">
-              <a:buNone/>
-            </a:pPr>
-            <a:r>
-              <a:rPr lang="es-ES" dirty="0"/>
-              <a:t>“Si no se dispone del conjunto de entrenamiento, es decir, no existe conocimiento acerca de las etiquetas de los patrones, entonces para clasificar objetos se necesita un proceso previo de análisis de los datos que se conoce como clasificación no supervisada, aprendizaje no supervisado o técnicas de agrupamiento (clustering), que proporcionan un conocimiento sobre la estructura de los datos”</a:t>
-            </a:r>
-          </a:p>
-          <a:p>
-            <a:pPr marL="0" indent="0">
-              <a:buNone/>
-            </a:pPr>
-            <a:endParaRPr lang="es-ES" dirty="0"/>
-          </a:p>
-          <a:p>
-            <a:pPr marL="0" indent="0">
-              <a:buNone/>
-            </a:pPr>
-            <a:endParaRPr lang="es-ES" dirty="0"/>
+              <a:t>Introducción </a:t>
+            </a:r>
           </a:p>
         </p:txBody>
       </p:sp>
     </p:spTree>
     <p:extLst>
       <p:ext uri="{BB962C8B-B14F-4D97-AF65-F5344CB8AC3E}">
-        <p14:creationId xmlns:p14="http://schemas.microsoft.com/office/powerpoint/2010/main" val="2878335658"/>
+        <p14:creationId xmlns:p14="http://schemas.microsoft.com/office/powerpoint/2010/main" val="1808727453"/>
       </p:ext>
     </p:extLst>
   </p:cSld>
@@ -6615,14 +7461,72 @@
           <a:p>
             <a:r>
               <a:rPr lang="es-ES" dirty="0"/>
-              <a:t>Introducción Clustering No-supervisado</a:t>
-            </a:r>
+              <a:t>Objetivos Módulo 4</a:t>
+            </a:r>
+          </a:p>
+        </p:txBody>
+      </p:sp>
+      <p:sp>
+        <p:nvSpPr>
+          <p:cNvPr id="3" name="Marcador de contenido 2"/>
+          <p:cNvSpPr>
+            <a:spLocks noGrp="1"/>
+          </p:cNvSpPr>
+          <p:nvPr>
+            <p:ph idx="1"/>
+          </p:nvPr>
+        </p:nvSpPr>
+        <p:spPr/>
+        <p:txBody>
+          <a:bodyPr/>
+          <a:lstStyle/>
+          <a:p>
+            <a:r>
+              <a:rPr lang="es-ES" dirty="0"/>
+              <a:t>Definir qué es el clustering no-supervisado</a:t>
+            </a:r>
+          </a:p>
+          <a:p>
+            <a:r>
+              <a:rPr lang="es-ES" dirty="0"/>
+              <a:t>Ver los algoritmos más comunes</a:t>
+            </a:r>
+          </a:p>
+          <a:p>
+            <a:r>
+              <a:rPr lang="es-ES" dirty="0"/>
+              <a:t>Identificar posibles aplicaciones: Identificación de outliers</a:t>
+            </a:r>
+          </a:p>
+          <a:p>
+            <a:r>
+              <a:rPr lang="es-ES" dirty="0"/>
+              <a:t>Estudiar la validación de clústeres no supervisados</a:t>
+            </a:r>
+          </a:p>
+          <a:p>
+            <a:r>
+              <a:rPr lang="es-ES" dirty="0"/>
+              <a:t>Definir qué son los métodos de imputación</a:t>
+            </a:r>
+          </a:p>
+          <a:p>
+            <a:endParaRPr lang="es-ES" dirty="0"/>
+          </a:p>
+          <a:p>
+            <a:endParaRPr lang="es-ES" dirty="0"/>
+          </a:p>
+          <a:p>
+            <a:endParaRPr lang="es-ES" dirty="0"/>
+          </a:p>
+          <a:p>
+            <a:endParaRPr lang="es-ES" dirty="0"/>
           </a:p>
         </p:txBody>
       </p:sp>
       <p:pic>
         <p:nvPicPr>
-          <p:cNvPr id="1026" name="Picture 2" descr="Examples of Supervised Learning (Linear Regression) and Unsupervised... |  Download Scientific Diagram"/>
+          <p:cNvPr id="2052" name="Picture 4" descr="Objetivos de la comunicación en publicidad - Gestion.Org"/>
           <p:cNvPicPr>
             <a:picLocks noChangeAspect="1" noChangeArrowheads="1"/>
           </p:cNvPicPr>
@@ -6643,8 +7547,8 @@
         </p:blipFill>
         <p:spPr bwMode="auto">
           <a:xfrm>
-            <a:off x="1286129" y="1690688"/>
-            <a:ext cx="9619742" cy="3813946"/>
+            <a:off x="8147141" y="3632194"/>
+            <a:ext cx="3324225" cy="2952751"/>
           </a:xfrm>
           <a:prstGeom prst="rect">
             <a:avLst/>
@@ -6661,70 +7565,10 @@
           </a:extLst>
         </p:spPr>
       </p:pic>
-      <p:sp>
-        <p:nvSpPr>
-          <p:cNvPr id="4" name="CuadroTexto 3"/>
-          <p:cNvSpPr txBox="1"/>
-          <p:nvPr/>
-        </p:nvSpPr>
-        <p:spPr>
-          <a:xfrm>
-            <a:off x="1724297" y="5504634"/>
-            <a:ext cx="4097383" cy="523220"/>
-          </a:xfrm>
-          <a:prstGeom prst="rect">
-            <a:avLst/>
-          </a:prstGeom>
-          <a:noFill/>
-        </p:spPr>
-        <p:txBody>
-          <a:bodyPr wrap="square" rtlCol="0">
-            <a:spAutoFit/>
-          </a:bodyPr>
-          <a:lstStyle/>
-          <a:p>
-            <a:pPr algn="ctr"/>
-            <a:r>
-              <a:rPr lang="es-ES" sz="2800" dirty="0"/>
-              <a:t>Atributos y clases</a:t>
-            </a:r>
-          </a:p>
-        </p:txBody>
-      </p:sp>
-      <p:sp>
-        <p:nvSpPr>
-          <p:cNvPr id="6" name="CuadroTexto 5"/>
-          <p:cNvSpPr txBox="1"/>
-          <p:nvPr/>
-        </p:nvSpPr>
-        <p:spPr>
-          <a:xfrm>
-            <a:off x="6315084" y="5504634"/>
-            <a:ext cx="4097383" cy="523220"/>
-          </a:xfrm>
-          <a:prstGeom prst="rect">
-            <a:avLst/>
-          </a:prstGeom>
-          <a:noFill/>
-        </p:spPr>
-        <p:txBody>
-          <a:bodyPr wrap="square" rtlCol="0">
-            <a:spAutoFit/>
-          </a:bodyPr>
-          <a:lstStyle/>
-          <a:p>
-            <a:pPr algn="ctr"/>
-            <a:r>
-              <a:rPr lang="es-ES" sz="2800" dirty="0"/>
-              <a:t>Solo atributos</a:t>
-            </a:r>
-          </a:p>
-        </p:txBody>
-      </p:sp>
     </p:spTree>
     <p:extLst>
       <p:ext uri="{BB962C8B-B14F-4D97-AF65-F5344CB8AC3E}">
-        <p14:creationId xmlns:p14="http://schemas.microsoft.com/office/powerpoint/2010/main" val="4148520123"/>
+        <p14:creationId xmlns:p14="http://schemas.microsoft.com/office/powerpoint/2010/main" val="300207621"/>
       </p:ext>
     </p:extLst>
   </p:cSld>
@@ -6767,6 +7611,876 @@
           <a:lstStyle/>
           <a:p>
             <a:r>
+              <a:rPr lang="en-GB" dirty="0"/>
+              <a:t>Variables </a:t>
+            </a:r>
+            <a:r>
+              <a:rPr lang="en-GB" dirty="0" err="1"/>
+              <a:t>Estadísticas</a:t>
+            </a:r>
+            <a:r>
+              <a:rPr lang="en-GB" dirty="0"/>
+              <a:t> I (</a:t>
+            </a:r>
+            <a:r>
+              <a:rPr lang="en-GB" dirty="0" err="1"/>
+              <a:t>Sesión</a:t>
+            </a:r>
+            <a:r>
+              <a:rPr lang="en-GB" dirty="0"/>
+              <a:t> 2)</a:t>
+            </a:r>
+          </a:p>
+        </p:txBody>
+      </p:sp>
+      <p:pic>
+        <p:nvPicPr>
+          <p:cNvPr id="3074" name="Picture 2" descr="3.4. Población y muestra. Definición de variables estadísticas y escalas de  medición. - PORTAFOLIO USIL 2017-1"/>
+          <p:cNvPicPr>
+            <a:picLocks noChangeAspect="1" noChangeArrowheads="1"/>
+          </p:cNvPicPr>
+          <p:nvPr/>
+        </p:nvPicPr>
+        <p:blipFill>
+          <a:blip r:embed="rId2">
+            <a:extLst>
+              <a:ext uri="{28A0092B-C50C-407E-A947-70E740481C1C}">
+                <a14:useLocalDpi xmlns:a14="http://schemas.microsoft.com/office/drawing/2010/main" val="0"/>
+              </a:ext>
+            </a:extLst>
+          </a:blip>
+          <a:srcRect/>
+          <a:stretch>
+            <a:fillRect/>
+          </a:stretch>
+        </p:blipFill>
+        <p:spPr bwMode="auto">
+          <a:xfrm>
+            <a:off x="1823855" y="1808254"/>
+            <a:ext cx="8544289" cy="4299976"/>
+          </a:xfrm>
+          <a:prstGeom prst="rect">
+            <a:avLst/>
+          </a:prstGeom>
+          <a:noFill/>
+          <a:extLst>
+            <a:ext uri="{909E8E84-426E-40DD-AFC4-6F175D3DCCD1}">
+              <a14:hiddenFill xmlns:a14="http://schemas.microsoft.com/office/drawing/2010/main">
+                <a:solidFill>
+                  <a:srgbClr val="FFFFFF"/>
+                </a:solidFill>
+              </a14:hiddenFill>
+            </a:ext>
+          </a:extLst>
+        </p:spPr>
+      </p:pic>
+      <p:sp>
+        <p:nvSpPr>
+          <p:cNvPr id="5" name="Elipse 4"/>
+          <p:cNvSpPr/>
+          <p:nvPr/>
+        </p:nvSpPr>
+        <p:spPr>
+          <a:xfrm>
+            <a:off x="1162594" y="2602880"/>
+            <a:ext cx="4741817" cy="3338904"/>
+          </a:xfrm>
+          <a:prstGeom prst="ellipse">
+            <a:avLst/>
+          </a:prstGeom>
+          <a:noFill/>
+          <a:ln w="25400"/>
+        </p:spPr>
+        <p:style>
+          <a:lnRef idx="2">
+            <a:schemeClr val="accent1">
+              <a:shade val="50000"/>
+            </a:schemeClr>
+          </a:lnRef>
+          <a:fillRef idx="1">
+            <a:schemeClr val="accent1"/>
+          </a:fillRef>
+          <a:effectRef idx="0">
+            <a:schemeClr val="accent1"/>
+          </a:effectRef>
+          <a:fontRef idx="minor">
+            <a:schemeClr val="lt1"/>
+          </a:fontRef>
+        </p:style>
+        <p:txBody>
+          <a:bodyPr rtlCol="0" anchor="ctr"/>
+          <a:lstStyle/>
+          <a:p>
+            <a:pPr algn="ctr"/>
+            <a:endParaRPr lang="es-ES"/>
+          </a:p>
+        </p:txBody>
+      </p:sp>
+      <p:sp>
+        <p:nvSpPr>
+          <p:cNvPr id="7" name="Elipse 6"/>
+          <p:cNvSpPr/>
+          <p:nvPr/>
+        </p:nvSpPr>
+        <p:spPr>
+          <a:xfrm>
+            <a:off x="5904411" y="2602880"/>
+            <a:ext cx="4741817" cy="3338904"/>
+          </a:xfrm>
+          <a:prstGeom prst="ellipse">
+            <a:avLst/>
+          </a:prstGeom>
+          <a:noFill/>
+          <a:ln w="25400"/>
+        </p:spPr>
+        <p:style>
+          <a:lnRef idx="2">
+            <a:schemeClr val="accent1">
+              <a:shade val="50000"/>
+            </a:schemeClr>
+          </a:lnRef>
+          <a:fillRef idx="1">
+            <a:schemeClr val="accent1"/>
+          </a:fillRef>
+          <a:effectRef idx="0">
+            <a:schemeClr val="accent1"/>
+          </a:effectRef>
+          <a:fontRef idx="minor">
+            <a:schemeClr val="lt1"/>
+          </a:fontRef>
+        </p:style>
+        <p:txBody>
+          <a:bodyPr rtlCol="0" anchor="ctr"/>
+          <a:lstStyle/>
+          <a:p>
+            <a:pPr algn="ctr"/>
+            <a:endParaRPr lang="es-ES"/>
+          </a:p>
+        </p:txBody>
+      </p:sp>
+      <p:sp>
+        <p:nvSpPr>
+          <p:cNvPr id="6" name="CuadroTexto 5"/>
+          <p:cNvSpPr txBox="1"/>
+          <p:nvPr/>
+        </p:nvSpPr>
+        <p:spPr>
+          <a:xfrm>
+            <a:off x="2114605" y="5806733"/>
+            <a:ext cx="2837793" cy="769441"/>
+          </a:xfrm>
+          <a:prstGeom prst="rect">
+            <a:avLst/>
+          </a:prstGeom>
+          <a:noFill/>
+        </p:spPr>
+        <p:txBody>
+          <a:bodyPr wrap="square" rtlCol="0">
+            <a:spAutoFit/>
+          </a:bodyPr>
+          <a:lstStyle/>
+          <a:p>
+            <a:pPr algn="ctr"/>
+            <a:r>
+              <a:rPr lang="es-ES" sz="4400" dirty="0">
+                <a:solidFill>
+                  <a:srgbClr val="002060"/>
+                </a:solidFill>
+              </a:rPr>
+              <a:t>Regresión</a:t>
+            </a:r>
+            <a:endParaRPr lang="es-ES" dirty="0">
+              <a:solidFill>
+                <a:srgbClr val="002060"/>
+              </a:solidFill>
+            </a:endParaRPr>
+          </a:p>
+        </p:txBody>
+      </p:sp>
+      <p:sp>
+        <p:nvSpPr>
+          <p:cNvPr id="9" name="CuadroTexto 8"/>
+          <p:cNvSpPr txBox="1"/>
+          <p:nvPr/>
+        </p:nvSpPr>
+        <p:spPr>
+          <a:xfrm>
+            <a:off x="6473247" y="5841075"/>
+            <a:ext cx="3511720" cy="769441"/>
+          </a:xfrm>
+          <a:prstGeom prst="rect">
+            <a:avLst/>
+          </a:prstGeom>
+          <a:noFill/>
+        </p:spPr>
+        <p:txBody>
+          <a:bodyPr wrap="square" rtlCol="0">
+            <a:spAutoFit/>
+          </a:bodyPr>
+          <a:lstStyle/>
+          <a:p>
+            <a:pPr algn="ctr"/>
+            <a:r>
+              <a:rPr lang="es-ES" sz="4400" dirty="0">
+                <a:solidFill>
+                  <a:srgbClr val="002060"/>
+                </a:solidFill>
+              </a:rPr>
+              <a:t>Clasificación</a:t>
+            </a:r>
+            <a:endParaRPr lang="es-ES" dirty="0">
+              <a:solidFill>
+                <a:srgbClr val="002060"/>
+              </a:solidFill>
+            </a:endParaRPr>
+          </a:p>
+        </p:txBody>
+      </p:sp>
+    </p:spTree>
+    <p:extLst>
+      <p:ext uri="{BB962C8B-B14F-4D97-AF65-F5344CB8AC3E}">
+        <p14:creationId xmlns:p14="http://schemas.microsoft.com/office/powerpoint/2010/main" val="47075193"/>
+      </p:ext>
+    </p:extLst>
+  </p:cSld>
+  <p:clrMapOvr>
+    <a:masterClrMapping/>
+  </p:clrMapOvr>
+</p:sld>
+</file>
+
+<file path=ppt/slides/slide13.xml><?xml version="1.0" encoding="utf-8"?>
+<p:sld xmlns:a="http://schemas.openxmlformats.org/drawingml/2006/main" xmlns:r="http://schemas.openxmlformats.org/officeDocument/2006/relationships" xmlns:p="http://schemas.openxmlformats.org/presentationml/2006/main">
+  <p:cSld>
+    <p:spTree>
+      <p:nvGrpSpPr>
+        <p:cNvPr id="1" name=""/>
+        <p:cNvGrpSpPr/>
+        <p:nvPr/>
+      </p:nvGrpSpPr>
+      <p:grpSpPr>
+        <a:xfrm>
+          <a:off x="0" y="0"/>
+          <a:ext cx="0" cy="0"/>
+          <a:chOff x="0" y="0"/>
+          <a:chExt cx="0" cy="0"/>
+        </a:xfrm>
+      </p:grpSpPr>
+      <p:sp>
+        <p:nvSpPr>
+          <p:cNvPr id="2" name="Título 1"/>
+          <p:cNvSpPr>
+            <a:spLocks noGrp="1"/>
+          </p:cNvSpPr>
+          <p:nvPr>
+            <p:ph type="title"/>
+          </p:nvPr>
+        </p:nvSpPr>
+        <p:spPr/>
+        <p:txBody>
+          <a:bodyPr/>
+          <a:lstStyle/>
+          <a:p>
+            <a:r>
+              <a:rPr lang="es-ES" dirty="0"/>
+              <a:t>Introducción </a:t>
+            </a:r>
+          </a:p>
+        </p:txBody>
+      </p:sp>
+      <p:pic>
+        <p:nvPicPr>
+          <p:cNvPr id="1026" name="Picture 2" descr="classical machine learning pattern recognition">
+            <a:extLst>
+              <a:ext uri="{FF2B5EF4-FFF2-40B4-BE49-F238E27FC236}">
+                <a16:creationId xmlns:a16="http://schemas.microsoft.com/office/drawing/2014/main" id="{E6664584-7D54-43DF-AAED-9FFC7046D00D}"/>
+              </a:ext>
+            </a:extLst>
+          </p:cNvPr>
+          <p:cNvPicPr>
+            <a:picLocks noChangeAspect="1" noChangeArrowheads="1"/>
+          </p:cNvPicPr>
+          <p:nvPr/>
+        </p:nvPicPr>
+        <p:blipFill>
+          <a:blip r:embed="rId2">
+            <a:extLst>
+              <a:ext uri="{28A0092B-C50C-407E-A947-70E740481C1C}">
+                <a14:useLocalDpi xmlns:a14="http://schemas.microsoft.com/office/drawing/2010/main" val="0"/>
+              </a:ext>
+            </a:extLst>
+          </a:blip>
+          <a:srcRect/>
+          <a:stretch>
+            <a:fillRect/>
+          </a:stretch>
+        </p:blipFill>
+        <p:spPr bwMode="auto">
+          <a:xfrm>
+            <a:off x="4523220" y="1893454"/>
+            <a:ext cx="6929871" cy="4888478"/>
+          </a:xfrm>
+          <a:prstGeom prst="rect">
+            <a:avLst/>
+          </a:prstGeom>
+          <a:noFill/>
+          <a:extLst>
+            <a:ext uri="{909E8E84-426E-40DD-AFC4-6F175D3DCCD1}">
+              <a14:hiddenFill xmlns:a14="http://schemas.microsoft.com/office/drawing/2010/main">
+                <a:solidFill>
+                  <a:srgbClr val="FFFFFF"/>
+                </a:solidFill>
+              </a14:hiddenFill>
+            </a:ext>
+          </a:extLst>
+        </p:spPr>
+      </p:pic>
+      <p:sp>
+        <p:nvSpPr>
+          <p:cNvPr id="6" name="TextBox 5">
+            <a:extLst>
+              <a:ext uri="{FF2B5EF4-FFF2-40B4-BE49-F238E27FC236}">
+                <a16:creationId xmlns:a16="http://schemas.microsoft.com/office/drawing/2014/main" id="{A54FAD4F-9635-4C1E-B4FE-B8C8474EED92}"/>
+              </a:ext>
+            </a:extLst>
+          </p:cNvPr>
+          <p:cNvSpPr txBox="1"/>
+          <p:nvPr/>
+        </p:nvSpPr>
+        <p:spPr>
+          <a:xfrm>
+            <a:off x="480291" y="3657600"/>
+            <a:ext cx="3389746" cy="830997"/>
+          </a:xfrm>
+          <a:prstGeom prst="rect">
+            <a:avLst/>
+          </a:prstGeom>
+          <a:noFill/>
+        </p:spPr>
+        <p:txBody>
+          <a:bodyPr wrap="square" rtlCol="0">
+            <a:spAutoFit/>
+          </a:bodyPr>
+          <a:lstStyle/>
+          <a:p>
+            <a:r>
+              <a:rPr lang="es-ES" sz="2400" dirty="0"/>
+              <a:t>Tipos de algoritmos de aprendizaje automático</a:t>
+            </a:r>
+          </a:p>
+        </p:txBody>
+      </p:sp>
+      <p:sp>
+        <p:nvSpPr>
+          <p:cNvPr id="7" name="Oval 6">
+            <a:extLst>
+              <a:ext uri="{FF2B5EF4-FFF2-40B4-BE49-F238E27FC236}">
+                <a16:creationId xmlns:a16="http://schemas.microsoft.com/office/drawing/2014/main" id="{5A422F3A-2571-4108-8077-414CCA682E3B}"/>
+              </a:ext>
+            </a:extLst>
+          </p:cNvPr>
+          <p:cNvSpPr/>
+          <p:nvPr/>
+        </p:nvSpPr>
+        <p:spPr>
+          <a:xfrm>
+            <a:off x="7422925" y="3342786"/>
+            <a:ext cx="1865454" cy="1847273"/>
+          </a:xfrm>
+          <a:prstGeom prst="ellipse">
+            <a:avLst/>
+          </a:prstGeom>
+          <a:noFill/>
+          <a:ln w="47625">
+            <a:solidFill>
+              <a:srgbClr val="FF0000"/>
+            </a:solidFill>
+          </a:ln>
+        </p:spPr>
+        <p:style>
+          <a:lnRef idx="2">
+            <a:schemeClr val="accent1">
+              <a:shade val="50000"/>
+            </a:schemeClr>
+          </a:lnRef>
+          <a:fillRef idx="1">
+            <a:schemeClr val="accent1"/>
+          </a:fillRef>
+          <a:effectRef idx="0">
+            <a:schemeClr val="accent1"/>
+          </a:effectRef>
+          <a:fontRef idx="minor">
+            <a:schemeClr val="lt1"/>
+          </a:fontRef>
+        </p:style>
+        <p:txBody>
+          <a:bodyPr rtlCol="0" anchor="ctr"/>
+          <a:lstStyle/>
+          <a:p>
+            <a:pPr algn="ctr"/>
+            <a:endParaRPr lang="es-ES"/>
+          </a:p>
+        </p:txBody>
+      </p:sp>
+    </p:spTree>
+    <p:extLst>
+      <p:ext uri="{BB962C8B-B14F-4D97-AF65-F5344CB8AC3E}">
+        <p14:creationId xmlns:p14="http://schemas.microsoft.com/office/powerpoint/2010/main" val="2923506841"/>
+      </p:ext>
+    </p:extLst>
+  </p:cSld>
+  <p:clrMapOvr>
+    <a:masterClrMapping/>
+  </p:clrMapOvr>
+</p:sld>
+</file>
+
+<file path=ppt/slides/slide14.xml><?xml version="1.0" encoding="utf-8"?>
+<p:sld xmlns:a="http://schemas.openxmlformats.org/drawingml/2006/main" xmlns:r="http://schemas.openxmlformats.org/officeDocument/2006/relationships" xmlns:p="http://schemas.openxmlformats.org/presentationml/2006/main">
+  <p:cSld>
+    <p:spTree>
+      <p:nvGrpSpPr>
+        <p:cNvPr id="1" name=""/>
+        <p:cNvGrpSpPr/>
+        <p:nvPr/>
+      </p:nvGrpSpPr>
+      <p:grpSpPr>
+        <a:xfrm>
+          <a:off x="0" y="0"/>
+          <a:ext cx="0" cy="0"/>
+          <a:chOff x="0" y="0"/>
+          <a:chExt cx="0" cy="0"/>
+        </a:xfrm>
+      </p:grpSpPr>
+      <p:pic>
+        <p:nvPicPr>
+          <p:cNvPr id="1026" name="Picture 2" descr="Examples of Supervised Learning (Linear Regression) and Unsupervised... |  Download Scientific Diagram"/>
+          <p:cNvPicPr>
+            <a:picLocks noChangeAspect="1" noChangeArrowheads="1"/>
+          </p:cNvPicPr>
+          <p:nvPr/>
+        </p:nvPicPr>
+        <p:blipFill>
+          <a:blip r:embed="rId2">
+            <a:extLst>
+              <a:ext uri="{28A0092B-C50C-407E-A947-70E740481C1C}">
+                <a14:useLocalDpi xmlns:a14="http://schemas.microsoft.com/office/drawing/2010/main" val="0"/>
+              </a:ext>
+            </a:extLst>
+          </a:blip>
+          <a:srcRect/>
+          <a:stretch>
+            <a:fillRect/>
+          </a:stretch>
+        </p:blipFill>
+        <p:spPr bwMode="auto">
+          <a:xfrm>
+            <a:off x="1286129" y="1692907"/>
+            <a:ext cx="9619742" cy="3813946"/>
+          </a:xfrm>
+          <a:prstGeom prst="rect">
+            <a:avLst/>
+          </a:prstGeom>
+          <a:noFill/>
+          <a:extLst>
+            <a:ext uri="{909E8E84-426E-40DD-AFC4-6F175D3DCCD1}">
+              <a14:hiddenFill xmlns:a14="http://schemas.microsoft.com/office/drawing/2010/main">
+                <a:solidFill>
+                  <a:srgbClr val="FFFFFF"/>
+                </a:solidFill>
+              </a14:hiddenFill>
+            </a:ext>
+          </a:extLst>
+        </p:spPr>
+      </p:pic>
+      <p:sp>
+        <p:nvSpPr>
+          <p:cNvPr id="4" name="CuadroTexto 3"/>
+          <p:cNvSpPr txBox="1"/>
+          <p:nvPr/>
+        </p:nvSpPr>
+        <p:spPr>
+          <a:xfrm>
+            <a:off x="1724297" y="5504634"/>
+            <a:ext cx="4097383" cy="523220"/>
+          </a:xfrm>
+          <a:prstGeom prst="rect">
+            <a:avLst/>
+          </a:prstGeom>
+          <a:noFill/>
+        </p:spPr>
+        <p:txBody>
+          <a:bodyPr wrap="square" rtlCol="0">
+            <a:spAutoFit/>
+          </a:bodyPr>
+          <a:lstStyle/>
+          <a:p>
+            <a:pPr algn="ctr"/>
+            <a:r>
+              <a:rPr lang="es-ES" sz="2800" dirty="0"/>
+              <a:t>Atributos y clases</a:t>
+            </a:r>
+          </a:p>
+        </p:txBody>
+      </p:sp>
+      <p:sp>
+        <p:nvSpPr>
+          <p:cNvPr id="6" name="CuadroTexto 5"/>
+          <p:cNvSpPr txBox="1"/>
+          <p:nvPr/>
+        </p:nvSpPr>
+        <p:spPr>
+          <a:xfrm>
+            <a:off x="6315084" y="5504634"/>
+            <a:ext cx="4097383" cy="523220"/>
+          </a:xfrm>
+          <a:prstGeom prst="rect">
+            <a:avLst/>
+          </a:prstGeom>
+          <a:noFill/>
+        </p:spPr>
+        <p:txBody>
+          <a:bodyPr wrap="square" rtlCol="0">
+            <a:spAutoFit/>
+          </a:bodyPr>
+          <a:lstStyle/>
+          <a:p>
+            <a:pPr algn="ctr"/>
+            <a:r>
+              <a:rPr lang="es-ES" sz="2800" dirty="0"/>
+              <a:t>Solo atributos</a:t>
+            </a:r>
+          </a:p>
+        </p:txBody>
+      </p:sp>
+      <p:sp>
+        <p:nvSpPr>
+          <p:cNvPr id="9" name="Título 1">
+            <a:extLst>
+              <a:ext uri="{FF2B5EF4-FFF2-40B4-BE49-F238E27FC236}">
+                <a16:creationId xmlns:a16="http://schemas.microsoft.com/office/drawing/2014/main" id="{EFCF3737-C2F4-4C0B-B839-D65AE9DA19FA}"/>
+              </a:ext>
+            </a:extLst>
+          </p:cNvPr>
+          <p:cNvSpPr>
+            <a:spLocks noGrp="1"/>
+          </p:cNvSpPr>
+          <p:nvPr>
+            <p:ph type="title"/>
+          </p:nvPr>
+        </p:nvSpPr>
+        <p:spPr>
+          <a:xfrm>
+            <a:off x="838200" y="365125"/>
+            <a:ext cx="10515600" cy="1325563"/>
+          </a:xfrm>
+        </p:spPr>
+        <p:txBody>
+          <a:bodyPr/>
+          <a:lstStyle/>
+          <a:p>
+            <a:r>
+              <a:rPr lang="es-ES" dirty="0"/>
+              <a:t>Introducción </a:t>
+            </a:r>
+          </a:p>
+        </p:txBody>
+      </p:sp>
+    </p:spTree>
+    <p:extLst>
+      <p:ext uri="{BB962C8B-B14F-4D97-AF65-F5344CB8AC3E}">
+        <p14:creationId xmlns:p14="http://schemas.microsoft.com/office/powerpoint/2010/main" val="4148520123"/>
+      </p:ext>
+    </p:extLst>
+  </p:cSld>
+  <p:clrMapOvr>
+    <a:masterClrMapping/>
+  </p:clrMapOvr>
+</p:sld>
+</file>
+
+<file path=ppt/slides/slide15.xml><?xml version="1.0" encoding="utf-8"?>
+<p:sld xmlns:a="http://schemas.openxmlformats.org/drawingml/2006/main" xmlns:r="http://schemas.openxmlformats.org/officeDocument/2006/relationships" xmlns:p="http://schemas.openxmlformats.org/presentationml/2006/main">
+  <p:cSld>
+    <p:spTree>
+      <p:nvGrpSpPr>
+        <p:cNvPr id="1" name=""/>
+        <p:cNvGrpSpPr/>
+        <p:nvPr/>
+      </p:nvGrpSpPr>
+      <p:grpSpPr>
+        <a:xfrm>
+          <a:off x="0" y="0"/>
+          <a:ext cx="0" cy="0"/>
+          <a:chOff x="0" y="0"/>
+          <a:chExt cx="0" cy="0"/>
+        </a:xfrm>
+      </p:grpSpPr>
+      <p:sp>
+        <p:nvSpPr>
+          <p:cNvPr id="4" name="Título 1">
+            <a:extLst>
+              <a:ext uri="{FF2B5EF4-FFF2-40B4-BE49-F238E27FC236}">
+                <a16:creationId xmlns:a16="http://schemas.microsoft.com/office/drawing/2014/main" id="{C5D6DB61-39C6-4389-8C11-F451CAE0CD5A}"/>
+              </a:ext>
+            </a:extLst>
+          </p:cNvPr>
+          <p:cNvSpPr>
+            <a:spLocks noGrp="1"/>
+          </p:cNvSpPr>
+          <p:nvPr>
+            <p:ph type="title"/>
+          </p:nvPr>
+        </p:nvSpPr>
+        <p:spPr>
+          <a:xfrm>
+            <a:off x="838200" y="355600"/>
+            <a:ext cx="10515600" cy="1325563"/>
+          </a:xfrm>
+        </p:spPr>
+        <p:txBody>
+          <a:bodyPr/>
+          <a:lstStyle/>
+          <a:p>
+            <a:r>
+              <a:rPr lang="es-ES" dirty="0"/>
+              <a:t>Introducción </a:t>
+            </a:r>
+          </a:p>
+        </p:txBody>
+      </p:sp>
+      <p:pic>
+        <p:nvPicPr>
+          <p:cNvPr id="1026" name="Picture 2">
+            <a:extLst>
+              <a:ext uri="{FF2B5EF4-FFF2-40B4-BE49-F238E27FC236}">
+                <a16:creationId xmlns:a16="http://schemas.microsoft.com/office/drawing/2014/main" id="{A5A99F72-CB0F-4882-B276-1EF0D2C5FC5F}"/>
+              </a:ext>
+            </a:extLst>
+          </p:cNvPr>
+          <p:cNvPicPr>
+            <a:picLocks noChangeAspect="1" noChangeArrowheads="1"/>
+          </p:cNvPicPr>
+          <p:nvPr/>
+        </p:nvPicPr>
+        <p:blipFill>
+          <a:blip r:embed="rId2">
+            <a:extLst>
+              <a:ext uri="{28A0092B-C50C-407E-A947-70E740481C1C}">
+                <a14:useLocalDpi xmlns:a14="http://schemas.microsoft.com/office/drawing/2010/main" val="0"/>
+              </a:ext>
+            </a:extLst>
+          </a:blip>
+          <a:srcRect/>
+          <a:stretch>
+            <a:fillRect/>
+          </a:stretch>
+        </p:blipFill>
+        <p:spPr bwMode="auto">
+          <a:xfrm>
+            <a:off x="2964874" y="2248095"/>
+            <a:ext cx="7357774" cy="4488221"/>
+          </a:xfrm>
+          <a:prstGeom prst="rect">
+            <a:avLst/>
+          </a:prstGeom>
+          <a:noFill/>
+          <a:extLst>
+            <a:ext uri="{909E8E84-426E-40DD-AFC4-6F175D3DCCD1}">
+              <a14:hiddenFill xmlns:a14="http://schemas.microsoft.com/office/drawing/2010/main">
+                <a:solidFill>
+                  <a:srgbClr val="FFFFFF"/>
+                </a:solidFill>
+              </a14:hiddenFill>
+            </a:ext>
+          </a:extLst>
+        </p:spPr>
+      </p:pic>
+      <p:sp>
+        <p:nvSpPr>
+          <p:cNvPr id="5" name="TextBox 4">
+            <a:extLst>
+              <a:ext uri="{FF2B5EF4-FFF2-40B4-BE49-F238E27FC236}">
+                <a16:creationId xmlns:a16="http://schemas.microsoft.com/office/drawing/2014/main" id="{F48E5763-2C6B-4EA6-B935-5EF74D782195}"/>
+              </a:ext>
+            </a:extLst>
+          </p:cNvPr>
+          <p:cNvSpPr txBox="1"/>
+          <p:nvPr/>
+        </p:nvSpPr>
+        <p:spPr>
+          <a:xfrm>
+            <a:off x="838200" y="1878763"/>
+            <a:ext cx="4488873" cy="369332"/>
+          </a:xfrm>
+          <a:prstGeom prst="rect">
+            <a:avLst/>
+          </a:prstGeom>
+          <a:noFill/>
+        </p:spPr>
+        <p:txBody>
+          <a:bodyPr wrap="square" rtlCol="0">
+            <a:spAutoFit/>
+          </a:bodyPr>
+          <a:lstStyle/>
+          <a:p>
+            <a:r>
+              <a:rPr lang="es-ES" dirty="0"/>
+              <a:t>En verdad, no todo es tan sencillo…</a:t>
+            </a:r>
+          </a:p>
+        </p:txBody>
+      </p:sp>
+    </p:spTree>
+    <p:extLst>
+      <p:ext uri="{BB962C8B-B14F-4D97-AF65-F5344CB8AC3E}">
+        <p14:creationId xmlns:p14="http://schemas.microsoft.com/office/powerpoint/2010/main" val="3937452992"/>
+      </p:ext>
+    </p:extLst>
+  </p:cSld>
+  <p:clrMapOvr>
+    <a:masterClrMapping/>
+  </p:clrMapOvr>
+</p:sld>
+</file>
+
+<file path=ppt/slides/slide16.xml><?xml version="1.0" encoding="utf-8"?>
+<p:sld xmlns:a="http://schemas.openxmlformats.org/drawingml/2006/main" xmlns:r="http://schemas.openxmlformats.org/officeDocument/2006/relationships" xmlns:p="http://schemas.openxmlformats.org/presentationml/2006/main">
+  <p:cSld>
+    <p:spTree>
+      <p:nvGrpSpPr>
+        <p:cNvPr id="1" name=""/>
+        <p:cNvGrpSpPr/>
+        <p:nvPr/>
+      </p:nvGrpSpPr>
+      <p:grpSpPr>
+        <a:xfrm>
+          <a:off x="0" y="0"/>
+          <a:ext cx="0" cy="0"/>
+          <a:chOff x="0" y="0"/>
+          <a:chExt cx="0" cy="0"/>
+        </a:xfrm>
+      </p:grpSpPr>
+      <p:sp>
+        <p:nvSpPr>
+          <p:cNvPr id="2" name="Título 1"/>
+          <p:cNvSpPr>
+            <a:spLocks noGrp="1"/>
+          </p:cNvSpPr>
+          <p:nvPr>
+            <p:ph type="title"/>
+          </p:nvPr>
+        </p:nvSpPr>
+        <p:spPr/>
+        <p:txBody>
+          <a:bodyPr/>
+          <a:lstStyle/>
+          <a:p>
+            <a:r>
+              <a:rPr lang="es-ES" dirty="0"/>
+              <a:t>Introducción Clustering No-supervisado</a:t>
+            </a:r>
+          </a:p>
+        </p:txBody>
+      </p:sp>
+      <p:sp>
+        <p:nvSpPr>
+          <p:cNvPr id="3" name="Marcador de contenido 2"/>
+          <p:cNvSpPr>
+            <a:spLocks noGrp="1"/>
+          </p:cNvSpPr>
+          <p:nvPr>
+            <p:ph idx="1"/>
+          </p:nvPr>
+        </p:nvSpPr>
+        <p:spPr/>
+        <p:txBody>
+          <a:bodyPr/>
+          <a:lstStyle/>
+          <a:p>
+            <a:pPr marL="0" indent="0" algn="just">
+              <a:buNone/>
+            </a:pPr>
+            <a:r>
+              <a:rPr lang="es-ES" dirty="0"/>
+              <a:t>¿Qué es?</a:t>
+            </a:r>
+          </a:p>
+          <a:p>
+            <a:pPr marL="0" indent="0" algn="just">
+              <a:buNone/>
+            </a:pPr>
+            <a:endParaRPr lang="es-ES" dirty="0"/>
+          </a:p>
+          <a:p>
+            <a:pPr marL="0" indent="0" algn="just">
+              <a:buNone/>
+            </a:pPr>
+            <a:r>
+              <a:rPr lang="es-ES" dirty="0"/>
+              <a:t>“Si no se dispone del conjunto de entrenamiento, es decir, no existe conocimiento acerca de las etiquetas de los patrones, entonces para clasificar objetos se necesita un proceso previo de análisis de los datos que se conoce como clasificación no supervisada, aprendizaje no supervisado o técnicas de agrupamiento (clustering), que proporcionan un conocimiento sobre la estructura de los datos”</a:t>
+            </a:r>
+          </a:p>
+          <a:p>
+            <a:pPr marL="0" indent="0">
+              <a:buNone/>
+            </a:pPr>
+            <a:endParaRPr lang="es-ES" dirty="0"/>
+          </a:p>
+          <a:p>
+            <a:pPr marL="0" indent="0">
+              <a:buNone/>
+            </a:pPr>
+            <a:endParaRPr lang="es-ES" dirty="0"/>
+          </a:p>
+        </p:txBody>
+      </p:sp>
+    </p:spTree>
+    <p:extLst>
+      <p:ext uri="{BB962C8B-B14F-4D97-AF65-F5344CB8AC3E}">
+        <p14:creationId xmlns:p14="http://schemas.microsoft.com/office/powerpoint/2010/main" val="2878335658"/>
+      </p:ext>
+    </p:extLst>
+  </p:cSld>
+  <p:clrMapOvr>
+    <a:masterClrMapping/>
+  </p:clrMapOvr>
+</p:sld>
+</file>
+
+<file path=ppt/slides/slide17.xml><?xml version="1.0" encoding="utf-8"?>
+<p:sld xmlns:a="http://schemas.openxmlformats.org/drawingml/2006/main" xmlns:r="http://schemas.openxmlformats.org/officeDocument/2006/relationships" xmlns:p="http://schemas.openxmlformats.org/presentationml/2006/main">
+  <p:cSld>
+    <p:spTree>
+      <p:nvGrpSpPr>
+        <p:cNvPr id="1" name=""/>
+        <p:cNvGrpSpPr/>
+        <p:nvPr/>
+      </p:nvGrpSpPr>
+      <p:grpSpPr>
+        <a:xfrm>
+          <a:off x="0" y="0"/>
+          <a:ext cx="0" cy="0"/>
+          <a:chOff x="0" y="0"/>
+          <a:chExt cx="0" cy="0"/>
+        </a:xfrm>
+      </p:grpSpPr>
+      <p:sp>
+        <p:nvSpPr>
+          <p:cNvPr id="2" name="Título 1"/>
+          <p:cNvSpPr>
+            <a:spLocks noGrp="1"/>
+          </p:cNvSpPr>
+          <p:nvPr>
+            <p:ph type="title"/>
+          </p:nvPr>
+        </p:nvSpPr>
+        <p:spPr/>
+        <p:txBody>
+          <a:bodyPr/>
+          <a:lstStyle/>
+          <a:p>
+            <a:r>
               <a:rPr lang="es-ES" dirty="0"/>
               <a:t>Introducción Clustering No-supervisado</a:t>
             </a:r>
@@ -6844,7 +8558,7 @@
 </p:sld>
 </file>
 
-<file path=ppt/slides/slide13.xml><?xml version="1.0" encoding="utf-8"?>
+<file path=ppt/slides/slide18.xml><?xml version="1.0" encoding="utf-8"?>
 <p:sld xmlns:a="http://schemas.openxmlformats.org/drawingml/2006/main" xmlns:r="http://schemas.openxmlformats.org/officeDocument/2006/relationships" xmlns:p="http://schemas.openxmlformats.org/presentationml/2006/main">
   <p:cSld>
     <p:spTree>
@@ -7114,7 +8828,7 @@
 </p:sld>
 </file>
 
-<file path=ppt/slides/slide14.xml><?xml version="1.0" encoding="utf-8"?>
+<file path=ppt/slides/slide19.xml><?xml version="1.0" encoding="utf-8"?>
 <p:sld xmlns:a="http://schemas.openxmlformats.org/drawingml/2006/main" xmlns:r="http://schemas.openxmlformats.org/officeDocument/2006/relationships" xmlns:p="http://schemas.openxmlformats.org/presentationml/2006/main">
   <p:cSld>
     <p:spTree>
@@ -7258,7 +8972,233 @@
 </p:sld>
 </file>
 
-<file path=ppt/slides/slide15.xml><?xml version="1.0" encoding="utf-8"?>
+<file path=ppt/slides/slide2.xml><?xml version="1.0" encoding="utf-8"?>
+<p:sld xmlns:a="http://schemas.openxmlformats.org/drawingml/2006/main" xmlns:r="http://schemas.openxmlformats.org/officeDocument/2006/relationships" xmlns:p="http://schemas.openxmlformats.org/presentationml/2006/main">
+  <p:cSld>
+    <p:spTree>
+      <p:nvGrpSpPr>
+        <p:cNvPr id="1" name=""/>
+        <p:cNvGrpSpPr/>
+        <p:nvPr/>
+      </p:nvGrpSpPr>
+      <p:grpSpPr>
+        <a:xfrm>
+          <a:off x="0" y="0"/>
+          <a:ext cx="0" cy="0"/>
+          <a:chOff x="0" y="0"/>
+          <a:chExt cx="0" cy="0"/>
+        </a:xfrm>
+      </p:grpSpPr>
+      <p:sp>
+        <p:nvSpPr>
+          <p:cNvPr id="2" name="Título 1">
+            <a:extLst>
+              <a:ext uri="{FF2B5EF4-FFF2-40B4-BE49-F238E27FC236}">
+                <a16:creationId xmlns:a16="http://schemas.microsoft.com/office/drawing/2014/main" id="{E6F876DF-B3E3-43EA-B556-5A0D56EBFC87}"/>
+              </a:ext>
+            </a:extLst>
+          </p:cNvPr>
+          <p:cNvSpPr>
+            <a:spLocks noGrp="1"/>
+          </p:cNvSpPr>
+          <p:nvPr>
+            <p:ph type="title"/>
+          </p:nvPr>
+        </p:nvSpPr>
+        <p:spPr/>
+        <p:txBody>
+          <a:bodyPr/>
+          <a:lstStyle/>
+          <a:p>
+            <a:r>
+              <a:rPr lang="es-ES" dirty="0"/>
+              <a:t>Introducción General</a:t>
+            </a:r>
+            <a:endParaRPr lang="en-GB" dirty="0"/>
+          </a:p>
+        </p:txBody>
+      </p:sp>
+      <p:sp>
+        <p:nvSpPr>
+          <p:cNvPr id="17" name="Marcador de contenido 16">
+            <a:extLst>
+              <a:ext uri="{FF2B5EF4-FFF2-40B4-BE49-F238E27FC236}">
+                <a16:creationId xmlns:a16="http://schemas.microsoft.com/office/drawing/2014/main" id="{803D551A-E37E-40C9-B653-44E77665497E}"/>
+              </a:ext>
+            </a:extLst>
+          </p:cNvPr>
+          <p:cNvSpPr>
+            <a:spLocks noGrp="1"/>
+          </p:cNvSpPr>
+          <p:nvPr>
+            <p:ph idx="1"/>
+          </p:nvPr>
+        </p:nvSpPr>
+        <p:spPr/>
+        <p:txBody>
+          <a:bodyPr>
+            <a:normAutofit fontScale="77500" lnSpcReduction="20000"/>
+          </a:bodyPr>
+          <a:lstStyle/>
+          <a:p>
+            <a:r>
+              <a:rPr lang="es-ES" dirty="0"/>
+              <a:t>La tecnología evoluciona. En 2021…</a:t>
+            </a:r>
+          </a:p>
+          <a:p>
+            <a:pPr lvl="1"/>
+            <a:r>
+              <a:rPr lang="es-ES" dirty="0"/>
+              <a:t>Los sistemas de monitorización y control son capaces de entregar grandes volúmenes de información</a:t>
+            </a:r>
+          </a:p>
+          <a:p>
+            <a:pPr lvl="1"/>
+            <a:r>
+              <a:rPr lang="en-GB" dirty="0" err="1"/>
+              <a:t>Existen</a:t>
+            </a:r>
+            <a:r>
+              <a:rPr lang="en-GB" dirty="0"/>
+              <a:t> </a:t>
+            </a:r>
+            <a:r>
+              <a:rPr lang="en-GB" dirty="0" err="1"/>
+              <a:t>herramientas</a:t>
+            </a:r>
+            <a:r>
+              <a:rPr lang="en-GB" dirty="0"/>
+              <a:t> de </a:t>
+            </a:r>
+            <a:r>
+              <a:rPr lang="en-GB" dirty="0" err="1"/>
+              <a:t>análisis</a:t>
+            </a:r>
+            <a:r>
+              <a:rPr lang="en-GB" dirty="0"/>
+              <a:t> </a:t>
+            </a:r>
+            <a:r>
+              <a:rPr lang="en-GB" dirty="0" err="1"/>
+              <a:t>avanzadas</a:t>
+            </a:r>
+            <a:endParaRPr lang="en-GB" dirty="0"/>
+          </a:p>
+          <a:p>
+            <a:r>
+              <a:rPr lang="en-GB" dirty="0"/>
+              <a:t>Las </a:t>
+            </a:r>
+            <a:r>
+              <a:rPr lang="en-GB" dirty="0" err="1"/>
+              <a:t>aplicaciones</a:t>
+            </a:r>
+            <a:r>
+              <a:rPr lang="en-GB" dirty="0"/>
+              <a:t> </a:t>
+            </a:r>
+            <a:r>
+              <a:rPr lang="en-GB" dirty="0" err="1"/>
+              <a:t>energéticas</a:t>
+            </a:r>
+            <a:r>
+              <a:rPr lang="en-GB" dirty="0"/>
+              <a:t> </a:t>
+            </a:r>
+            <a:r>
+              <a:rPr lang="en-GB" dirty="0" err="1"/>
+              <a:t>evolucionan</a:t>
+            </a:r>
+            <a:endParaRPr lang="en-GB" dirty="0"/>
+          </a:p>
+          <a:p>
+            <a:pPr lvl="1"/>
+            <a:r>
+              <a:rPr lang="es-ES" dirty="0"/>
+              <a:t>Relevancia creciente de la variabilidad en el precio de la energía (eléctrica)</a:t>
+            </a:r>
+          </a:p>
+          <a:p>
+            <a:pPr lvl="1"/>
+            <a:r>
+              <a:rPr lang="es-ES" dirty="0"/>
+              <a:t>Diseño cada vez más ajustado de los sistemas de producción y distribución de energía al consumo previsto</a:t>
+            </a:r>
+          </a:p>
+          <a:p>
+            <a:pPr lvl="1"/>
+            <a:r>
+              <a:rPr lang="es-ES" dirty="0"/>
+              <a:t>Mercado incipiente de los servicios energéticos y/o de flexibilidad.</a:t>
+            </a:r>
+          </a:p>
+          <a:p>
+            <a:r>
+              <a:rPr lang="es-ES" dirty="0"/>
+              <a:t>Es necesario reenfocar los estudios energéticos</a:t>
+            </a:r>
+          </a:p>
+          <a:p>
+            <a:pPr lvl="1"/>
+            <a:r>
+              <a:rPr lang="es-ES" dirty="0"/>
+              <a:t>Complementar los procesos de diseño, modelado y dimensionamiento</a:t>
+            </a:r>
+          </a:p>
+          <a:p>
+            <a:pPr lvl="1"/>
+            <a:r>
+              <a:rPr lang="es-ES" dirty="0"/>
+              <a:t>Introducir un enfoque basado en datos</a:t>
+            </a:r>
+          </a:p>
+          <a:p>
+            <a:pPr lvl="1"/>
+            <a:endParaRPr lang="en-GB" dirty="0"/>
+          </a:p>
+          <a:p>
+            <a:pPr marL="0" indent="0">
+              <a:buNone/>
+            </a:pPr>
+            <a:r>
+              <a:rPr lang="en-GB" i="1" dirty="0" err="1"/>
+              <a:t>Empecemos</a:t>
+            </a:r>
+            <a:r>
+              <a:rPr lang="en-GB" i="1" dirty="0"/>
+              <a:t> por un </a:t>
+            </a:r>
+            <a:r>
+              <a:rPr lang="en-GB" i="1" dirty="0" err="1"/>
+              <a:t>pequeño</a:t>
+            </a:r>
+            <a:r>
+              <a:rPr lang="en-GB" i="1" dirty="0"/>
+              <a:t> </a:t>
+            </a:r>
+            <a:r>
+              <a:rPr lang="en-GB" i="1" dirty="0" err="1"/>
+              <a:t>seminario</a:t>
+            </a:r>
+            <a:endParaRPr lang="en-GB" i="1" dirty="0"/>
+          </a:p>
+        </p:txBody>
+      </p:sp>
+    </p:spTree>
+    <p:extLst>
+      <p:ext uri="{BB962C8B-B14F-4D97-AF65-F5344CB8AC3E}">
+        <p14:creationId xmlns:p14="http://schemas.microsoft.com/office/powerpoint/2010/main" val="1776554888"/>
+      </p:ext>
+    </p:extLst>
+  </p:cSld>
+  <p:clrMapOvr>
+    <a:masterClrMapping/>
+  </p:clrMapOvr>
+</p:sld>
+</file>
+
+<file path=ppt/slides/slide20.xml><?xml version="1.0" encoding="utf-8"?>
 <p:sld xmlns:a="http://schemas.openxmlformats.org/drawingml/2006/main" xmlns:r="http://schemas.openxmlformats.org/officeDocument/2006/relationships" xmlns:p="http://schemas.openxmlformats.org/presentationml/2006/main">
   <p:cSld>
     <p:spTree>
@@ -7395,7 +9335,7 @@
 </p:sld>
 </file>
 
-<file path=ppt/slides/slide16.xml><?xml version="1.0" encoding="utf-8"?>
+<file path=ppt/slides/slide21.xml><?xml version="1.0" encoding="utf-8"?>
 <p:sld xmlns:a="http://schemas.openxmlformats.org/drawingml/2006/main" xmlns:r="http://schemas.openxmlformats.org/officeDocument/2006/relationships" xmlns:p="http://schemas.openxmlformats.org/presentationml/2006/main">
   <p:cSld>
     <p:spTree>
@@ -7590,7 +9530,159 @@
 </p:sld>
 </file>
 
-<file path=ppt/slides/slide17.xml><?xml version="1.0" encoding="utf-8"?>
+<file path=ppt/slides/slide22.xml><?xml version="1.0" encoding="utf-8"?>
+<p:sld xmlns:a="http://schemas.openxmlformats.org/drawingml/2006/main" xmlns:r="http://schemas.openxmlformats.org/officeDocument/2006/relationships" xmlns:p="http://schemas.openxmlformats.org/presentationml/2006/main">
+  <p:cSld>
+    <p:spTree>
+      <p:nvGrpSpPr>
+        <p:cNvPr id="1" name=""/>
+        <p:cNvGrpSpPr/>
+        <p:nvPr/>
+      </p:nvGrpSpPr>
+      <p:grpSpPr>
+        <a:xfrm>
+          <a:off x="0" y="0"/>
+          <a:ext cx="0" cy="0"/>
+          <a:chOff x="0" y="0"/>
+          <a:chExt cx="0" cy="0"/>
+        </a:xfrm>
+      </p:grpSpPr>
+      <p:sp>
+        <p:nvSpPr>
+          <p:cNvPr id="2" name="Título 1"/>
+          <p:cNvSpPr>
+            <a:spLocks noGrp="1"/>
+          </p:cNvSpPr>
+          <p:nvPr>
+            <p:ph type="title"/>
+          </p:nvPr>
+        </p:nvSpPr>
+        <p:spPr/>
+        <p:txBody>
+          <a:bodyPr/>
+          <a:lstStyle/>
+          <a:p>
+            <a:r>
+              <a:rPr lang="en-GB" dirty="0"/>
+              <a:t>Clustering: </a:t>
+            </a:r>
+            <a:r>
+              <a:rPr lang="en-GB" dirty="0" err="1"/>
+              <a:t>Algoritmos</a:t>
+            </a:r>
+            <a:r>
+              <a:rPr lang="en-GB" dirty="0"/>
+              <a:t> </a:t>
+            </a:r>
+            <a:r>
+              <a:rPr lang="en-GB" dirty="0" err="1"/>
+              <a:t>Comunes</a:t>
+            </a:r>
+            <a:endParaRPr lang="en-GB" dirty="0"/>
+          </a:p>
+        </p:txBody>
+      </p:sp>
+      <p:pic>
+        <p:nvPicPr>
+          <p:cNvPr id="5" name="Picture 2" descr="Clustering Algorithms. Contributed by: Milind | by Great Learning | Medium"/>
+          <p:cNvPicPr>
+            <a:picLocks noChangeAspect="1" noChangeArrowheads="1"/>
+          </p:cNvPicPr>
+          <p:nvPr/>
+        </p:nvPicPr>
+        <p:blipFill>
+          <a:blip r:embed="rId2">
+            <a:extLst>
+              <a:ext uri="{28A0092B-C50C-407E-A947-70E740481C1C}">
+                <a14:useLocalDpi xmlns:a14="http://schemas.microsoft.com/office/drawing/2010/main" val="0"/>
+              </a:ext>
+            </a:extLst>
+          </a:blip>
+          <a:srcRect/>
+          <a:stretch>
+            <a:fillRect/>
+          </a:stretch>
+        </p:blipFill>
+        <p:spPr bwMode="auto">
+          <a:xfrm>
+            <a:off x="3553142" y="1807618"/>
+            <a:ext cx="5085715" cy="4748913"/>
+          </a:xfrm>
+          <a:prstGeom prst="rect">
+            <a:avLst/>
+          </a:prstGeom>
+          <a:noFill/>
+          <a:extLst>
+            <a:ext uri="{909E8E84-426E-40DD-AFC4-6F175D3DCCD1}">
+              <a14:hiddenFill xmlns:a14="http://schemas.microsoft.com/office/drawing/2010/main">
+                <a:solidFill>
+                  <a:srgbClr val="FFFFFF"/>
+                </a:solidFill>
+              </a14:hiddenFill>
+            </a:ext>
+          </a:extLst>
+        </p:spPr>
+      </p:pic>
+      <p:sp>
+        <p:nvSpPr>
+          <p:cNvPr id="8" name="Elipse 7"/>
+          <p:cNvSpPr/>
+          <p:nvPr/>
+        </p:nvSpPr>
+        <p:spPr>
+          <a:xfrm>
+            <a:off x="5593277" y="4112821"/>
+            <a:ext cx="1332411" cy="796834"/>
+          </a:xfrm>
+          <a:prstGeom prst="ellipse">
+            <a:avLst/>
+          </a:prstGeom>
+          <a:noFill/>
+          <a:ln w="31750">
+            <a:solidFill>
+              <a:srgbClr val="FF0000"/>
+            </a:solidFill>
+          </a:ln>
+        </p:spPr>
+        <p:style>
+          <a:lnRef idx="2">
+            <a:schemeClr val="accent1">
+              <a:shade val="50000"/>
+            </a:schemeClr>
+          </a:lnRef>
+          <a:fillRef idx="1">
+            <a:schemeClr val="accent1"/>
+          </a:fillRef>
+          <a:effectRef idx="0">
+            <a:schemeClr val="accent1"/>
+          </a:effectRef>
+          <a:fontRef idx="minor">
+            <a:schemeClr val="lt1"/>
+          </a:fontRef>
+        </p:style>
+        <p:txBody>
+          <a:bodyPr rtlCol="0" anchor="ctr"/>
+          <a:lstStyle/>
+          <a:p>
+            <a:pPr algn="ctr"/>
+            <a:endParaRPr lang="es-ES"/>
+          </a:p>
+        </p:txBody>
+      </p:sp>
+    </p:spTree>
+    <p:extLst>
+      <p:ext uri="{BB962C8B-B14F-4D97-AF65-F5344CB8AC3E}">
+        <p14:creationId xmlns:p14="http://schemas.microsoft.com/office/powerpoint/2010/main" val="1607093231"/>
+      </p:ext>
+    </p:extLst>
+  </p:cSld>
+  <p:clrMapOvr>
+    <a:masterClrMapping/>
+  </p:clrMapOvr>
+</p:sld>
+</file>
+
+<file path=ppt/slides/slide23.xml><?xml version="1.0" encoding="utf-8"?>
 <p:sld xmlns:a="http://schemas.openxmlformats.org/drawingml/2006/main" xmlns:r="http://schemas.openxmlformats.org/officeDocument/2006/relationships" xmlns:p="http://schemas.openxmlformats.org/presentationml/2006/main">
   <p:cSld>
     <p:spTree>
@@ -7755,7 +9847,7 @@
 </p:sld>
 </file>
 
-<file path=ppt/slides/slide18.xml><?xml version="1.0" encoding="utf-8"?>
+<file path=ppt/slides/slide24.xml><?xml version="1.0" encoding="utf-8"?>
 <p:sld xmlns:a="http://schemas.openxmlformats.org/drawingml/2006/main" xmlns:r="http://schemas.openxmlformats.org/officeDocument/2006/relationships" xmlns:p="http://schemas.openxmlformats.org/presentationml/2006/main">
   <p:cSld>
     <p:spTree>
@@ -8484,7 +10576,7 @@
 </p:sld>
 </file>
 
-<file path=ppt/slides/slide19.xml><?xml version="1.0" encoding="utf-8"?>
+<file path=ppt/slides/slide25.xml><?xml version="1.0" encoding="utf-8"?>
 <p:sld xmlns:a="http://schemas.openxmlformats.org/drawingml/2006/main" xmlns:r="http://schemas.openxmlformats.org/officeDocument/2006/relationships" xmlns:p="http://schemas.openxmlformats.org/presentationml/2006/main">
   <p:cSld>
     <p:spTree>
@@ -9178,7 +11270,7 @@
 </p:sld>
 </file>
 
-<file path=ppt/slides/slide2.xml><?xml version="1.0" encoding="utf-8"?>
+<file path=ppt/slides/slide26.xml><?xml version="1.0" encoding="utf-8"?>
 <p:sld xmlns:a="http://schemas.openxmlformats.org/drawingml/2006/main" xmlns:r="http://schemas.openxmlformats.org/officeDocument/2006/relationships" xmlns:p="http://schemas.openxmlformats.org/presentationml/2006/main">
   <p:cSld>
     <p:spTree>
@@ -9197,204 +11289,130 @@
       </p:grpSpPr>
       <p:sp>
         <p:nvSpPr>
-          <p:cNvPr id="2" name="Título 1">
+          <p:cNvPr id="2" name="Título 1"/>
+          <p:cNvSpPr>
+            <a:spLocks noGrp="1"/>
+          </p:cNvSpPr>
+          <p:nvPr>
+            <p:ph type="title"/>
+          </p:nvPr>
+        </p:nvSpPr>
+        <p:spPr/>
+        <p:txBody>
+          <a:bodyPr/>
+          <a:lstStyle/>
+          <a:p>
+            <a:r>
+              <a:rPr lang="en-GB" dirty="0"/>
+              <a:t>Clustering: </a:t>
+            </a:r>
+            <a:r>
+              <a:rPr lang="en-GB" dirty="0" err="1"/>
+              <a:t>Algoritmos</a:t>
+            </a:r>
+            <a:r>
+              <a:rPr lang="en-GB" dirty="0"/>
+              <a:t> </a:t>
+            </a:r>
+            <a:r>
+              <a:rPr lang="en-GB" dirty="0" err="1"/>
+              <a:t>Comunes</a:t>
+            </a:r>
+            <a:endParaRPr lang="en-GB" dirty="0"/>
+          </a:p>
+        </p:txBody>
+      </p:sp>
+      <p:pic>
+        <p:nvPicPr>
+          <p:cNvPr id="5" name="Picture 2" descr="Clustering Algorithms. Contributed by: Milind | by Great Learning | Medium"/>
+          <p:cNvPicPr>
+            <a:picLocks noChangeAspect="1" noChangeArrowheads="1"/>
+          </p:cNvPicPr>
+          <p:nvPr/>
+        </p:nvPicPr>
+        <p:blipFill>
+          <a:blip r:embed="rId2">
             <a:extLst>
-              <a:ext uri="{FF2B5EF4-FFF2-40B4-BE49-F238E27FC236}">
-                <a16:creationId xmlns:a16="http://schemas.microsoft.com/office/drawing/2014/main" id="{E6F876DF-B3E3-43EA-B556-5A0D56EBFC87}"/>
+              <a:ext uri="{28A0092B-C50C-407E-A947-70E740481C1C}">
+                <a14:useLocalDpi xmlns:a14="http://schemas.microsoft.com/office/drawing/2010/main" val="0"/>
               </a:ext>
             </a:extLst>
-          </p:cNvPr>
-          <p:cNvSpPr>
-            <a:spLocks noGrp="1"/>
-          </p:cNvSpPr>
-          <p:nvPr>
-            <p:ph type="title"/>
-          </p:nvPr>
-        </p:nvSpPr>
-        <p:spPr/>
-        <p:txBody>
-          <a:bodyPr/>
-          <a:lstStyle/>
-          <a:p>
-            <a:r>
-              <a:rPr lang="es-ES" dirty="0"/>
-              <a:t>Introducción General</a:t>
-            </a:r>
-            <a:endParaRPr lang="en-GB" dirty="0"/>
-          </a:p>
-        </p:txBody>
-      </p:sp>
-      <p:sp>
-        <p:nvSpPr>
-          <p:cNvPr id="17" name="Marcador de contenido 16">
-            <a:extLst>
-              <a:ext uri="{FF2B5EF4-FFF2-40B4-BE49-F238E27FC236}">
-                <a16:creationId xmlns:a16="http://schemas.microsoft.com/office/drawing/2014/main" id="{803D551A-E37E-40C9-B653-44E77665497E}"/>
-              </a:ext>
-            </a:extLst>
-          </p:cNvPr>
-          <p:cNvSpPr>
-            <a:spLocks noGrp="1"/>
-          </p:cNvSpPr>
-          <p:nvPr>
-            <p:ph idx="1"/>
-          </p:nvPr>
-        </p:nvSpPr>
-        <p:spPr/>
-        <p:txBody>
-          <a:bodyPr>
-            <a:normAutofit fontScale="77500" lnSpcReduction="20000"/>
-          </a:bodyPr>
-          <a:lstStyle/>
-          <a:p>
-            <a:r>
-              <a:rPr lang="es-ES" dirty="0"/>
-              <a:t>La tecnología evoluciona. En 2021…</a:t>
-            </a:r>
-          </a:p>
-          <a:p>
-            <a:pPr lvl="1"/>
-            <a:r>
-              <a:rPr lang="es-ES" dirty="0"/>
-              <a:t>Los sistemas de monitorización y control son capaces de entregar grandes volúmenes de información</a:t>
-            </a:r>
-          </a:p>
-          <a:p>
-            <a:pPr lvl="1"/>
-            <a:r>
-              <a:rPr lang="en-GB" dirty="0" err="1"/>
-              <a:t>Existen</a:t>
-            </a:r>
-            <a:r>
-              <a:rPr lang="en-GB" dirty="0"/>
-              <a:t> </a:t>
-            </a:r>
-            <a:r>
-              <a:rPr lang="en-GB" dirty="0" err="1"/>
-              <a:t>herramientas</a:t>
-            </a:r>
-            <a:r>
-              <a:rPr lang="en-GB" dirty="0"/>
-              <a:t> de </a:t>
-            </a:r>
-            <a:r>
-              <a:rPr lang="en-GB" dirty="0" err="1"/>
-              <a:t>análisis</a:t>
-            </a:r>
-            <a:r>
-              <a:rPr lang="en-GB" dirty="0"/>
-              <a:t> </a:t>
-            </a:r>
-            <a:r>
-              <a:rPr lang="en-GB" dirty="0" err="1"/>
-              <a:t>avanzadas</a:t>
-            </a:r>
-            <a:endParaRPr lang="en-GB" dirty="0"/>
-          </a:p>
-          <a:p>
-            <a:r>
-              <a:rPr lang="en-GB" dirty="0"/>
-              <a:t>Las </a:t>
-            </a:r>
-            <a:r>
-              <a:rPr lang="en-GB" dirty="0" err="1"/>
-              <a:t>aplicaciones</a:t>
-            </a:r>
-            <a:r>
-              <a:rPr lang="en-GB" dirty="0"/>
-              <a:t> </a:t>
-            </a:r>
-            <a:r>
-              <a:rPr lang="en-GB" dirty="0" err="1"/>
-              <a:t>energéticas</a:t>
-            </a:r>
-            <a:r>
-              <a:rPr lang="en-GB" dirty="0"/>
-              <a:t> </a:t>
-            </a:r>
-            <a:r>
-              <a:rPr lang="en-GB" dirty="0" err="1"/>
-              <a:t>evolucionan</a:t>
-            </a:r>
-            <a:endParaRPr lang="en-GB" dirty="0"/>
-          </a:p>
-          <a:p>
-            <a:pPr lvl="1"/>
-            <a:r>
-              <a:rPr lang="es-ES" dirty="0"/>
-              <a:t>Relevancia creciente de la variabilidad en el precio de la energía (eléctrica)</a:t>
-            </a:r>
-          </a:p>
-          <a:p>
-            <a:pPr lvl="1"/>
-            <a:r>
-              <a:rPr lang="es-ES" dirty="0"/>
-              <a:t>Diseño cada vez más ajustado de los sistemas de producción y distribución de energía al consumo previsto</a:t>
-            </a:r>
-          </a:p>
-          <a:p>
-            <a:pPr lvl="1"/>
-            <a:r>
-              <a:rPr lang="es-ES" dirty="0"/>
-              <a:t>Mercado incipiente de los servicios energéticos y/o de flexibilidad.</a:t>
-            </a:r>
-          </a:p>
-          <a:p>
-            <a:r>
-              <a:rPr lang="es-ES" dirty="0"/>
-              <a:t>Es necesario reenfocar los estudios energéticos</a:t>
-            </a:r>
-          </a:p>
-          <a:p>
-            <a:pPr lvl="1"/>
-            <a:r>
-              <a:rPr lang="es-ES" dirty="0"/>
-              <a:t>Complementar los procesos de diseño, modelado y dimensionamiento</a:t>
-            </a:r>
-          </a:p>
-          <a:p>
-            <a:pPr lvl="1"/>
-            <a:r>
-              <a:rPr lang="es-ES" dirty="0"/>
-              <a:t>Introducir un enfoque basado en datos</a:t>
-            </a:r>
-          </a:p>
-          <a:p>
-            <a:pPr lvl="1"/>
-            <a:endParaRPr lang="en-GB" dirty="0"/>
-          </a:p>
-          <a:p>
-            <a:pPr marL="0" indent="0">
-              <a:buNone/>
-            </a:pPr>
-            <a:r>
-              <a:rPr lang="en-GB" i="1" dirty="0" err="1"/>
-              <a:t>Empecemos</a:t>
-            </a:r>
-            <a:r>
-              <a:rPr lang="en-GB" i="1" dirty="0"/>
-              <a:t> por un </a:t>
-            </a:r>
-            <a:r>
-              <a:rPr lang="en-GB" i="1" dirty="0" err="1"/>
-              <a:t>pequeño</a:t>
-            </a:r>
-            <a:r>
-              <a:rPr lang="en-GB" i="1" dirty="0"/>
-              <a:t> </a:t>
-            </a:r>
-            <a:r>
-              <a:rPr lang="en-GB" i="1" dirty="0" err="1"/>
-              <a:t>seminario</a:t>
-            </a:r>
-            <a:endParaRPr lang="en-GB" i="1" dirty="0"/>
+          </a:blip>
+          <a:srcRect/>
+          <a:stretch>
+            <a:fillRect/>
+          </a:stretch>
+        </p:blipFill>
+        <p:spPr bwMode="auto">
+          <a:xfrm>
+            <a:off x="3553142" y="1807618"/>
+            <a:ext cx="5085715" cy="4748913"/>
+          </a:xfrm>
+          <a:prstGeom prst="rect">
+            <a:avLst/>
+          </a:prstGeom>
+          <a:noFill/>
+          <a:extLst>
+            <a:ext uri="{909E8E84-426E-40DD-AFC4-6F175D3DCCD1}">
+              <a14:hiddenFill xmlns:a14="http://schemas.microsoft.com/office/drawing/2010/main">
+                <a:solidFill>
+                  <a:srgbClr val="FFFFFF"/>
+                </a:solidFill>
+              </a14:hiddenFill>
+            </a:ext>
+          </a:extLst>
+        </p:spPr>
+      </p:pic>
+      <p:sp>
+        <p:nvSpPr>
+          <p:cNvPr id="8" name="Elipse 7"/>
+          <p:cNvSpPr/>
+          <p:nvPr/>
+        </p:nvSpPr>
+        <p:spPr>
+          <a:xfrm>
+            <a:off x="4623459" y="4824021"/>
+            <a:ext cx="1332411" cy="796834"/>
+          </a:xfrm>
+          <a:prstGeom prst="ellipse">
+            <a:avLst/>
+          </a:prstGeom>
+          <a:noFill/>
+          <a:ln w="31750">
+            <a:solidFill>
+              <a:srgbClr val="FF0000"/>
+            </a:solidFill>
+          </a:ln>
+        </p:spPr>
+        <p:style>
+          <a:lnRef idx="2">
+            <a:schemeClr val="accent1">
+              <a:shade val="50000"/>
+            </a:schemeClr>
+          </a:lnRef>
+          <a:fillRef idx="1">
+            <a:schemeClr val="accent1"/>
+          </a:fillRef>
+          <a:effectRef idx="0">
+            <a:schemeClr val="accent1"/>
+          </a:effectRef>
+          <a:fontRef idx="minor">
+            <a:schemeClr val="lt1"/>
+          </a:fontRef>
+        </p:style>
+        <p:txBody>
+          <a:bodyPr rtlCol="0" anchor="ctr"/>
+          <a:lstStyle/>
+          <a:p>
+            <a:pPr algn="ctr"/>
+            <a:endParaRPr lang="es-ES"/>
           </a:p>
         </p:txBody>
       </p:sp>
     </p:spTree>
     <p:extLst>
       <p:ext uri="{BB962C8B-B14F-4D97-AF65-F5344CB8AC3E}">
-        <p14:creationId xmlns:p14="http://schemas.microsoft.com/office/powerpoint/2010/main" val="1776554888"/>
+        <p14:creationId xmlns:p14="http://schemas.microsoft.com/office/powerpoint/2010/main" val="2230362692"/>
       </p:ext>
     </p:extLst>
   </p:cSld>
@@ -9404,7 +11422,7 @@
 </p:sld>
 </file>
 
-<file path=ppt/slides/slide20.xml><?xml version="1.0" encoding="utf-8"?>
+<file path=ppt/slides/slide27.xml><?xml version="1.0" encoding="utf-8"?>
 <p:sld xmlns:a="http://schemas.openxmlformats.org/drawingml/2006/main" xmlns:r="http://schemas.openxmlformats.org/officeDocument/2006/relationships" xmlns:p="http://schemas.openxmlformats.org/presentationml/2006/main">
   <p:cSld>
     <p:spTree>
@@ -9491,7 +11509,7 @@
 </p:sld>
 </file>
 
-<file path=ppt/slides/slide21.xml><?xml version="1.0" encoding="utf-8"?>
+<file path=ppt/slides/slide28.xml><?xml version="1.0" encoding="utf-8"?>
 <p:sld xmlns:a="http://schemas.openxmlformats.org/drawingml/2006/main" xmlns:r="http://schemas.openxmlformats.org/officeDocument/2006/relationships" xmlns:p="http://schemas.openxmlformats.org/presentationml/2006/main">
   <p:cSld>
     <p:spTree>
@@ -9699,7 +11717,296 @@
 </p:sld>
 </file>
 
-<file path=ppt/slides/slide22.xml><?xml version="1.0" encoding="utf-8"?>
+<file path=ppt/slides/slide29.xml><?xml version="1.0" encoding="utf-8"?>
+<p:sld xmlns:a="http://schemas.openxmlformats.org/drawingml/2006/main" xmlns:r="http://schemas.openxmlformats.org/officeDocument/2006/relationships" xmlns:p="http://schemas.openxmlformats.org/presentationml/2006/main">
+  <p:cSld>
+    <p:spTree>
+      <p:nvGrpSpPr>
+        <p:cNvPr id="1" name=""/>
+        <p:cNvGrpSpPr/>
+        <p:nvPr/>
+      </p:nvGrpSpPr>
+      <p:grpSpPr>
+        <a:xfrm>
+          <a:off x="0" y="0"/>
+          <a:ext cx="0" cy="0"/>
+          <a:chOff x="0" y="0"/>
+          <a:chExt cx="0" cy="0"/>
+        </a:xfrm>
+      </p:grpSpPr>
+      <p:sp>
+        <p:nvSpPr>
+          <p:cNvPr id="2" name="Título 1"/>
+          <p:cNvSpPr>
+            <a:spLocks noGrp="1"/>
+          </p:cNvSpPr>
+          <p:nvPr>
+            <p:ph type="title"/>
+          </p:nvPr>
+        </p:nvSpPr>
+        <p:spPr/>
+        <p:txBody>
+          <a:bodyPr/>
+          <a:lstStyle/>
+          <a:p>
+            <a:r>
+              <a:rPr lang="en-GB" dirty="0"/>
+              <a:t>Clustering: </a:t>
+            </a:r>
+            <a:r>
+              <a:rPr lang="en-GB" dirty="0" err="1"/>
+              <a:t>Algoritmos</a:t>
+            </a:r>
+            <a:r>
+              <a:rPr lang="en-GB" dirty="0"/>
+              <a:t> </a:t>
+            </a:r>
+            <a:r>
+              <a:rPr lang="en-GB" dirty="0" err="1"/>
+              <a:t>Comunes</a:t>
+            </a:r>
+            <a:endParaRPr lang="en-GB" dirty="0"/>
+          </a:p>
+        </p:txBody>
+      </p:sp>
+      <p:pic>
+        <p:nvPicPr>
+          <p:cNvPr id="5" name="Picture 2" descr="Clustering Algorithms. Contributed by: Milind | by Great Learning | Medium"/>
+          <p:cNvPicPr>
+            <a:picLocks noChangeAspect="1" noChangeArrowheads="1"/>
+          </p:cNvPicPr>
+          <p:nvPr/>
+        </p:nvPicPr>
+        <p:blipFill>
+          <a:blip r:embed="rId2">
+            <a:extLst>
+              <a:ext uri="{28A0092B-C50C-407E-A947-70E740481C1C}">
+                <a14:useLocalDpi xmlns:a14="http://schemas.microsoft.com/office/drawing/2010/main" val="0"/>
+              </a:ext>
+            </a:extLst>
+          </a:blip>
+          <a:srcRect/>
+          <a:stretch>
+            <a:fillRect/>
+          </a:stretch>
+        </p:blipFill>
+        <p:spPr bwMode="auto">
+          <a:xfrm>
+            <a:off x="3553142" y="1807618"/>
+            <a:ext cx="5085715" cy="4748913"/>
+          </a:xfrm>
+          <a:prstGeom prst="rect">
+            <a:avLst/>
+          </a:prstGeom>
+          <a:noFill/>
+          <a:extLst>
+            <a:ext uri="{909E8E84-426E-40DD-AFC4-6F175D3DCCD1}">
+              <a14:hiddenFill xmlns:a14="http://schemas.microsoft.com/office/drawing/2010/main">
+                <a:solidFill>
+                  <a:srgbClr val="FFFFFF"/>
+                </a:solidFill>
+              </a14:hiddenFill>
+            </a:ext>
+          </a:extLst>
+        </p:spPr>
+      </p:pic>
+      <p:sp>
+        <p:nvSpPr>
+          <p:cNvPr id="8" name="Elipse 7"/>
+          <p:cNvSpPr/>
+          <p:nvPr/>
+        </p:nvSpPr>
+        <p:spPr>
+          <a:xfrm>
+            <a:off x="4614223" y="5581403"/>
+            <a:ext cx="1332411" cy="796834"/>
+          </a:xfrm>
+          <a:prstGeom prst="ellipse">
+            <a:avLst/>
+          </a:prstGeom>
+          <a:noFill/>
+          <a:ln w="31750">
+            <a:solidFill>
+              <a:srgbClr val="FF0000"/>
+            </a:solidFill>
+          </a:ln>
+        </p:spPr>
+        <p:style>
+          <a:lnRef idx="2">
+            <a:schemeClr val="accent1">
+              <a:shade val="50000"/>
+            </a:schemeClr>
+          </a:lnRef>
+          <a:fillRef idx="1">
+            <a:schemeClr val="accent1"/>
+          </a:fillRef>
+          <a:effectRef idx="0">
+            <a:schemeClr val="accent1"/>
+          </a:effectRef>
+          <a:fontRef idx="minor">
+            <a:schemeClr val="lt1"/>
+          </a:fontRef>
+        </p:style>
+        <p:txBody>
+          <a:bodyPr rtlCol="0" anchor="ctr"/>
+          <a:lstStyle/>
+          <a:p>
+            <a:pPr algn="ctr"/>
+            <a:endParaRPr lang="es-ES"/>
+          </a:p>
+        </p:txBody>
+      </p:sp>
+    </p:spTree>
+    <p:extLst>
+      <p:ext uri="{BB962C8B-B14F-4D97-AF65-F5344CB8AC3E}">
+        <p14:creationId xmlns:p14="http://schemas.microsoft.com/office/powerpoint/2010/main" val="116938366"/>
+      </p:ext>
+    </p:extLst>
+  </p:cSld>
+  <p:clrMapOvr>
+    <a:masterClrMapping/>
+  </p:clrMapOvr>
+</p:sld>
+</file>
+
+<file path=ppt/slides/slide3.xml><?xml version="1.0" encoding="utf-8"?>
+<p:sld xmlns:a="http://schemas.openxmlformats.org/drawingml/2006/main" xmlns:r="http://schemas.openxmlformats.org/officeDocument/2006/relationships" xmlns:p="http://schemas.openxmlformats.org/presentationml/2006/main">
+  <p:cSld>
+    <p:spTree>
+      <p:nvGrpSpPr>
+        <p:cNvPr id="1" name=""/>
+        <p:cNvGrpSpPr/>
+        <p:nvPr/>
+      </p:nvGrpSpPr>
+      <p:grpSpPr>
+        <a:xfrm>
+          <a:off x="0" y="0"/>
+          <a:ext cx="0" cy="0"/>
+          <a:chOff x="0" y="0"/>
+          <a:chExt cx="0" cy="0"/>
+        </a:xfrm>
+      </p:grpSpPr>
+      <p:sp>
+        <p:nvSpPr>
+          <p:cNvPr id="2" name="Título 1"/>
+          <p:cNvSpPr>
+            <a:spLocks noGrp="1"/>
+          </p:cNvSpPr>
+          <p:nvPr>
+            <p:ph type="title"/>
+          </p:nvPr>
+        </p:nvSpPr>
+        <p:spPr/>
+        <p:txBody>
+          <a:bodyPr/>
+          <a:lstStyle/>
+          <a:p>
+            <a:r>
+              <a:rPr lang="es-ES" dirty="0"/>
+              <a:t>Objetivos</a:t>
+            </a:r>
+            <a:endParaRPr lang="en-GB" dirty="0"/>
+          </a:p>
+        </p:txBody>
+      </p:sp>
+      <p:sp>
+        <p:nvSpPr>
+          <p:cNvPr id="4" name="Marcador de contenido 3">
+            <a:extLst>
+              <a:ext uri="{FF2B5EF4-FFF2-40B4-BE49-F238E27FC236}">
+                <a16:creationId xmlns:a16="http://schemas.microsoft.com/office/drawing/2014/main" id="{FAAEBB48-7A95-45B0-8B83-C465E7AE57F8}"/>
+              </a:ext>
+            </a:extLst>
+          </p:cNvPr>
+          <p:cNvSpPr>
+            <a:spLocks noGrp="1"/>
+          </p:cNvSpPr>
+          <p:nvPr>
+            <p:ph idx="1"/>
+          </p:nvPr>
+        </p:nvSpPr>
+        <p:spPr/>
+        <p:txBody>
+          <a:bodyPr>
+            <a:normAutofit fontScale="70000" lnSpcReduction="20000"/>
+          </a:bodyPr>
+          <a:lstStyle/>
+          <a:p>
+            <a:r>
+              <a:rPr lang="es-ES" dirty="0"/>
+              <a:t>Comprender las cargas térmicas en la edificación y sus dinámicas principales</a:t>
+            </a:r>
+          </a:p>
+          <a:p>
+            <a:r>
+              <a:rPr lang="es-ES" dirty="0"/>
+              <a:t>Introducir el concepto de Medida y Verificación de ahorros energéticos</a:t>
+            </a:r>
+          </a:p>
+          <a:p>
+            <a:r>
+              <a:rPr lang="es-ES" dirty="0"/>
+              <a:t>Disponer de herramientas para la realización de análisis de datos</a:t>
+            </a:r>
+          </a:p>
+          <a:p>
+            <a:r>
+              <a:rPr lang="es-ES" dirty="0"/>
+              <a:t>Identificar las variables relevantes y modelar la dependencia de las cargas térmicas frente a las mismas</a:t>
+            </a:r>
+          </a:p>
+          <a:p>
+            <a:r>
+              <a:rPr lang="es-ES" dirty="0"/>
+              <a:t>Conocer los métodos de análisis estadístico y las métricas de error</a:t>
+            </a:r>
+          </a:p>
+          <a:p>
+            <a:r>
+              <a:rPr lang="es-ES" dirty="0"/>
+              <a:t>Introducir distintos métodos de análisis clásicos y modernos</a:t>
+            </a:r>
+          </a:p>
+          <a:p>
+            <a:r>
+              <a:rPr lang="es-ES" dirty="0"/>
+              <a:t>Introducir métodos de clasificación y segmentación de datos</a:t>
+            </a:r>
+          </a:p>
+          <a:p>
+            <a:r>
+              <a:rPr lang="es-ES" dirty="0"/>
+              <a:t>Introducir métodos de detección de errores y reparación de series temporales</a:t>
+            </a:r>
+          </a:p>
+          <a:p>
+            <a:endParaRPr lang="es-ES" dirty="0"/>
+          </a:p>
+          <a:p>
+            <a:pPr marL="0" indent="0">
+              <a:buNone/>
+            </a:pPr>
+            <a:r>
+              <a:rPr lang="es-ES" i="1" dirty="0"/>
+              <a:t>Enunciar los problemas, posibles vías de solución, proporcionar herramientas y referencias útiles</a:t>
+            </a:r>
+          </a:p>
+        </p:txBody>
+      </p:sp>
+    </p:spTree>
+    <p:extLst>
+      <p:ext uri="{BB962C8B-B14F-4D97-AF65-F5344CB8AC3E}">
+        <p14:creationId xmlns:p14="http://schemas.microsoft.com/office/powerpoint/2010/main" val="1913449723"/>
+      </p:ext>
+    </p:extLst>
+  </p:cSld>
+  <p:clrMapOvr>
+    <a:masterClrMapping/>
+  </p:clrMapOvr>
+</p:sld>
+</file>
+
+<file path=ppt/slides/slide30.xml><?xml version="1.0" encoding="utf-8"?>
 <p:sld xmlns:a="http://schemas.openxmlformats.org/drawingml/2006/main" xmlns:r="http://schemas.openxmlformats.org/officeDocument/2006/relationships" xmlns:p="http://schemas.openxmlformats.org/presentationml/2006/main">
   <p:cSld>
     <p:spTree>
@@ -9848,7 +12155,7 @@
 </p:sld>
 </file>
 
-<file path=ppt/slides/slide23.xml><?xml version="1.0" encoding="utf-8"?>
+<file path=ppt/slides/slide31.xml><?xml version="1.0" encoding="utf-8"?>
 <p:sld xmlns:a="http://schemas.openxmlformats.org/drawingml/2006/main" xmlns:r="http://schemas.openxmlformats.org/officeDocument/2006/relationships" xmlns:p="http://schemas.openxmlformats.org/presentationml/2006/main">
   <p:cSld>
     <p:spTree>
@@ -9887,83 +12194,94 @@
           </a:bodyPr>
           <a:lstStyle/>
           <a:p>
-            <a:pPr marL="514350" indent="-514350" fontAlgn="base">
+            <a:pPr marL="457200" indent="-457200">
               <a:buFont typeface="+mj-lt"/>
               <a:buAutoNum type="arabicPeriod"/>
             </a:pPr>
             <a:r>
-              <a:rPr lang="en-US" sz="2400" dirty="0"/>
-              <a:t>Select k objects to become the </a:t>
-            </a:r>
-            <a:r>
-              <a:rPr lang="en-US" sz="2400" dirty="0" err="1"/>
-              <a:t>medoids</a:t>
-            </a:r>
-            <a:r>
-              <a:rPr lang="en-US" sz="2400" dirty="0"/>
-              <a:t>, or in case these objects were provided use them as the </a:t>
-            </a:r>
-            <a:r>
-              <a:rPr lang="en-US" sz="2400" dirty="0" err="1"/>
-              <a:t>medoids</a:t>
-            </a:r>
-            <a:r>
-              <a:rPr lang="en-US" sz="2400" dirty="0"/>
+              <a:rPr lang="es-ES" sz="2400" dirty="0"/>
+              <a:t>Seleccione k objetos para convertirlos en </a:t>
+            </a:r>
+            <a:r>
+              <a:rPr lang="es-ES" sz="2400" dirty="0" err="1"/>
+              <a:t>medoides</a:t>
+            </a:r>
+            <a:r>
+              <a:rPr lang="es-ES" sz="2400" dirty="0"/>
+              <a:t>, o en caso de que se proporcionen estos objetos, utilícelos como </a:t>
+            </a:r>
+            <a:r>
+              <a:rPr lang="es-ES" sz="2400" dirty="0" err="1"/>
+              <a:t>medoides</a:t>
+            </a:r>
+            <a:r>
+              <a:rPr lang="es-ES" sz="2400" dirty="0"/>
               <a:t>;</a:t>
             </a:r>
           </a:p>
           <a:p>
-            <a:pPr marL="514350" indent="-514350" fontAlgn="base">
+            <a:pPr marL="457200" indent="-457200">
               <a:buFont typeface="+mj-lt"/>
               <a:buAutoNum type="arabicPeriod"/>
             </a:pPr>
             <a:r>
-              <a:rPr lang="en-US" sz="2400" dirty="0"/>
-              <a:t>Calculate the dissimilarity matrix if it was not provided;</a:t>
-            </a:r>
-          </a:p>
-          <a:p>
-            <a:pPr marL="514350" indent="-514350" fontAlgn="base">
+              <a:rPr lang="es-ES" sz="2400" dirty="0"/>
+              <a:t>Calcule la matriz de disimilitud si no se proporcionó;</a:t>
+            </a:r>
+          </a:p>
+          <a:p>
+            <a:pPr marL="457200" indent="-457200">
               <a:buFont typeface="+mj-lt"/>
               <a:buAutoNum type="arabicPeriod"/>
             </a:pPr>
             <a:r>
-              <a:rPr lang="en-US" sz="2400" dirty="0"/>
-              <a:t>Assign every object to its closest </a:t>
-            </a:r>
-            <a:r>
-              <a:rPr lang="en-US" sz="2400" dirty="0" err="1"/>
-              <a:t>medoid</a:t>
-            </a:r>
-            <a:endParaRPr lang="en-US" sz="2400" dirty="0"/>
-          </a:p>
-          <a:p>
-            <a:pPr marL="514350" indent="-514350" fontAlgn="base">
+              <a:rPr lang="es-ES" sz="2400" dirty="0"/>
+              <a:t>Asignar cada objeto a su </a:t>
+            </a:r>
+            <a:r>
+              <a:rPr lang="es-ES" sz="2400" dirty="0" err="1"/>
+              <a:t>medoide</a:t>
+            </a:r>
+            <a:r>
+              <a:rPr lang="es-ES" sz="2400" dirty="0"/>
+              <a:t> más cercano</a:t>
+            </a:r>
+          </a:p>
+          <a:p>
+            <a:pPr marL="457200" indent="-457200">
               <a:buFont typeface="+mj-lt"/>
               <a:buAutoNum type="arabicPeriod"/>
             </a:pPr>
             <a:r>
-              <a:rPr lang="en-US" sz="2400" dirty="0"/>
-              <a:t>For each cluster search if any of the object of the cluster decreases the average dissimilarity coefficient; if it does, select the entity that decreases this coefficient the most as the </a:t>
-            </a:r>
-            <a:r>
-              <a:rPr lang="en-US" sz="2400" dirty="0" err="1"/>
-              <a:t>medoid</a:t>
-            </a:r>
-            <a:r>
-              <a:rPr lang="en-US" sz="2400" dirty="0"/>
-              <a:t> for this cluster; 5. If at least one </a:t>
-            </a:r>
-            <a:r>
-              <a:rPr lang="en-US" sz="2400" dirty="0" err="1"/>
-              <a:t>medoid</a:t>
-            </a:r>
-            <a:r>
-              <a:rPr lang="en-US" sz="2400" dirty="0"/>
-              <a:t> has changed go to (3), else end the algorithm</a:t>
-            </a:r>
-          </a:p>
-          <a:p>
+              <a:rPr lang="es-ES" sz="2400" dirty="0"/>
+              <a:t>Para cada búsqueda de conglomerados, si alguno de los objetos del conglomerado disminuye el coeficiente de disimilitud promedio; si lo hace, seleccione la entidad que más disminuya este coeficiente como el </a:t>
+            </a:r>
+            <a:r>
+              <a:rPr lang="es-ES" sz="2400" dirty="0" err="1"/>
+              <a:t>medoide</a:t>
+            </a:r>
+            <a:r>
+              <a:rPr lang="es-ES" sz="2400" dirty="0"/>
+              <a:t> para este conglomerado; </a:t>
+            </a:r>
+          </a:p>
+          <a:p>
+            <a:pPr marL="457200" indent="-457200">
+              <a:buFont typeface="+mj-lt"/>
+              <a:buAutoNum type="arabicPeriod"/>
+            </a:pPr>
+            <a:r>
+              <a:rPr lang="es-ES" sz="2400" dirty="0"/>
+              <a:t>5. Si al menos un </a:t>
+            </a:r>
+            <a:r>
+              <a:rPr lang="es-ES" sz="2400" dirty="0" err="1"/>
+              <a:t>medoide</a:t>
+            </a:r>
+            <a:r>
+              <a:rPr lang="es-ES" sz="2400" dirty="0"/>
+              <a:t> ha cambiado, vaya a (3), de lo contrario finalice el algoritmo</a:t>
+            </a:r>
             <a:endParaRPr lang="en-GB" sz="2400" dirty="0"/>
           </a:p>
         </p:txBody>
@@ -10036,7 +12354,7 @@
 </p:sld>
 </file>
 
-<file path=ppt/slides/slide24.xml><?xml version="1.0" encoding="utf-8"?>
+<file path=ppt/slides/slide32.xml><?xml version="1.0" encoding="utf-8"?>
 <p:sld xmlns:a="http://schemas.openxmlformats.org/drawingml/2006/main" xmlns:r="http://schemas.openxmlformats.org/officeDocument/2006/relationships" xmlns:p="http://schemas.openxmlformats.org/presentationml/2006/main">
   <p:cSld>
     <p:spTree>
@@ -10055,7 +12373,13 @@
       </p:grpSpPr>
       <p:sp>
         <p:nvSpPr>
-          <p:cNvPr id="2" name="Título 1"/>
+          <p:cNvPr id="4" name="Título 1">
+            <a:extLst>
+              <a:ext uri="{FF2B5EF4-FFF2-40B4-BE49-F238E27FC236}">
+                <a16:creationId xmlns:a16="http://schemas.microsoft.com/office/drawing/2014/main" id="{AE7D73D4-D64D-48B1-BA3F-1D890DE0CB4B}"/>
+              </a:ext>
+            </a:extLst>
+          </p:cNvPr>
           <p:cNvSpPr>
             <a:spLocks noGrp="1"/>
           </p:cNvSpPr>
@@ -10063,7 +12387,12 @@
             <p:ph type="title"/>
           </p:nvPr>
         </p:nvSpPr>
-        <p:spPr/>
+        <p:spPr>
+          <a:xfrm>
+            <a:off x="838200" y="365125"/>
+            <a:ext cx="10515600" cy="1325563"/>
+          </a:xfrm>
+        </p:spPr>
         <p:txBody>
           <a:bodyPr/>
           <a:lstStyle/>
@@ -10095,55 +12424,175 @@
           </a:p>
         </p:txBody>
       </p:sp>
-      <p:sp>
-        <p:nvSpPr>
-          <p:cNvPr id="3" name="Marcador de contenido 2"/>
-          <p:cNvSpPr>
-            <a:spLocks noGrp="1"/>
-          </p:cNvSpPr>
-          <p:nvPr>
-            <p:ph idx="1"/>
-          </p:nvPr>
-        </p:nvSpPr>
-        <p:spPr/>
-        <p:txBody>
-          <a:bodyPr/>
-          <a:lstStyle/>
-          <a:p>
-            <a:pPr algn="just"/>
+      <p:pic>
+        <p:nvPicPr>
+          <p:cNvPr id="5" name="Imagen 5">
+            <a:extLst>
+              <a:ext uri="{FF2B5EF4-FFF2-40B4-BE49-F238E27FC236}">
+                <a16:creationId xmlns:a16="http://schemas.microsoft.com/office/drawing/2014/main" id="{5948BA56-05A0-4CCF-B205-FBB3928C3637}"/>
+              </a:ext>
+            </a:extLst>
+          </p:cNvPr>
+          <p:cNvPicPr>
+            <a:picLocks noChangeAspect="1"/>
+          </p:cNvPicPr>
+          <p:nvPr/>
+        </p:nvPicPr>
+        <p:blipFill>
+          <a:blip r:embed="rId2" cstate="print">
+            <a:extLst>
+              <a:ext uri="{28A0092B-C50C-407E-A947-70E740481C1C}">
+                <a14:useLocalDpi xmlns:a14="http://schemas.microsoft.com/office/drawing/2010/main" val="0"/>
+              </a:ext>
+            </a:extLst>
+          </a:blip>
+          <a:stretch>
+            <a:fillRect/>
+          </a:stretch>
+        </p:blipFill>
+        <p:spPr>
+          <a:xfrm>
+            <a:off x="757381" y="2556598"/>
+            <a:ext cx="5180006" cy="2960003"/>
+          </a:xfrm>
+          <a:prstGeom prst="rect">
+            <a:avLst/>
+          </a:prstGeom>
+        </p:spPr>
+      </p:pic>
+      <p:sp>
+        <p:nvSpPr>
+          <p:cNvPr id="6" name="TextBox 5">
+            <a:extLst>
+              <a:ext uri="{FF2B5EF4-FFF2-40B4-BE49-F238E27FC236}">
+                <a16:creationId xmlns:a16="http://schemas.microsoft.com/office/drawing/2014/main" id="{0C3B5783-68CE-4978-B7AB-FA5FF070EADB}"/>
+              </a:ext>
+            </a:extLst>
+          </p:cNvPr>
+          <p:cNvSpPr txBox="1"/>
+          <p:nvPr/>
+        </p:nvSpPr>
+        <p:spPr>
+          <a:xfrm>
+            <a:off x="969818" y="1884218"/>
+            <a:ext cx="7333673" cy="523220"/>
+          </a:xfrm>
+          <a:prstGeom prst="rect">
+            <a:avLst/>
+          </a:prstGeom>
+          <a:noFill/>
+        </p:spPr>
+        <p:txBody>
+          <a:bodyPr wrap="square" rtlCol="0">
+            <a:spAutoFit/>
+          </a:bodyPr>
+          <a:lstStyle/>
+          <a:p>
+            <a:r>
+              <a:rPr lang="es-ES" sz="2800" dirty="0"/>
+              <a:t>¿Cuál es mejor segmentación?</a:t>
+            </a:r>
+          </a:p>
+        </p:txBody>
+      </p:sp>
+      <p:pic>
+        <p:nvPicPr>
+          <p:cNvPr id="8" name="Picture 7">
+            <a:extLst>
+              <a:ext uri="{FF2B5EF4-FFF2-40B4-BE49-F238E27FC236}">
+                <a16:creationId xmlns:a16="http://schemas.microsoft.com/office/drawing/2014/main" id="{10CD85B5-F57A-429F-8DFC-09D9D64FF7D6}"/>
+              </a:ext>
+            </a:extLst>
+          </p:cNvPr>
+          <p:cNvPicPr>
+            <a:picLocks noChangeAspect="1"/>
+          </p:cNvPicPr>
+          <p:nvPr/>
+        </p:nvPicPr>
+        <p:blipFill>
+          <a:blip r:embed="rId3"/>
+          <a:stretch>
+            <a:fillRect/>
+          </a:stretch>
+        </p:blipFill>
+        <p:spPr>
+          <a:xfrm>
+            <a:off x="6936484" y="2659722"/>
+            <a:ext cx="4821408" cy="2753754"/>
+          </a:xfrm>
+          <a:prstGeom prst="rect">
+            <a:avLst/>
+          </a:prstGeom>
+        </p:spPr>
+      </p:pic>
+      <p:sp>
+        <p:nvSpPr>
+          <p:cNvPr id="9" name="TextBox 8">
+            <a:extLst>
+              <a:ext uri="{FF2B5EF4-FFF2-40B4-BE49-F238E27FC236}">
+                <a16:creationId xmlns:a16="http://schemas.microsoft.com/office/drawing/2014/main" id="{BB485F5C-6632-4FD7-A514-48A33182FBC4}"/>
+              </a:ext>
+            </a:extLst>
+          </p:cNvPr>
+          <p:cNvSpPr txBox="1"/>
+          <p:nvPr/>
+        </p:nvSpPr>
+        <p:spPr>
+          <a:xfrm>
+            <a:off x="2586182" y="5865091"/>
+            <a:ext cx="2142836" cy="369332"/>
+          </a:xfrm>
+          <a:prstGeom prst="rect">
+            <a:avLst/>
+          </a:prstGeom>
+          <a:noFill/>
+        </p:spPr>
+        <p:txBody>
+          <a:bodyPr wrap="square" rtlCol="0">
+            <a:spAutoFit/>
+          </a:bodyPr>
+          <a:lstStyle/>
+          <a:p>
+            <a:pPr algn="ctr"/>
             <a:r>
               <a:rPr lang="es-ES" dirty="0"/>
-              <a:t>Los índices de validación de clústeres o </a:t>
-            </a:r>
-            <a:r>
-              <a:rPr lang="es-ES" dirty="0" err="1"/>
-              <a:t>CVIs</a:t>
-            </a:r>
+              <a:t>K=6</a:t>
+            </a:r>
+          </a:p>
+        </p:txBody>
+      </p:sp>
+      <p:sp>
+        <p:nvSpPr>
+          <p:cNvPr id="10" name="TextBox 9">
+            <a:extLst>
+              <a:ext uri="{FF2B5EF4-FFF2-40B4-BE49-F238E27FC236}">
+                <a16:creationId xmlns:a16="http://schemas.microsoft.com/office/drawing/2014/main" id="{9D112EE7-8231-48B3-A7DC-9A098270E03A}"/>
+              </a:ext>
+            </a:extLst>
+          </p:cNvPr>
+          <p:cNvSpPr txBox="1"/>
+          <p:nvPr/>
+        </p:nvSpPr>
+        <p:spPr>
+          <a:xfrm>
+            <a:off x="8382000" y="5865091"/>
+            <a:ext cx="2142836" cy="369332"/>
+          </a:xfrm>
+          <a:prstGeom prst="rect">
+            <a:avLst/>
+          </a:prstGeom>
+          <a:noFill/>
+        </p:spPr>
+        <p:txBody>
+          <a:bodyPr wrap="square" rtlCol="0">
+            <a:spAutoFit/>
+          </a:bodyPr>
+          <a:lstStyle/>
+          <a:p>
+            <a:pPr algn="ctr"/>
             <a:r>
               <a:rPr lang="es-ES" dirty="0"/>
-              <a:t> son índices matemáticos que se utilizan para evaluar cuantitativamente la calidad de los clústeres. Se clasifican:</a:t>
-            </a:r>
-          </a:p>
-          <a:p>
-            <a:pPr lvl="1" algn="just"/>
-            <a:r>
-              <a:rPr lang="es-ES" b="1" u="sng" dirty="0"/>
-              <a:t>Externos</a:t>
-            </a:r>
-            <a:r>
-              <a:rPr lang="es-ES" dirty="0"/>
-              <a:t>: Estos índices utilizan datos etiquetados externos para calcular la eficacia del proceso de agrupación. Estos datos externos se consideran como la verdadera condición.</a:t>
-            </a:r>
-          </a:p>
-          <a:p>
-            <a:pPr lvl="1" algn="just"/>
-            <a:r>
-              <a:rPr lang="es-ES" b="1" u="sng" dirty="0"/>
-              <a:t>Internos: </a:t>
-            </a:r>
-            <a:r>
-              <a:rPr lang="es-ES" dirty="0"/>
-              <a:t>utilizan la información interna de los clústeres para evaluar este proceso de clasificación </a:t>
+              <a:t>K=7</a:t>
             </a:r>
           </a:p>
         </p:txBody>
@@ -10151,7 +12600,7 @@
     </p:spTree>
     <p:extLst>
       <p:ext uri="{BB962C8B-B14F-4D97-AF65-F5344CB8AC3E}">
-        <p14:creationId xmlns:p14="http://schemas.microsoft.com/office/powerpoint/2010/main" val="2224713900"/>
+        <p14:creationId xmlns:p14="http://schemas.microsoft.com/office/powerpoint/2010/main" val="2283352270"/>
       </p:ext>
     </p:extLst>
   </p:cSld>
@@ -10161,7 +12610,7 @@
 </p:sld>
 </file>
 
-<file path=ppt/slides/slide25.xml><?xml version="1.0" encoding="utf-8"?>
+<file path=ppt/slides/slide33.xml><?xml version="1.0" encoding="utf-8"?>
 <p:sld xmlns:a="http://schemas.openxmlformats.org/drawingml/2006/main" xmlns:r="http://schemas.openxmlformats.org/officeDocument/2006/relationships" xmlns:p="http://schemas.openxmlformats.org/presentationml/2006/main">
   <p:cSld>
     <p:spTree>
@@ -10235,6 +12684,131 @@
           <a:bodyPr/>
           <a:lstStyle/>
           <a:p>
+            <a:pPr algn="just"/>
+            <a:r>
+              <a:rPr lang="es-ES" dirty="0"/>
+              <a:t>Los índices de validación de clústeres o </a:t>
+            </a:r>
+            <a:r>
+              <a:rPr lang="es-ES" dirty="0" err="1"/>
+              <a:t>CVIs</a:t>
+            </a:r>
+            <a:r>
+              <a:rPr lang="es-ES" dirty="0"/>
+              <a:t> son índices matemáticos que se utilizan para evaluar cuantitativamente la calidad de los clústeres. Se clasifican:</a:t>
+            </a:r>
+          </a:p>
+          <a:p>
+            <a:pPr lvl="1" algn="just"/>
+            <a:r>
+              <a:rPr lang="es-ES" b="1" u="sng" dirty="0"/>
+              <a:t>Externos</a:t>
+            </a:r>
+            <a:r>
+              <a:rPr lang="es-ES" dirty="0"/>
+              <a:t>: Estos índices utilizan datos etiquetados externos para calcular la eficacia del proceso de agrupación. Estos datos externos se consideran como la verdadera condición.</a:t>
+            </a:r>
+          </a:p>
+          <a:p>
+            <a:pPr lvl="1" algn="just"/>
+            <a:r>
+              <a:rPr lang="es-ES" b="1" u="sng" dirty="0"/>
+              <a:t>Internos: </a:t>
+            </a:r>
+            <a:r>
+              <a:rPr lang="es-ES" dirty="0"/>
+              <a:t>utilizan la información interna de los clústeres para evaluar este proceso de clasificación </a:t>
+            </a:r>
+          </a:p>
+        </p:txBody>
+      </p:sp>
+    </p:spTree>
+    <p:extLst>
+      <p:ext uri="{BB962C8B-B14F-4D97-AF65-F5344CB8AC3E}">
+        <p14:creationId xmlns:p14="http://schemas.microsoft.com/office/powerpoint/2010/main" val="2224713900"/>
+      </p:ext>
+    </p:extLst>
+  </p:cSld>
+  <p:clrMapOvr>
+    <a:masterClrMapping/>
+  </p:clrMapOvr>
+</p:sld>
+</file>
+
+<file path=ppt/slides/slide34.xml><?xml version="1.0" encoding="utf-8"?>
+<p:sld xmlns:a="http://schemas.openxmlformats.org/drawingml/2006/main" xmlns:r="http://schemas.openxmlformats.org/officeDocument/2006/relationships" xmlns:p="http://schemas.openxmlformats.org/presentationml/2006/main">
+  <p:cSld>
+    <p:spTree>
+      <p:nvGrpSpPr>
+        <p:cNvPr id="1" name=""/>
+        <p:cNvGrpSpPr/>
+        <p:nvPr/>
+      </p:nvGrpSpPr>
+      <p:grpSpPr>
+        <a:xfrm>
+          <a:off x="0" y="0"/>
+          <a:ext cx="0" cy="0"/>
+          <a:chOff x="0" y="0"/>
+          <a:chExt cx="0" cy="0"/>
+        </a:xfrm>
+      </p:grpSpPr>
+      <p:sp>
+        <p:nvSpPr>
+          <p:cNvPr id="2" name="Título 1"/>
+          <p:cNvSpPr>
+            <a:spLocks noGrp="1"/>
+          </p:cNvSpPr>
+          <p:nvPr>
+            <p:ph type="title"/>
+          </p:nvPr>
+        </p:nvSpPr>
+        <p:spPr/>
+        <p:txBody>
+          <a:bodyPr/>
+          <a:lstStyle/>
+          <a:p>
+            <a:r>
+              <a:rPr lang="es-ES" dirty="0" err="1"/>
+              <a:t>Cluster</a:t>
+            </a:r>
+            <a:r>
+              <a:rPr lang="es-ES" dirty="0"/>
+              <a:t> </a:t>
+            </a:r>
+            <a:r>
+              <a:rPr lang="es-ES" dirty="0" err="1"/>
+              <a:t>Validation</a:t>
+            </a:r>
+            <a:r>
+              <a:rPr lang="es-ES" dirty="0"/>
+              <a:t> Indexes (</a:t>
+            </a:r>
+            <a:r>
+              <a:rPr lang="es-ES" dirty="0" err="1"/>
+              <a:t>CVIs</a:t>
+            </a:r>
+            <a:r>
+              <a:rPr lang="es-ES" dirty="0"/>
+              <a:t>)</a:t>
+            </a:r>
+          </a:p>
+        </p:txBody>
+      </p:sp>
+      <p:sp>
+        <p:nvSpPr>
+          <p:cNvPr id="3" name="Marcador de contenido 2"/>
+          <p:cNvSpPr>
+            <a:spLocks noGrp="1"/>
+          </p:cNvSpPr>
+          <p:nvPr>
+            <p:ph idx="1"/>
+          </p:nvPr>
+        </p:nvSpPr>
+        <p:spPr/>
+        <p:txBody>
+          <a:bodyPr/>
+          <a:lstStyle/>
+          <a:p>
             <a:pPr marL="0" indent="0" algn="just">
               <a:buNone/>
             </a:pPr>
@@ -10314,7 +12888,7 @@
 </p:sld>
 </file>
 
-<file path=ppt/slides/slide26.xml><?xml version="1.0" encoding="utf-8"?>
+<file path=ppt/slides/slide35.xml><?xml version="1.0" encoding="utf-8"?>
 <p:sld xmlns:a="http://schemas.openxmlformats.org/drawingml/2006/main" xmlns:r="http://schemas.openxmlformats.org/officeDocument/2006/relationships" xmlns:p="http://schemas.openxmlformats.org/presentationml/2006/main">
   <p:cSld>
     <p:spTree>
@@ -10631,7 +13205,7 @@
 </p:sld>
 </file>
 
-<file path=ppt/slides/slide27.xml><?xml version="1.0" encoding="utf-8"?>
+<file path=ppt/slides/slide36.xml><?xml version="1.0" encoding="utf-8"?>
 <p:sld xmlns:a="http://schemas.openxmlformats.org/drawingml/2006/main" xmlns:r="http://schemas.openxmlformats.org/officeDocument/2006/relationships" xmlns:p="http://schemas.openxmlformats.org/presentationml/2006/main">
   <p:cSld>
     <p:spTree>
@@ -10665,25 +13239,12 @@
           <a:p>
             <a:r>
               <a:rPr lang="en-GB" dirty="0" err="1"/>
-              <a:t>Adicional</a:t>
+              <a:t>Conclusiones</a:t>
             </a:r>
             <a:r>
               <a:rPr lang="en-GB" dirty="0"/>
-              <a:t>: </a:t>
-            </a:r>
-            <a:r>
-              <a:rPr lang="en-GB" dirty="0" err="1"/>
-              <a:t>Métodos</a:t>
-            </a:r>
-            <a:r>
-              <a:rPr lang="en-GB" dirty="0"/>
-              <a:t> de </a:t>
-            </a:r>
-            <a:r>
-              <a:rPr lang="en-GB" dirty="0" err="1"/>
-              <a:t>Imputación</a:t>
-            </a:r>
-            <a:endParaRPr lang="en-GB" dirty="0"/>
+              <a:t> Finales</a:t>
+            </a:r>
           </a:p>
         </p:txBody>
       </p:sp>
@@ -10702,14 +13263,136 @@
           <a:bodyPr/>
           <a:lstStyle/>
           <a:p>
-            <a:endParaRPr lang="en-GB" dirty="0"/>
+            <a:r>
+              <a:rPr lang="es-ES" dirty="0" err="1"/>
+              <a:t>Segmentacion</a:t>
+            </a:r>
+            <a:r>
+              <a:rPr lang="es-ES" dirty="0"/>
+              <a:t> no supervisada permite obtener un conocimiento de los datos “Escondido”</a:t>
+            </a:r>
+          </a:p>
+          <a:p>
+            <a:r>
+              <a:rPr lang="es-ES" dirty="0"/>
+              <a:t>Aplicaciones: </a:t>
+            </a:r>
+            <a:r>
+              <a:rPr lang="es-ES" dirty="0" err="1"/>
+              <a:t>Identificacion</a:t>
+            </a:r>
+            <a:r>
+              <a:rPr lang="es-ES" dirty="0"/>
+              <a:t> de patrones, detección de anomalías,  identificación de </a:t>
+            </a:r>
+            <a:r>
+              <a:rPr lang="es-ES" dirty="0" err="1"/>
+              <a:t>outliers</a:t>
+            </a:r>
+            <a:r>
+              <a:rPr lang="es-ES" dirty="0"/>
+              <a:t> etc.</a:t>
+            </a:r>
+          </a:p>
+          <a:p>
+            <a:endParaRPr lang="es-ES" dirty="0"/>
+          </a:p>
+        </p:txBody>
+      </p:sp>
+      <p:pic>
+        <p:nvPicPr>
+          <p:cNvPr id="1026" name="Picture 2" descr="2.3. Clustering — scikit-learn 1.0.1 documentation">
+            <a:extLst>
+              <a:ext uri="{FF2B5EF4-FFF2-40B4-BE49-F238E27FC236}">
+                <a16:creationId xmlns:a16="http://schemas.microsoft.com/office/drawing/2014/main" id="{28EB1338-0149-4F6E-90DA-A95B467C7C8C}"/>
+              </a:ext>
+            </a:extLst>
+          </p:cNvPr>
+          <p:cNvPicPr>
+            <a:picLocks noChangeAspect="1" noChangeArrowheads="1"/>
+          </p:cNvPicPr>
+          <p:nvPr/>
+        </p:nvPicPr>
+        <p:blipFill>
+          <a:blip r:embed="rId2">
+            <a:extLst>
+              <a:ext uri="{28A0092B-C50C-407E-A947-70E740481C1C}">
+                <a14:useLocalDpi xmlns:a14="http://schemas.microsoft.com/office/drawing/2010/main" val="0"/>
+              </a:ext>
+            </a:extLst>
+          </a:blip>
+          <a:srcRect/>
+          <a:stretch>
+            <a:fillRect/>
+          </a:stretch>
+        </p:blipFill>
+        <p:spPr bwMode="auto">
+          <a:xfrm>
+            <a:off x="5754254" y="3306665"/>
+            <a:ext cx="4719783" cy="2921964"/>
+          </a:xfrm>
+          <a:prstGeom prst="rect">
+            <a:avLst/>
+          </a:prstGeom>
+          <a:noFill/>
+          <a:extLst>
+            <a:ext uri="{909E8E84-426E-40DD-AFC4-6F175D3DCCD1}">
+              <a14:hiddenFill xmlns:a14="http://schemas.microsoft.com/office/drawing/2010/main">
+                <a:solidFill>
+                  <a:srgbClr val="FFFFFF"/>
+                </a:solidFill>
+              </a14:hiddenFill>
+            </a:ext>
+          </a:extLst>
+        </p:spPr>
+      </p:pic>
+      <p:sp>
+        <p:nvSpPr>
+          <p:cNvPr id="4" name="TextBox 3">
+            <a:extLst>
+              <a:ext uri="{FF2B5EF4-FFF2-40B4-BE49-F238E27FC236}">
+                <a16:creationId xmlns:a16="http://schemas.microsoft.com/office/drawing/2014/main" id="{AAA2ECA5-76C5-40F7-A80E-1EA62B347008}"/>
+              </a:ext>
+            </a:extLst>
+          </p:cNvPr>
+          <p:cNvSpPr txBox="1"/>
+          <p:nvPr/>
+        </p:nvSpPr>
+        <p:spPr>
+          <a:xfrm>
+            <a:off x="5421746" y="6338986"/>
+            <a:ext cx="7389091" cy="307777"/>
+          </a:xfrm>
+          <a:prstGeom prst="rect">
+            <a:avLst/>
+          </a:prstGeom>
+          <a:noFill/>
+        </p:spPr>
+        <p:txBody>
+          <a:bodyPr wrap="square" rtlCol="0">
+            <a:spAutoFit/>
+          </a:bodyPr>
+          <a:lstStyle/>
+          <a:p>
+            <a:r>
+              <a:rPr lang="es-ES" sz="1400" dirty="0"/>
+              <a:t>Fuente: </a:t>
+            </a:r>
+            <a:r>
+              <a:rPr lang="es-ES" sz="1400" dirty="0" err="1"/>
+              <a:t>Scikit-learn</a:t>
+            </a:r>
+            <a:r>
+              <a:rPr lang="es-ES" sz="1400" dirty="0"/>
+              <a:t> (https://scikit-learn.org/stable/modules/clustering.html)</a:t>
+            </a:r>
           </a:p>
         </p:txBody>
       </p:sp>
     </p:spTree>
     <p:extLst>
       <p:ext uri="{BB962C8B-B14F-4D97-AF65-F5344CB8AC3E}">
-        <p14:creationId xmlns:p14="http://schemas.microsoft.com/office/powerpoint/2010/main" val="2074918233"/>
+        <p14:creationId xmlns:p14="http://schemas.microsoft.com/office/powerpoint/2010/main" val="3647424591"/>
       </p:ext>
     </p:extLst>
   </p:cSld>
@@ -10719,7 +13402,7 @@
 </p:sld>
 </file>
 
-<file path=ppt/slides/slide28.xml><?xml version="1.0" encoding="utf-8"?>
+<file path=ppt/slides/slide37.xml><?xml version="1.0" encoding="utf-8"?>
 <p:sld xmlns:a="http://schemas.openxmlformats.org/drawingml/2006/main" xmlns:r="http://schemas.openxmlformats.org/officeDocument/2006/relationships" xmlns:p="http://schemas.openxmlformats.org/presentationml/2006/main">
   <p:cSld>
     <p:spTree>
@@ -10753,11 +13436,19 @@
           <a:p>
             <a:r>
               <a:rPr lang="en-GB" dirty="0" err="1"/>
-              <a:t>Conclusiones</a:t>
+              <a:t>Concepto</a:t>
             </a:r>
             <a:r>
               <a:rPr lang="en-GB" dirty="0"/>
-              <a:t> Finales</a:t>
+              <a:t> </a:t>
+            </a:r>
+            <a:r>
+              <a:rPr lang="en-GB" dirty="0" err="1"/>
+              <a:t>Práctica</a:t>
+            </a:r>
+            <a:r>
+              <a:rPr lang="en-GB" dirty="0"/>
+              <a:t> 4 </a:t>
             </a:r>
           </a:p>
         </p:txBody>
@@ -10777,14 +13468,57 @@
           <a:bodyPr/>
           <a:lstStyle/>
           <a:p>
-            <a:endParaRPr lang="en-GB"/>
+            <a:r>
+              <a:rPr lang="es-ES" dirty="0"/>
+              <a:t>Análisis e identificación de outliers de perfiles de temperatura de suministro de un </a:t>
+            </a:r>
+            <a:r>
+              <a:rPr lang="es-ES" dirty="0" err="1"/>
+              <a:t>district-heating</a:t>
+            </a:r>
+            <a:r>
+              <a:rPr lang="es-ES" dirty="0"/>
+              <a:t> o red de distrito.</a:t>
+            </a:r>
+          </a:p>
+          <a:p>
+            <a:r>
+              <a:rPr lang="es-ES" dirty="0"/>
+              <a:t>Análisis de clustering no-supervisado usando k-</a:t>
+            </a:r>
+            <a:r>
+              <a:rPr lang="es-ES" dirty="0" err="1"/>
+              <a:t>means</a:t>
+            </a:r>
+            <a:r>
+              <a:rPr lang="es-ES" dirty="0"/>
+              <a:t> de los perfiles de uno de los edificios</a:t>
+            </a:r>
+          </a:p>
+          <a:p>
+            <a:r>
+              <a:rPr lang="es-ES" dirty="0"/>
+              <a:t>Validación de clústeres</a:t>
+            </a:r>
+          </a:p>
+          <a:p>
+            <a:r>
+              <a:rPr lang="es-ES" dirty="0"/>
+              <a:t>Plotear los clústeres </a:t>
+            </a:r>
+          </a:p>
+          <a:p>
+            <a:endParaRPr lang="es-ES" dirty="0"/>
+          </a:p>
+          <a:p>
+            <a:endParaRPr lang="es-ES" dirty="0"/>
           </a:p>
         </p:txBody>
       </p:sp>
     </p:spTree>
     <p:extLst>
       <p:ext uri="{BB962C8B-B14F-4D97-AF65-F5344CB8AC3E}">
-        <p14:creationId xmlns:p14="http://schemas.microsoft.com/office/powerpoint/2010/main" val="3647424591"/>
+        <p14:creationId xmlns:p14="http://schemas.microsoft.com/office/powerpoint/2010/main" val="2813272158"/>
       </p:ext>
     </p:extLst>
   </p:cSld>
@@ -10794,7 +13528,7 @@
 </p:sld>
 </file>
 
-<file path=ppt/slides/slide29.xml><?xml version="1.0" encoding="utf-8"?>
+<file path=ppt/slides/slide38.xml><?xml version="1.0" encoding="utf-8"?>
 <p:sld xmlns:a="http://schemas.openxmlformats.org/drawingml/2006/main" xmlns:r="http://schemas.openxmlformats.org/officeDocument/2006/relationships" xmlns:p="http://schemas.openxmlformats.org/presentationml/2006/main">
   <p:cSld>
     <p:spTree>
@@ -10813,7 +13547,13 @@
       </p:grpSpPr>
       <p:sp>
         <p:nvSpPr>
-          <p:cNvPr id="2" name="Título 1"/>
+          <p:cNvPr id="2" name="Título 1">
+            <a:extLst>
+              <a:ext uri="{FF2B5EF4-FFF2-40B4-BE49-F238E27FC236}">
+                <a16:creationId xmlns:a16="http://schemas.microsoft.com/office/drawing/2014/main" id="{3BA35E48-703B-4E3F-8A50-181FCA662E24}"/>
+              </a:ext>
+            </a:extLst>
+          </p:cNvPr>
           <p:cNvSpPr>
             <a:spLocks noGrp="1"/>
           </p:cNvSpPr>
@@ -10827,27 +13567,25 @@
           <a:lstStyle/>
           <a:p>
             <a:r>
-              <a:rPr lang="en-GB" dirty="0" err="1"/>
-              <a:t>Concepto</a:t>
-            </a:r>
-            <a:r>
-              <a:rPr lang="en-GB" dirty="0"/>
-              <a:t> </a:t>
-            </a:r>
-            <a:r>
-              <a:rPr lang="en-GB" dirty="0" err="1"/>
-              <a:t>Práctica</a:t>
-            </a:r>
-            <a:r>
-              <a:rPr lang="en-GB" dirty="0"/>
-              <a:t> 4 </a:t>
-            </a:r>
-          </a:p>
-        </p:txBody>
-      </p:sp>
-      <p:sp>
-        <p:nvSpPr>
-          <p:cNvPr id="3" name="Marcador de contenido 2"/>
+              <a:rPr lang="es-ES" dirty="0" err="1"/>
+              <a:t>Kahoot</a:t>
+            </a:r>
+            <a:r>
+              <a:rPr lang="es-ES" dirty="0"/>
+              <a:t> II</a:t>
+            </a:r>
+          </a:p>
+        </p:txBody>
+      </p:sp>
+      <p:sp>
+        <p:nvSpPr>
+          <p:cNvPr id="4" name="Marcador de contenido 2">
+            <a:extLst>
+              <a:ext uri="{FF2B5EF4-FFF2-40B4-BE49-F238E27FC236}">
+                <a16:creationId xmlns:a16="http://schemas.microsoft.com/office/drawing/2014/main" id="{C600BDF6-21DE-42EC-8938-7AE4152071C7}"/>
+              </a:ext>
+            </a:extLst>
+          </p:cNvPr>
           <p:cNvSpPr>
             <a:spLocks noGrp="1"/>
           </p:cNvSpPr>
@@ -10855,62 +13593,141 @@
             <p:ph idx="1"/>
           </p:nvPr>
         </p:nvSpPr>
-        <p:spPr/>
+        <p:spPr>
+          <a:xfrm>
+            <a:off x="782968" y="1759430"/>
+            <a:ext cx="5906267" cy="4014736"/>
+          </a:xfrm>
+        </p:spPr>
         <p:txBody>
           <a:bodyPr/>
           <a:lstStyle/>
           <a:p>
+            <a:pPr marL="0" indent="0">
+              <a:buNone/>
+            </a:pPr>
             <a:r>
               <a:rPr lang="es-ES" dirty="0"/>
-              <a:t>Análisis e identificación de outliers de perfiles de temperatura de suministro de un </a:t>
+              <a:t>A modo de Repaso: Test </a:t>
             </a:r>
             <a:r>
               <a:rPr lang="es-ES" dirty="0" err="1"/>
-              <a:t>district-heating</a:t>
-            </a:r>
-            <a:r>
-              <a:rPr lang="es-ES" dirty="0"/>
-              <a:t> o red de distrito.</a:t>
-            </a:r>
-          </a:p>
-          <a:p>
-            <a:r>
-              <a:rPr lang="es-ES" dirty="0"/>
-              <a:t>Análisis de clustering no-supervisado usando k-</a:t>
-            </a:r>
-            <a:r>
-              <a:rPr lang="es-ES" dirty="0" err="1"/>
-              <a:t>means</a:t>
-            </a:r>
-            <a:r>
-              <a:rPr lang="es-ES" dirty="0"/>
-              <a:t> de los perfiles de uno de los edificios</a:t>
-            </a:r>
-          </a:p>
-          <a:p>
-            <a:r>
-              <a:rPr lang="es-ES" dirty="0"/>
-              <a:t>Validación de clústeres</a:t>
-            </a:r>
-          </a:p>
-          <a:p>
-            <a:r>
-              <a:rPr lang="es-ES" dirty="0"/>
-              <a:t>Plotear los clústeres </a:t>
-            </a:r>
-          </a:p>
-          <a:p>
+              <a:t>Kahoot</a:t>
+            </a:r>
             <a:endParaRPr lang="es-ES" dirty="0"/>
           </a:p>
           <a:p>
+            <a:pPr marL="0" indent="0">
+              <a:buNone/>
+            </a:pPr>
             <a:endParaRPr lang="es-ES" dirty="0"/>
           </a:p>
-        </p:txBody>
-      </p:sp>
+          <a:p>
+            <a:pPr marL="0" indent="0">
+              <a:buNone/>
+            </a:pPr>
+            <a:endParaRPr lang="es-ES" dirty="0"/>
+          </a:p>
+          <a:p>
+            <a:pPr marL="0" indent="0">
+              <a:buNone/>
+            </a:pPr>
+            <a:r>
+              <a:rPr lang="es-ES" b="1" u="sng" dirty="0"/>
+              <a:t>Test Sesión 4</a:t>
+            </a:r>
+          </a:p>
+          <a:p>
+            <a:pPr marL="0" indent="0">
+              <a:buNone/>
+            </a:pPr>
+            <a:r>
+              <a:rPr lang="en-US" dirty="0">
+                <a:hlinkClick r:id="rId2"/>
+              </a:rPr>
+              <a:t>Play Kahoot! - Enter game PIN here!</a:t>
+            </a:r>
+            <a:endParaRPr lang="es-ES" b="1" u="sng" dirty="0"/>
+          </a:p>
+          <a:p>
+            <a:pPr marL="0" indent="0">
+              <a:buNone/>
+            </a:pPr>
+            <a:r>
+              <a:rPr lang="es-ES" sz="2000" b="1" u="sng" dirty="0">
+                <a:solidFill>
+                  <a:schemeClr val="accent1"/>
+                </a:solidFill>
+              </a:rPr>
+              <a:t>(Para Mikel:</a:t>
+            </a:r>
+          </a:p>
+          <a:p>
+            <a:pPr marL="0" indent="0">
+              <a:buNone/>
+            </a:pPr>
+            <a:r>
+              <a:rPr lang="es-ES" sz="2000" b="1" u="sng" dirty="0">
+                <a:solidFill>
+                  <a:schemeClr val="accent1"/>
+                </a:solidFill>
+              </a:rPr>
+              <a:t>https://play.kahoot.it/v2/?quizId=cb7cd5a2-7b77-4ec1-b040-52ca383e54bd)</a:t>
+            </a:r>
+          </a:p>
+        </p:txBody>
+      </p:sp>
+      <p:pic>
+        <p:nvPicPr>
+          <p:cNvPr id="5" name="Picture 4" descr="Paso a paso: cómo crear un Kahoot! para usar en clase">
+            <a:extLst>
+              <a:ext uri="{FF2B5EF4-FFF2-40B4-BE49-F238E27FC236}">
+                <a16:creationId xmlns:a16="http://schemas.microsoft.com/office/drawing/2014/main" id="{1AB3662D-FAEC-478E-BAEC-33C76DB0EE1E}"/>
+              </a:ext>
+            </a:extLst>
+          </p:cNvPr>
+          <p:cNvPicPr>
+            <a:picLocks noChangeAspect="1" noChangeArrowheads="1"/>
+          </p:cNvPicPr>
+          <p:nvPr/>
+        </p:nvPicPr>
+        <p:blipFill>
+          <a:blip r:embed="rId3">
+            <a:extLst>
+              <a:ext uri="{28A0092B-C50C-407E-A947-70E740481C1C}">
+                <a14:useLocalDpi xmlns:a14="http://schemas.microsoft.com/office/drawing/2010/main" val="0"/>
+              </a:ext>
+            </a:extLst>
+          </a:blip>
+          <a:srcRect/>
+          <a:stretch>
+            <a:fillRect/>
+          </a:stretch>
+        </p:blipFill>
+        <p:spPr bwMode="auto">
+          <a:xfrm>
+            <a:off x="7039992" y="2837308"/>
+            <a:ext cx="3950563" cy="2222192"/>
+          </a:xfrm>
+          <a:prstGeom prst="rect">
+            <a:avLst/>
+          </a:prstGeom>
+          <a:noFill/>
+          <a:extLst>
+            <a:ext uri="{909E8E84-426E-40DD-AFC4-6F175D3DCCD1}">
+              <a14:hiddenFill xmlns:a14="http://schemas.microsoft.com/office/drawing/2010/main">
+                <a:solidFill>
+                  <a:srgbClr val="FFFFFF"/>
+                </a:solidFill>
+              </a14:hiddenFill>
+            </a:ext>
+          </a:extLst>
+        </p:spPr>
+      </p:pic>
     </p:spTree>
     <p:extLst>
       <p:ext uri="{BB962C8B-B14F-4D97-AF65-F5344CB8AC3E}">
-        <p14:creationId xmlns:p14="http://schemas.microsoft.com/office/powerpoint/2010/main" val="2813272158"/>
+        <p14:creationId xmlns:p14="http://schemas.microsoft.com/office/powerpoint/2010/main" val="2640609736"/>
       </p:ext>
     </p:extLst>
   </p:cSld>
@@ -10920,7 +13737,7 @@
 </p:sld>
 </file>
 
-<file path=ppt/slides/slide3.xml><?xml version="1.0" encoding="utf-8"?>
+<file path=ppt/slides/slide39.xml><?xml version="1.0" encoding="utf-8"?>
 <p:sld xmlns:a="http://schemas.openxmlformats.org/drawingml/2006/main" xmlns:r="http://schemas.openxmlformats.org/officeDocument/2006/relationships" xmlns:p="http://schemas.openxmlformats.org/presentationml/2006/main">
   <p:cSld>
     <p:spTree>
@@ -10939,33 +13756,10 @@
       </p:grpSpPr>
       <p:sp>
         <p:nvSpPr>
-          <p:cNvPr id="2" name="Título 1"/>
-          <p:cNvSpPr>
-            <a:spLocks noGrp="1"/>
-          </p:cNvSpPr>
-          <p:nvPr>
-            <p:ph type="title"/>
-          </p:nvPr>
-        </p:nvSpPr>
-        <p:spPr/>
-        <p:txBody>
-          <a:bodyPr/>
-          <a:lstStyle/>
-          <a:p>
-            <a:r>
-              <a:rPr lang="es-ES" dirty="0"/>
-              <a:t>Objetivos</a:t>
-            </a:r>
-            <a:endParaRPr lang="en-GB" dirty="0"/>
-          </a:p>
-        </p:txBody>
-      </p:sp>
-      <p:sp>
-        <p:nvSpPr>
-          <p:cNvPr id="4" name="Marcador de contenido 3">
+          <p:cNvPr id="2" name="Title 1">
             <a:extLst>
               <a:ext uri="{FF2B5EF4-FFF2-40B4-BE49-F238E27FC236}">
-                <a16:creationId xmlns:a16="http://schemas.microsoft.com/office/drawing/2014/main" id="{FAAEBB48-7A95-45B0-8B83-C465E7AE57F8}"/>
+                <a16:creationId xmlns:a16="http://schemas.microsoft.com/office/drawing/2014/main" id="{E9889F8A-3C1A-4580-B462-7B4E04F6E33B}"/>
               </a:ext>
             </a:extLst>
           </p:cNvPr>
@@ -10973,73 +13767,165 @@
             <a:spLocks noGrp="1"/>
           </p:cNvSpPr>
           <p:nvPr>
+            <p:ph type="title"/>
+          </p:nvPr>
+        </p:nvSpPr>
+        <p:spPr/>
+        <p:txBody>
+          <a:bodyPr/>
+          <a:lstStyle/>
+          <a:p>
+            <a:r>
+              <a:rPr lang="es-ES" dirty="0"/>
+              <a:t>Práctica Sesión 4: </a:t>
+            </a:r>
+            <a:r>
+              <a:rPr lang="es-ES" dirty="0" err="1"/>
+              <a:t>Clustering</a:t>
+            </a:r>
+            <a:endParaRPr lang="es-ES" dirty="0"/>
+          </a:p>
+        </p:txBody>
+      </p:sp>
+      <p:sp>
+        <p:nvSpPr>
+          <p:cNvPr id="3" name="Content Placeholder 2">
+            <a:extLst>
+              <a:ext uri="{FF2B5EF4-FFF2-40B4-BE49-F238E27FC236}">
+                <a16:creationId xmlns:a16="http://schemas.microsoft.com/office/drawing/2014/main" id="{051682E3-FCE3-41C1-9113-756D8EA13F28}"/>
+              </a:ext>
+            </a:extLst>
+          </p:cNvPr>
+          <p:cNvSpPr>
+            <a:spLocks noGrp="1"/>
+          </p:cNvSpPr>
+          <p:nvPr>
             <p:ph idx="1"/>
           </p:nvPr>
         </p:nvSpPr>
         <p:spPr/>
         <p:txBody>
-          <a:bodyPr>
-            <a:normAutofit fontScale="70000" lnSpcReduction="20000"/>
+          <a:bodyPr/>
+          <a:lstStyle/>
+          <a:p>
+            <a:r>
+              <a:rPr lang="es-ES" dirty="0"/>
+              <a:t>SCRIPT 1: Entrando en calor con R (30’)</a:t>
+            </a:r>
+          </a:p>
+          <a:p>
+            <a:pPr lvl="1"/>
+            <a:r>
+              <a:rPr lang="es-ES" dirty="0"/>
+              <a:t>Cargar CSV de datos edificio (Cargamos los resultados de la Sesión 2)</a:t>
+            </a:r>
+          </a:p>
+          <a:p>
+            <a:pPr lvl="1"/>
+            <a:r>
+              <a:rPr lang="es-ES" dirty="0"/>
+              <a:t>Vamos a hacer un </a:t>
+            </a:r>
+            <a:r>
+              <a:rPr lang="es-ES" dirty="0" err="1"/>
+              <a:t>boxplot</a:t>
+            </a:r>
+            <a:r>
+              <a:rPr lang="es-ES" dirty="0"/>
+              <a:t> por rangos de temperatura:</a:t>
+            </a:r>
+          </a:p>
+          <a:p>
+            <a:pPr lvl="2"/>
+            <a:r>
+              <a:rPr lang="es-ES" dirty="0"/>
+              <a:t>4 Rangos </a:t>
+            </a:r>
+            <a:r>
+              <a:rPr lang="es-ES" dirty="0">
+                <a:sym typeface="Wingdings" panose="05000000000000000000" pitchFamily="2" charset="2"/>
+              </a:rPr>
+              <a:t> Definidos por cuartiles</a:t>
+            </a:r>
+          </a:p>
+          <a:p>
+            <a:pPr marL="914400" lvl="2" indent="0">
+              <a:buNone/>
+            </a:pPr>
+            <a:endParaRPr lang="es-ES" dirty="0"/>
+          </a:p>
+        </p:txBody>
+      </p:sp>
+      <p:pic>
+        <p:nvPicPr>
+          <p:cNvPr id="5" name="Picture 4">
+            <a:extLst>
+              <a:ext uri="{FF2B5EF4-FFF2-40B4-BE49-F238E27FC236}">
+                <a16:creationId xmlns:a16="http://schemas.microsoft.com/office/drawing/2014/main" id="{0ADD68E3-12A2-4928-B707-17C86D216845}"/>
+              </a:ext>
+            </a:extLst>
+          </p:cNvPr>
+          <p:cNvPicPr>
+            <a:picLocks noChangeAspect="1"/>
+          </p:cNvPicPr>
+          <p:nvPr/>
+        </p:nvPicPr>
+        <p:blipFill>
+          <a:blip r:embed="rId2"/>
+          <a:stretch>
+            <a:fillRect/>
+          </a:stretch>
+        </p:blipFill>
+        <p:spPr>
+          <a:xfrm>
+            <a:off x="6165047" y="3269673"/>
+            <a:ext cx="5740626" cy="3130839"/>
+          </a:xfrm>
+          <a:prstGeom prst="rect">
+            <a:avLst/>
+          </a:prstGeom>
+        </p:spPr>
+      </p:pic>
+      <p:sp>
+        <p:nvSpPr>
+          <p:cNvPr id="6" name="TextBox 5">
+            <a:extLst>
+              <a:ext uri="{FF2B5EF4-FFF2-40B4-BE49-F238E27FC236}">
+                <a16:creationId xmlns:a16="http://schemas.microsoft.com/office/drawing/2014/main" id="{B292E0E1-FBD1-4592-A76D-304C1C742191}"/>
+              </a:ext>
+            </a:extLst>
+          </p:cNvPr>
+          <p:cNvSpPr txBox="1"/>
+          <p:nvPr/>
+        </p:nvSpPr>
+        <p:spPr>
+          <a:xfrm>
+            <a:off x="923636" y="4220921"/>
+            <a:ext cx="4572000" cy="923330"/>
+          </a:xfrm>
+          <a:prstGeom prst="rect">
+            <a:avLst/>
+          </a:prstGeom>
+          <a:noFill/>
+        </p:spPr>
+        <p:txBody>
+          <a:bodyPr wrap="square" rtlCol="0">
+            <a:spAutoFit/>
           </a:bodyPr>
           <a:lstStyle/>
           <a:p>
             <a:r>
               <a:rPr lang="es-ES" dirty="0"/>
-              <a:t>Comprender las cargas térmicas en la edificación y sus dinámicas principales</a:t>
-            </a:r>
+              <a:t>Objetivo:</a:t>
+            </a:r>
+          </a:p>
+          <a:p>
+            <a:endParaRPr lang="es-ES" dirty="0"/>
           </a:p>
           <a:p>
             <a:r>
               <a:rPr lang="es-ES" dirty="0"/>
-              <a:t>Introducir el concepto de Medida y Verificación de ahorros energéticos</a:t>
-            </a:r>
-          </a:p>
-          <a:p>
-            <a:r>
-              <a:rPr lang="es-ES" dirty="0"/>
-              <a:t>Disponer de herramientas para la realización de análisis de datos</a:t>
-            </a:r>
-          </a:p>
-          <a:p>
-            <a:r>
-              <a:rPr lang="es-ES" dirty="0"/>
-              <a:t>Identificar las variables relevantes y modelar la dependencia de las cargas térmicas frente a las mismas</a:t>
-            </a:r>
-          </a:p>
-          <a:p>
-            <a:r>
-              <a:rPr lang="es-ES" dirty="0"/>
-              <a:t>Conocer los métodos de análisis estadístico y las métricas de error</a:t>
-            </a:r>
-          </a:p>
-          <a:p>
-            <a:r>
-              <a:rPr lang="es-ES" dirty="0"/>
-              <a:t>Introducir distintos métodos de análisis clásicos y modernos</a:t>
-            </a:r>
-          </a:p>
-          <a:p>
-            <a:r>
-              <a:rPr lang="es-ES" dirty="0"/>
-              <a:t>Introducir métodos de clasificación y segmentación de datos</a:t>
-            </a:r>
-          </a:p>
-          <a:p>
-            <a:r>
-              <a:rPr lang="es-ES" dirty="0"/>
-              <a:t>Introducir métodos de detección de errores y reparación de series temporales</a:t>
-            </a:r>
-          </a:p>
-          <a:p>
-            <a:endParaRPr lang="es-ES" dirty="0"/>
-          </a:p>
-          <a:p>
-            <a:pPr marL="0" indent="0">
-              <a:buNone/>
-            </a:pPr>
-            <a:r>
-              <a:rPr lang="es-ES" i="1" dirty="0"/>
-              <a:t>Enunciar los problemas, posibles vías de solución, proporcionar herramientas y referencias útiles</a:t>
+              <a:t>Usando GGPLOT</a:t>
             </a:r>
           </a:p>
         </p:txBody>
@@ -11047,152 +13933,7 @@
     </p:spTree>
     <p:extLst>
       <p:ext uri="{BB962C8B-B14F-4D97-AF65-F5344CB8AC3E}">
-        <p14:creationId xmlns:p14="http://schemas.microsoft.com/office/powerpoint/2010/main" val="1913449723"/>
-      </p:ext>
-    </p:extLst>
-  </p:cSld>
-  <p:clrMapOvr>
-    <a:masterClrMapping/>
-  </p:clrMapOvr>
-</p:sld>
-</file>
-
-<file path=ppt/slides/slide30.xml><?xml version="1.0" encoding="utf-8"?>
-<p:sld xmlns:a="http://schemas.openxmlformats.org/drawingml/2006/main" xmlns:r="http://schemas.openxmlformats.org/officeDocument/2006/relationships" xmlns:p="http://schemas.openxmlformats.org/presentationml/2006/main">
-  <p:cSld>
-    <p:spTree>
-      <p:nvGrpSpPr>
-        <p:cNvPr id="1" name=""/>
-        <p:cNvGrpSpPr/>
-        <p:nvPr/>
-      </p:nvGrpSpPr>
-      <p:grpSpPr>
-        <a:xfrm>
-          <a:off x="0" y="0"/>
-          <a:ext cx="0" cy="0"/>
-          <a:chOff x="0" y="0"/>
-          <a:chExt cx="0" cy="0"/>
-        </a:xfrm>
-      </p:grpSpPr>
-      <p:sp>
-        <p:nvSpPr>
-          <p:cNvPr id="4" name="Título 3">
-            <a:extLst>
-              <a:ext uri="{FF2B5EF4-FFF2-40B4-BE49-F238E27FC236}">
-                <a16:creationId xmlns:a16="http://schemas.microsoft.com/office/drawing/2014/main" id="{57358FC5-0DFC-4396-9893-E446212006B0}"/>
-              </a:ext>
-            </a:extLst>
-          </p:cNvPr>
-          <p:cNvSpPr>
-            <a:spLocks noGrp="1"/>
-          </p:cNvSpPr>
-          <p:nvPr>
-            <p:ph type="ctrTitle"/>
-          </p:nvPr>
-        </p:nvSpPr>
-        <p:spPr/>
-        <p:txBody>
-          <a:bodyPr>
-            <a:noAutofit/>
-          </a:bodyPr>
-          <a:lstStyle/>
-          <a:p>
-            <a:r>
-              <a:rPr lang="es-ES" sz="4400" dirty="0"/>
-              <a:t>Estudio de consumo de energía mediante métodos de análisis de datos</a:t>
-            </a:r>
-            <a:br>
-              <a:rPr lang="es-ES" sz="4400" dirty="0"/>
-            </a:br>
-            <a:r>
-              <a:rPr lang="es-ES" sz="2800" dirty="0"/>
-              <a:t>Contexto, métodos de análisis, herramientas y aplicaciones</a:t>
-            </a:r>
-            <a:endParaRPr lang="en-GB" sz="4400" dirty="0"/>
-          </a:p>
-        </p:txBody>
-      </p:sp>
-      <p:sp>
-        <p:nvSpPr>
-          <p:cNvPr id="5" name="Subtítulo 4">
-            <a:extLst>
-              <a:ext uri="{FF2B5EF4-FFF2-40B4-BE49-F238E27FC236}">
-                <a16:creationId xmlns:a16="http://schemas.microsoft.com/office/drawing/2014/main" id="{5BE36759-AD9E-492B-A539-7E3579699A77}"/>
-              </a:ext>
-            </a:extLst>
-          </p:cNvPr>
-          <p:cNvSpPr>
-            <a:spLocks noGrp="1"/>
-          </p:cNvSpPr>
-          <p:nvPr>
-            <p:ph type="subTitle" idx="1"/>
-          </p:nvPr>
-        </p:nvSpPr>
-        <p:spPr>
-          <a:xfrm>
-            <a:off x="1524000" y="3602038"/>
-            <a:ext cx="9144000" cy="1310204"/>
-          </a:xfrm>
-        </p:spPr>
-        <p:txBody>
-          <a:bodyPr numCol="2">
-            <a:normAutofit/>
-          </a:bodyPr>
-          <a:lstStyle/>
-          <a:p>
-            <a:pPr algn="l"/>
-            <a:r>
-              <a:rPr lang="es-ES" sz="2000" dirty="0"/>
-              <a:t>Mikel Lumbreras Mugaguren</a:t>
-            </a:r>
-          </a:p>
-          <a:p>
-            <a:pPr algn="l"/>
-            <a:r>
-              <a:rPr lang="es-ES" sz="2000" dirty="0"/>
-              <a:t>946014985</a:t>
-            </a:r>
-          </a:p>
-          <a:p>
-            <a:pPr algn="l"/>
-            <a:r>
-              <a:rPr lang="es-ES" sz="2000" dirty="0" err="1">
-                <a:hlinkClick r:id="rId2"/>
-              </a:rPr>
-              <a:t>mikel.lumbreras@ehu.eus</a:t>
-            </a:r>
-            <a:endParaRPr lang="es-ES" sz="2000" dirty="0"/>
-          </a:p>
-          <a:p>
-            <a:pPr algn="l"/>
-            <a:r>
-              <a:rPr lang="es-ES" sz="2000" dirty="0"/>
-              <a:t>Roberto Garay Martinez</a:t>
-            </a:r>
-          </a:p>
-          <a:p>
-            <a:pPr algn="l"/>
-            <a:r>
-              <a:rPr lang="es-ES" sz="2000" dirty="0"/>
-              <a:t>667 178 958</a:t>
-            </a:r>
-          </a:p>
-          <a:p>
-            <a:pPr algn="l"/>
-            <a:r>
-              <a:rPr lang="es-ES" sz="2000" dirty="0">
-                <a:hlinkClick r:id="rId3"/>
-              </a:rPr>
-              <a:t>roberto.garay@tecnalia.com</a:t>
-            </a:r>
-            <a:endParaRPr lang="es-ES" sz="2000" dirty="0"/>
-          </a:p>
-        </p:txBody>
-      </p:sp>
-    </p:spTree>
-    <p:extLst>
-      <p:ext uri="{BB962C8B-B14F-4D97-AF65-F5344CB8AC3E}">
-        <p14:creationId xmlns:p14="http://schemas.microsoft.com/office/powerpoint/2010/main" val="3967490461"/>
+        <p14:creationId xmlns:p14="http://schemas.microsoft.com/office/powerpoint/2010/main" val="4220847849"/>
       </p:ext>
     </p:extLst>
   </p:cSld>
@@ -12155,6 +14896,539 @@
 </p:sld>
 </file>
 
+<file path=ppt/slides/slide40.xml><?xml version="1.0" encoding="utf-8"?>
+<p:sld xmlns:a="http://schemas.openxmlformats.org/drawingml/2006/main" xmlns:r="http://schemas.openxmlformats.org/officeDocument/2006/relationships" xmlns:p="http://schemas.openxmlformats.org/presentationml/2006/main">
+  <p:cSld>
+    <p:spTree>
+      <p:nvGrpSpPr>
+        <p:cNvPr id="1" name=""/>
+        <p:cNvGrpSpPr/>
+        <p:nvPr/>
+      </p:nvGrpSpPr>
+      <p:grpSpPr>
+        <a:xfrm>
+          <a:off x="0" y="0"/>
+          <a:ext cx="0" cy="0"/>
+          <a:chOff x="0" y="0"/>
+          <a:chExt cx="0" cy="0"/>
+        </a:xfrm>
+      </p:grpSpPr>
+      <p:sp>
+        <p:nvSpPr>
+          <p:cNvPr id="2" name="Title 1">
+            <a:extLst>
+              <a:ext uri="{FF2B5EF4-FFF2-40B4-BE49-F238E27FC236}">
+                <a16:creationId xmlns:a16="http://schemas.microsoft.com/office/drawing/2014/main" id="{E9889F8A-3C1A-4580-B462-7B4E04F6E33B}"/>
+              </a:ext>
+            </a:extLst>
+          </p:cNvPr>
+          <p:cNvSpPr>
+            <a:spLocks noGrp="1"/>
+          </p:cNvSpPr>
+          <p:nvPr>
+            <p:ph type="title"/>
+          </p:nvPr>
+        </p:nvSpPr>
+        <p:spPr/>
+        <p:txBody>
+          <a:bodyPr/>
+          <a:lstStyle/>
+          <a:p>
+            <a:r>
+              <a:rPr lang="es-ES" dirty="0"/>
+              <a:t>Práctica Sesión 4: </a:t>
+            </a:r>
+            <a:r>
+              <a:rPr lang="es-ES" dirty="0" err="1"/>
+              <a:t>Clustering</a:t>
+            </a:r>
+            <a:endParaRPr lang="es-ES" dirty="0"/>
+          </a:p>
+        </p:txBody>
+      </p:sp>
+      <p:sp>
+        <p:nvSpPr>
+          <p:cNvPr id="3" name="Content Placeholder 2">
+            <a:extLst>
+              <a:ext uri="{FF2B5EF4-FFF2-40B4-BE49-F238E27FC236}">
+                <a16:creationId xmlns:a16="http://schemas.microsoft.com/office/drawing/2014/main" id="{051682E3-FCE3-41C1-9113-756D8EA13F28}"/>
+              </a:ext>
+            </a:extLst>
+          </p:cNvPr>
+          <p:cNvSpPr>
+            <a:spLocks noGrp="1"/>
+          </p:cNvSpPr>
+          <p:nvPr>
+            <p:ph idx="1"/>
+          </p:nvPr>
+        </p:nvSpPr>
+        <p:spPr/>
+        <p:txBody>
+          <a:bodyPr/>
+          <a:lstStyle/>
+          <a:p>
+            <a:r>
+              <a:rPr lang="es-ES" dirty="0"/>
+              <a:t>SCRIPT 2: Identificación de </a:t>
+            </a:r>
+            <a:r>
+              <a:rPr lang="es-ES" dirty="0" err="1"/>
+              <a:t>outliers</a:t>
+            </a:r>
+            <a:r>
+              <a:rPr lang="es-ES" dirty="0"/>
+              <a:t> (45’)</a:t>
+            </a:r>
+          </a:p>
+          <a:p>
+            <a:pPr marL="0" indent="0">
+              <a:buNone/>
+            </a:pPr>
+            <a:endParaRPr lang="es-ES" dirty="0"/>
+          </a:p>
+          <a:p>
+            <a:pPr lvl="1"/>
+            <a:r>
+              <a:rPr lang="es-ES" dirty="0"/>
+              <a:t>Método 1: </a:t>
+            </a:r>
+            <a:r>
+              <a:rPr lang="es-ES" dirty="0" err="1"/>
+              <a:t>Intercuartil</a:t>
+            </a:r>
+            <a:r>
+              <a:rPr lang="es-ES" dirty="0"/>
+              <a:t> IQR </a:t>
+            </a:r>
+            <a:r>
+              <a:rPr lang="es-ES" dirty="0">
+                <a:sym typeface="Wingdings" panose="05000000000000000000" pitchFamily="2" charset="2"/>
+              </a:rPr>
+              <a:t> Función 1</a:t>
+            </a:r>
+            <a:endParaRPr lang="es-ES" dirty="0"/>
+          </a:p>
+          <a:p>
+            <a:pPr lvl="1"/>
+            <a:r>
+              <a:rPr lang="es-ES" dirty="0"/>
+              <a:t>Método 2: </a:t>
+            </a:r>
+            <a:r>
+              <a:rPr lang="es-ES" dirty="0" err="1"/>
+              <a:t>Density</a:t>
+            </a:r>
+            <a:r>
+              <a:rPr lang="es-ES" dirty="0"/>
+              <a:t> </a:t>
+            </a:r>
+            <a:r>
+              <a:rPr lang="es-ES" dirty="0" err="1"/>
+              <a:t>Based</a:t>
+            </a:r>
+            <a:r>
+              <a:rPr lang="es-ES" dirty="0"/>
+              <a:t> </a:t>
+            </a:r>
+            <a:r>
+              <a:rPr lang="es-ES" dirty="0" err="1"/>
+              <a:t>Clustering</a:t>
+            </a:r>
+            <a:r>
+              <a:rPr lang="es-ES" dirty="0"/>
+              <a:t> </a:t>
+            </a:r>
+            <a:r>
+              <a:rPr lang="es-ES" dirty="0">
+                <a:sym typeface="Wingdings" panose="05000000000000000000" pitchFamily="2" charset="2"/>
+              </a:rPr>
+              <a:t> Función 2</a:t>
+            </a:r>
+            <a:endParaRPr lang="es-ES" dirty="0"/>
+          </a:p>
+          <a:p>
+            <a:pPr lvl="1"/>
+            <a:r>
+              <a:rPr lang="es-ES" dirty="0"/>
+              <a:t>Comparación entre los </a:t>
+            </a:r>
+            <a:r>
+              <a:rPr lang="es-ES" dirty="0" err="1"/>
+              <a:t>outliers</a:t>
+            </a:r>
+            <a:r>
+              <a:rPr lang="es-ES" dirty="0"/>
+              <a:t> identificados por los dos métodos</a:t>
+            </a:r>
+          </a:p>
+          <a:p>
+            <a:pPr lvl="1"/>
+            <a:endParaRPr lang="es-ES" dirty="0"/>
+          </a:p>
+        </p:txBody>
+      </p:sp>
+    </p:spTree>
+    <p:extLst>
+      <p:ext uri="{BB962C8B-B14F-4D97-AF65-F5344CB8AC3E}">
+        <p14:creationId xmlns:p14="http://schemas.microsoft.com/office/powerpoint/2010/main" val="1240959078"/>
+      </p:ext>
+    </p:extLst>
+  </p:cSld>
+  <p:clrMapOvr>
+    <a:masterClrMapping/>
+  </p:clrMapOvr>
+</p:sld>
+</file>
+
+<file path=ppt/slides/slide41.xml><?xml version="1.0" encoding="utf-8"?>
+<p:sld xmlns:a="http://schemas.openxmlformats.org/drawingml/2006/main" xmlns:r="http://schemas.openxmlformats.org/officeDocument/2006/relationships" xmlns:p="http://schemas.openxmlformats.org/presentationml/2006/main">
+  <p:cSld>
+    <p:spTree>
+      <p:nvGrpSpPr>
+        <p:cNvPr id="1" name=""/>
+        <p:cNvGrpSpPr/>
+        <p:nvPr/>
+      </p:nvGrpSpPr>
+      <p:grpSpPr>
+        <a:xfrm>
+          <a:off x="0" y="0"/>
+          <a:ext cx="0" cy="0"/>
+          <a:chOff x="0" y="0"/>
+          <a:chExt cx="0" cy="0"/>
+        </a:xfrm>
+      </p:grpSpPr>
+      <p:sp>
+        <p:nvSpPr>
+          <p:cNvPr id="2" name="Title 1">
+            <a:extLst>
+              <a:ext uri="{FF2B5EF4-FFF2-40B4-BE49-F238E27FC236}">
+                <a16:creationId xmlns:a16="http://schemas.microsoft.com/office/drawing/2014/main" id="{E9889F8A-3C1A-4580-B462-7B4E04F6E33B}"/>
+              </a:ext>
+            </a:extLst>
+          </p:cNvPr>
+          <p:cNvSpPr>
+            <a:spLocks noGrp="1"/>
+          </p:cNvSpPr>
+          <p:nvPr>
+            <p:ph type="title"/>
+          </p:nvPr>
+        </p:nvSpPr>
+        <p:spPr/>
+        <p:txBody>
+          <a:bodyPr/>
+          <a:lstStyle/>
+          <a:p>
+            <a:r>
+              <a:rPr lang="es-ES" dirty="0"/>
+              <a:t>Práctica Sesión 4: </a:t>
+            </a:r>
+            <a:r>
+              <a:rPr lang="es-ES" dirty="0" err="1"/>
+              <a:t>Clustering</a:t>
+            </a:r>
+            <a:endParaRPr lang="es-ES" dirty="0"/>
+          </a:p>
+        </p:txBody>
+      </p:sp>
+      <p:sp>
+        <p:nvSpPr>
+          <p:cNvPr id="3" name="Content Placeholder 2">
+            <a:extLst>
+              <a:ext uri="{FF2B5EF4-FFF2-40B4-BE49-F238E27FC236}">
+                <a16:creationId xmlns:a16="http://schemas.microsoft.com/office/drawing/2014/main" id="{051682E3-FCE3-41C1-9113-756D8EA13F28}"/>
+              </a:ext>
+            </a:extLst>
+          </p:cNvPr>
+          <p:cNvSpPr>
+            <a:spLocks noGrp="1"/>
+          </p:cNvSpPr>
+          <p:nvPr>
+            <p:ph idx="1"/>
+          </p:nvPr>
+        </p:nvSpPr>
+        <p:spPr>
+          <a:xfrm>
+            <a:off x="838199" y="1825626"/>
+            <a:ext cx="10764915" cy="4014736"/>
+          </a:xfrm>
+        </p:spPr>
+        <p:txBody>
+          <a:bodyPr>
+            <a:normAutofit/>
+          </a:bodyPr>
+          <a:lstStyle/>
+          <a:p>
+            <a:r>
+              <a:rPr lang="es-ES" dirty="0"/>
+              <a:t>SCRIPT 3: Introducción al K-</a:t>
+            </a:r>
+            <a:r>
+              <a:rPr lang="es-ES" dirty="0" err="1"/>
+              <a:t>means</a:t>
+            </a:r>
+            <a:r>
+              <a:rPr lang="es-ES" dirty="0"/>
+              <a:t> (1h)</a:t>
+            </a:r>
+          </a:p>
+          <a:p>
+            <a:endParaRPr lang="es-ES" dirty="0"/>
+          </a:p>
+          <a:p>
+            <a:pPr lvl="1"/>
+            <a:r>
+              <a:rPr lang="es-ES" dirty="0"/>
+              <a:t>Cargar librerías necesarias</a:t>
+            </a:r>
+          </a:p>
+          <a:p>
+            <a:pPr lvl="1"/>
+            <a:r>
+              <a:rPr lang="es-ES" dirty="0"/>
+              <a:t>Dar forma a los datos </a:t>
+            </a:r>
+            <a:r>
+              <a:rPr lang="es-ES" dirty="0">
+                <a:sym typeface="Wingdings" panose="05000000000000000000" pitchFamily="2" charset="2"/>
+              </a:rPr>
+              <a:t> Las cargas térmicas serán propiedad de nuestra variable a </a:t>
+            </a:r>
+            <a:r>
+              <a:rPr lang="es-ES" dirty="0" err="1">
+                <a:sym typeface="Wingdings" panose="05000000000000000000" pitchFamily="2" charset="2"/>
+              </a:rPr>
+              <a:t>clusterizar</a:t>
+            </a:r>
+            <a:r>
+              <a:rPr lang="es-ES" dirty="0">
+                <a:sym typeface="Wingdings" panose="05000000000000000000" pitchFamily="2" charset="2"/>
+              </a:rPr>
+              <a:t> (Días)</a:t>
+            </a:r>
+          </a:p>
+          <a:p>
+            <a:pPr lvl="1"/>
+            <a:r>
+              <a:rPr lang="es-ES" dirty="0">
+                <a:sym typeface="Wingdings" panose="05000000000000000000" pitchFamily="2" charset="2"/>
+              </a:rPr>
+              <a:t>Normalizamos los datos y hacemos la segmentación para K=4 y para K=3</a:t>
+            </a:r>
+          </a:p>
+          <a:p>
+            <a:pPr lvl="1"/>
+            <a:r>
+              <a:rPr lang="es-ES" dirty="0">
+                <a:sym typeface="Wingdings" panose="05000000000000000000" pitchFamily="2" charset="2"/>
+              </a:rPr>
+              <a:t>Comparamos rendimientos del proceso de </a:t>
+            </a:r>
+            <a:r>
+              <a:rPr lang="es-ES" dirty="0" err="1">
+                <a:sym typeface="Wingdings" panose="05000000000000000000" pitchFamily="2" charset="2"/>
+              </a:rPr>
+              <a:t>clustering</a:t>
+            </a:r>
+            <a:r>
+              <a:rPr lang="es-ES" dirty="0">
+                <a:sym typeface="Wingdings" panose="05000000000000000000" pitchFamily="2" charset="2"/>
+              </a:rPr>
+              <a:t> mediante </a:t>
+            </a:r>
+            <a:r>
+              <a:rPr lang="es-ES" dirty="0" err="1">
+                <a:sym typeface="Wingdings" panose="05000000000000000000" pitchFamily="2" charset="2"/>
+              </a:rPr>
+              <a:t>CVIs</a:t>
+            </a:r>
+            <a:r>
+              <a:rPr lang="es-ES" dirty="0">
+                <a:sym typeface="Wingdings" panose="05000000000000000000" pitchFamily="2" charset="2"/>
+              </a:rPr>
+              <a:t> </a:t>
+            </a:r>
+          </a:p>
+          <a:p>
+            <a:pPr lvl="1"/>
+            <a:endParaRPr lang="es-ES" dirty="0"/>
+          </a:p>
+          <a:p>
+            <a:endParaRPr lang="es-ES" dirty="0"/>
+          </a:p>
+          <a:p>
+            <a:endParaRPr lang="es-ES" dirty="0"/>
+          </a:p>
+          <a:p>
+            <a:endParaRPr lang="es-ES" dirty="0"/>
+          </a:p>
+          <a:p>
+            <a:pPr lvl="1"/>
+            <a:endParaRPr lang="es-ES" sz="1800" dirty="0"/>
+          </a:p>
+          <a:p>
+            <a:pPr lvl="1"/>
+            <a:endParaRPr lang="es-ES" dirty="0"/>
+          </a:p>
+        </p:txBody>
+      </p:sp>
+    </p:spTree>
+    <p:extLst>
+      <p:ext uri="{BB962C8B-B14F-4D97-AF65-F5344CB8AC3E}">
+        <p14:creationId xmlns:p14="http://schemas.microsoft.com/office/powerpoint/2010/main" val="2318141971"/>
+      </p:ext>
+    </p:extLst>
+  </p:cSld>
+  <p:clrMapOvr>
+    <a:masterClrMapping/>
+  </p:clrMapOvr>
+</p:sld>
+</file>
+
+<file path=ppt/slides/slide42.xml><?xml version="1.0" encoding="utf-8"?>
+<p:sld xmlns:a="http://schemas.openxmlformats.org/drawingml/2006/main" xmlns:r="http://schemas.openxmlformats.org/officeDocument/2006/relationships" xmlns:p="http://schemas.openxmlformats.org/presentationml/2006/main">
+  <p:cSld>
+    <p:spTree>
+      <p:nvGrpSpPr>
+        <p:cNvPr id="1" name=""/>
+        <p:cNvGrpSpPr/>
+        <p:nvPr/>
+      </p:nvGrpSpPr>
+      <p:grpSpPr>
+        <a:xfrm>
+          <a:off x="0" y="0"/>
+          <a:ext cx="0" cy="0"/>
+          <a:chOff x="0" y="0"/>
+          <a:chExt cx="0" cy="0"/>
+        </a:xfrm>
+      </p:grpSpPr>
+      <p:sp>
+        <p:nvSpPr>
+          <p:cNvPr id="4" name="Título 3">
+            <a:extLst>
+              <a:ext uri="{FF2B5EF4-FFF2-40B4-BE49-F238E27FC236}">
+                <a16:creationId xmlns:a16="http://schemas.microsoft.com/office/drawing/2014/main" id="{57358FC5-0DFC-4396-9893-E446212006B0}"/>
+              </a:ext>
+            </a:extLst>
+          </p:cNvPr>
+          <p:cNvSpPr>
+            <a:spLocks noGrp="1"/>
+          </p:cNvSpPr>
+          <p:nvPr>
+            <p:ph type="ctrTitle"/>
+          </p:nvPr>
+        </p:nvSpPr>
+        <p:spPr/>
+        <p:txBody>
+          <a:bodyPr>
+            <a:noAutofit/>
+          </a:bodyPr>
+          <a:lstStyle/>
+          <a:p>
+            <a:r>
+              <a:rPr lang="es-ES" sz="4400" dirty="0"/>
+              <a:t>Estudio de consumo de energía mediante métodos de análisis de datos</a:t>
+            </a:r>
+            <a:br>
+              <a:rPr lang="es-ES" sz="4400" dirty="0"/>
+            </a:br>
+            <a:r>
+              <a:rPr lang="es-ES" sz="2800" dirty="0"/>
+              <a:t>Contexto, métodos de análisis, herramientas y aplicaciones</a:t>
+            </a:r>
+            <a:endParaRPr lang="en-GB" sz="4400" dirty="0"/>
+          </a:p>
+        </p:txBody>
+      </p:sp>
+      <p:sp>
+        <p:nvSpPr>
+          <p:cNvPr id="5" name="Subtítulo 4">
+            <a:extLst>
+              <a:ext uri="{FF2B5EF4-FFF2-40B4-BE49-F238E27FC236}">
+                <a16:creationId xmlns:a16="http://schemas.microsoft.com/office/drawing/2014/main" id="{5BE36759-AD9E-492B-A539-7E3579699A77}"/>
+              </a:ext>
+            </a:extLst>
+          </p:cNvPr>
+          <p:cNvSpPr>
+            <a:spLocks noGrp="1"/>
+          </p:cNvSpPr>
+          <p:nvPr>
+            <p:ph type="subTitle" idx="1"/>
+          </p:nvPr>
+        </p:nvSpPr>
+        <p:spPr>
+          <a:xfrm>
+            <a:off x="1524000" y="3602038"/>
+            <a:ext cx="9144000" cy="1310204"/>
+          </a:xfrm>
+        </p:spPr>
+        <p:txBody>
+          <a:bodyPr numCol="2">
+            <a:normAutofit/>
+          </a:bodyPr>
+          <a:lstStyle/>
+          <a:p>
+            <a:pPr algn="l"/>
+            <a:r>
+              <a:rPr lang="es-ES" sz="2000" dirty="0"/>
+              <a:t>Mikel Lumbreras Mugaguren</a:t>
+            </a:r>
+          </a:p>
+          <a:p>
+            <a:pPr algn="l"/>
+            <a:r>
+              <a:rPr lang="es-ES" sz="2000" dirty="0"/>
+              <a:t>946014985</a:t>
+            </a:r>
+          </a:p>
+          <a:p>
+            <a:pPr algn="l"/>
+            <a:r>
+              <a:rPr lang="es-ES" sz="2000" dirty="0" err="1">
+                <a:hlinkClick r:id="rId2"/>
+              </a:rPr>
+              <a:t>mikel.lumbreras@ehu.eus</a:t>
+            </a:r>
+            <a:endParaRPr lang="es-ES" sz="2000" dirty="0"/>
+          </a:p>
+          <a:p>
+            <a:pPr algn="l"/>
+            <a:r>
+              <a:rPr lang="es-ES" sz="2000" dirty="0"/>
+              <a:t>Roberto Garay Martinez</a:t>
+            </a:r>
+          </a:p>
+          <a:p>
+            <a:pPr algn="l"/>
+            <a:r>
+              <a:rPr lang="es-ES" sz="2000" dirty="0"/>
+              <a:t>667 178 958</a:t>
+            </a:r>
+          </a:p>
+          <a:p>
+            <a:pPr algn="l"/>
+            <a:r>
+              <a:rPr lang="es-ES" sz="2000" dirty="0">
+                <a:hlinkClick r:id="rId3"/>
+              </a:rPr>
+              <a:t>roberto.garay@tecnalia.com</a:t>
+            </a:r>
+            <a:endParaRPr lang="es-ES" sz="2000" dirty="0"/>
+          </a:p>
+        </p:txBody>
+      </p:sp>
+    </p:spTree>
+    <p:extLst>
+      <p:ext uri="{BB962C8B-B14F-4D97-AF65-F5344CB8AC3E}">
+        <p14:creationId xmlns:p14="http://schemas.microsoft.com/office/powerpoint/2010/main" val="3967490461"/>
+      </p:ext>
+    </p:extLst>
+  </p:cSld>
+  <p:clrMapOvr>
+    <a:masterClrMapping/>
+  </p:clrMapOvr>
+</p:sld>
+</file>
+
 <file path=ppt/slides/slide5.xml><?xml version="1.0" encoding="utf-8"?>
 <p:sld xmlns:a="http://schemas.openxmlformats.org/drawingml/2006/main" xmlns:r="http://schemas.openxmlformats.org/officeDocument/2006/relationships" xmlns:p="http://schemas.openxmlformats.org/presentationml/2006/main">
   <p:cSld>
@@ -13489,12 +16763,9 @@
           <a:p>
             <a:r>
               <a:rPr lang="es-ES" sz="4800" b="1" u="sng" dirty="0"/>
-              <a:t>Módulo 4: </a:t>
-            </a:r>
-            <a:r>
-              <a:rPr lang="es-ES" sz="4800" dirty="0"/>
-              <a:t>Clusterización No Supervisada y Métodos de Imputación</a:t>
-            </a:r>
+              <a:t>Módulo 4: Modelos de clasificación y segmentación no-supervisada</a:t>
+            </a:r>
+            <a:endParaRPr lang="es-ES" sz="4800" dirty="0"/>
           </a:p>
         </p:txBody>
       </p:sp>
@@ -13740,7 +17011,50 @@
       </p:grpSpPr>
       <p:sp>
         <p:nvSpPr>
-          <p:cNvPr id="2" name="Título 1"/>
+          <p:cNvPr id="3" name="Content Placeholder 2">
+            <a:extLst>
+              <a:ext uri="{FF2B5EF4-FFF2-40B4-BE49-F238E27FC236}">
+                <a16:creationId xmlns:a16="http://schemas.microsoft.com/office/drawing/2014/main" id="{7DF18251-5429-4362-85E0-B1E46ADC4890}"/>
+              </a:ext>
+            </a:extLst>
+          </p:cNvPr>
+          <p:cNvSpPr>
+            <a:spLocks noGrp="1"/>
+          </p:cNvSpPr>
+          <p:nvPr>
+            <p:ph idx="1"/>
+          </p:nvPr>
+        </p:nvSpPr>
+        <p:spPr/>
+        <p:txBody>
+          <a:bodyPr/>
+          <a:lstStyle/>
+          <a:p>
+            <a:r>
+              <a:rPr lang="es-ES" dirty="0"/>
+              <a:t>Modelos de aprendizaje automático</a:t>
+            </a:r>
+          </a:p>
+          <a:p>
+            <a:r>
+              <a:rPr lang="es-ES" dirty="0"/>
+              <a:t>Modelos matemáticos que se alimentan de datos para “aprender” el comportamiento de las variables objetivo</a:t>
+            </a:r>
+          </a:p>
+          <a:p>
+            <a:endParaRPr lang="es-ES" dirty="0"/>
+          </a:p>
+        </p:txBody>
+      </p:sp>
+      <p:sp>
+        <p:nvSpPr>
+          <p:cNvPr id="4" name="Título 1">
+            <a:extLst>
+              <a:ext uri="{FF2B5EF4-FFF2-40B4-BE49-F238E27FC236}">
+                <a16:creationId xmlns:a16="http://schemas.microsoft.com/office/drawing/2014/main" id="{516D2DB9-337E-48B3-A910-7FDE706EAF15}"/>
+              </a:ext>
+            </a:extLst>
+          </p:cNvPr>
           <p:cNvSpPr>
             <a:spLocks noGrp="1"/>
           </p:cNvSpPr>
@@ -13748,79 +17062,32 @@
             <p:ph type="title"/>
           </p:nvPr>
         </p:nvSpPr>
-        <p:spPr/>
+        <p:spPr>
+          <a:xfrm>
+            <a:off x="838200" y="365125"/>
+            <a:ext cx="10515600" cy="1325563"/>
+          </a:xfrm>
+        </p:spPr>
         <p:txBody>
           <a:bodyPr/>
           <a:lstStyle/>
           <a:p>
             <a:r>
               <a:rPr lang="es-ES" dirty="0"/>
-              <a:t>Objetivos Módulo 4</a:t>
-            </a:r>
-          </a:p>
-        </p:txBody>
-      </p:sp>
-      <p:sp>
-        <p:nvSpPr>
-          <p:cNvPr id="3" name="Marcador de contenido 2"/>
-          <p:cNvSpPr>
-            <a:spLocks noGrp="1"/>
-          </p:cNvSpPr>
-          <p:nvPr>
-            <p:ph idx="1"/>
-          </p:nvPr>
-        </p:nvSpPr>
-        <p:spPr/>
-        <p:txBody>
-          <a:bodyPr/>
-          <a:lstStyle/>
-          <a:p>
-            <a:r>
-              <a:rPr lang="es-ES" dirty="0"/>
-              <a:t>Definir qué es el clustering no-supervisado</a:t>
-            </a:r>
-          </a:p>
-          <a:p>
-            <a:r>
-              <a:rPr lang="es-ES" dirty="0"/>
-              <a:t>Ver los algoritmos más comunes</a:t>
-            </a:r>
-          </a:p>
-          <a:p>
-            <a:r>
-              <a:rPr lang="es-ES" dirty="0"/>
-              <a:t>Identificar posibles aplicaciones: Identificación de outliers</a:t>
-            </a:r>
-          </a:p>
-          <a:p>
-            <a:r>
-              <a:rPr lang="es-ES" dirty="0"/>
-              <a:t>Estudiar la validación de clústeres no supervisados</a:t>
-            </a:r>
-          </a:p>
-          <a:p>
-            <a:r>
-              <a:rPr lang="es-ES" dirty="0"/>
-              <a:t>Definir qué son los métodos de imputación</a:t>
-            </a:r>
-          </a:p>
-          <a:p>
-            <a:endParaRPr lang="es-ES" dirty="0"/>
-          </a:p>
-          <a:p>
-            <a:endParaRPr lang="es-ES" dirty="0"/>
-          </a:p>
-          <a:p>
-            <a:endParaRPr lang="es-ES" dirty="0"/>
-          </a:p>
-          <a:p>
-            <a:endParaRPr lang="es-ES" dirty="0"/>
+              <a:t>Introducción </a:t>
+            </a:r>
           </a:p>
         </p:txBody>
       </p:sp>
       <p:pic>
         <p:nvPicPr>
-          <p:cNvPr id="2052" name="Picture 4" descr="Objetivos de la comunicación en publicidad - Gestion.Org"/>
+          <p:cNvPr id="2050" name="Picture 2" descr="Que es el Machine Learning ? Te lo contamos todo | Marketing Digital">
+            <a:extLst>
+              <a:ext uri="{FF2B5EF4-FFF2-40B4-BE49-F238E27FC236}">
+                <a16:creationId xmlns:a16="http://schemas.microsoft.com/office/drawing/2014/main" id="{1FF11C5D-A6B1-4DC1-84EC-A38C94A566B2}"/>
+              </a:ext>
+            </a:extLst>
+          </p:cNvPr>
           <p:cNvPicPr>
             <a:picLocks noChangeAspect="1" noChangeArrowheads="1"/>
           </p:cNvPicPr>
@@ -13841,8 +17108,8 @@
         </p:blipFill>
         <p:spPr bwMode="auto">
           <a:xfrm>
-            <a:off x="8147141" y="3632194"/>
-            <a:ext cx="3324225" cy="2952751"/>
+            <a:off x="3121891" y="3497262"/>
+            <a:ext cx="7416800" cy="3360738"/>
           </a:xfrm>
           <a:prstGeom prst="rect">
             <a:avLst/>
@@ -13862,7 +17129,7 @@
     </p:spTree>
     <p:extLst>
       <p:ext uri="{BB962C8B-B14F-4D97-AF65-F5344CB8AC3E}">
-        <p14:creationId xmlns:p14="http://schemas.microsoft.com/office/powerpoint/2010/main" val="300207621"/>
+        <p14:creationId xmlns:p14="http://schemas.microsoft.com/office/powerpoint/2010/main" val="2189653242"/>
       </p:ext>
     </p:extLst>
   </p:cSld>

--- a/1_Presentaciones/Sesion_4_Teoria.pptx
+++ b/1_Presentaciones/Sesion_4_Teoria.pptx
@@ -17,9 +17,9 @@
     <p:sldId id="263" r:id="rId8"/>
     <p:sldId id="285" r:id="rId9"/>
     <p:sldId id="264" r:id="rId10"/>
-    <p:sldId id="310" r:id="rId11"/>
-    <p:sldId id="311" r:id="rId12"/>
-    <p:sldId id="288" r:id="rId13"/>
+    <p:sldId id="288" r:id="rId11"/>
+    <p:sldId id="310" r:id="rId12"/>
+    <p:sldId id="311" r:id="rId13"/>
     <p:sldId id="267" r:id="rId14"/>
     <p:sldId id="298" r:id="rId15"/>
     <p:sldId id="286" r:id="rId16"/>
@@ -155,14 +155,6 @@
     </p:ext>
   </p:extLst>
 </p:presentation>
-</file>
-
-<file path=ppt/revisionInfo.xml><?xml version="1.0" encoding="utf-8"?>
-<p1510:revInfo xmlns:a="http://schemas.openxmlformats.org/drawingml/2006/main" xmlns:r="http://schemas.openxmlformats.org/officeDocument/2006/relationships" xmlns:p1510="http://schemas.microsoft.com/office/powerpoint/2015/10/main">
-  <p1510:revLst>
-    <p1510:client id="{81B96BB3-7EF3-4641-8728-A364ABBF598C}" v="74" dt="2021-11-23T14:07:10.640"/>
-  </p1510:revLst>
-</p1510:revInfo>
 </file>
 
 <file path=ppt/changesInfos/changesInfo1.xml><?xml version="1.0" encoding="utf-8"?>
@@ -906,6 +898,60 @@
       </pc:sldChg>
     </pc:docChg>
   </pc:docChgLst>
+  <pc:docChgLst>
+    <pc:chgData name="Mikel Lumbreras" userId="e57255e2-e72e-47e1-86e5-705636f423c9" providerId="ADAL" clId="{FCFC49AC-4CFD-4F4E-BF55-D381B60FC068}"/>
+    <pc:docChg chg="modSld sldOrd">
+      <pc:chgData name="Mikel Lumbreras" userId="e57255e2-e72e-47e1-86e5-705636f423c9" providerId="ADAL" clId="{FCFC49AC-4CFD-4F4E-BF55-D381B60FC068}" dt="2021-11-30T16:32:45.578" v="18" actId="1076"/>
+      <pc:docMkLst>
+        <pc:docMk/>
+      </pc:docMkLst>
+      <pc:sldChg chg="modSp mod">
+        <pc:chgData name="Mikel Lumbreras" userId="e57255e2-e72e-47e1-86e5-705636f423c9" providerId="ADAL" clId="{FCFC49AC-4CFD-4F4E-BF55-D381B60FC068}" dt="2021-11-28T19:31:24.358" v="17" actId="20577"/>
+        <pc:sldMkLst>
+          <pc:docMk/>
+          <pc:sldMk cId="3127136940" sldId="285"/>
+        </pc:sldMkLst>
+        <pc:spChg chg="mod">
+          <ac:chgData name="Mikel Lumbreras" userId="e57255e2-e72e-47e1-86e5-705636f423c9" providerId="ADAL" clId="{FCFC49AC-4CFD-4F4E-BF55-D381B60FC068}" dt="2021-11-28T19:31:24.358" v="17" actId="20577"/>
+          <ac:spMkLst>
+            <pc:docMk/>
+            <pc:sldMk cId="3127136940" sldId="285"/>
+            <ac:spMk id="4" creationId="{57358FC5-0DFC-4396-9893-E446212006B0}"/>
+          </ac:spMkLst>
+        </pc:spChg>
+      </pc:sldChg>
+      <pc:sldChg chg="modSp mod ord">
+        <pc:chgData name="Mikel Lumbreras" userId="e57255e2-e72e-47e1-86e5-705636f423c9" providerId="ADAL" clId="{FCFC49AC-4CFD-4F4E-BF55-D381B60FC068}" dt="2021-11-28T19:29:41.035" v="11" actId="20577"/>
+        <pc:sldMkLst>
+          <pc:docMk/>
+          <pc:sldMk cId="300207621" sldId="288"/>
+        </pc:sldMkLst>
+        <pc:spChg chg="mod">
+          <ac:chgData name="Mikel Lumbreras" userId="e57255e2-e72e-47e1-86e5-705636f423c9" providerId="ADAL" clId="{FCFC49AC-4CFD-4F4E-BF55-D381B60FC068}" dt="2021-11-28T19:29:41.035" v="11" actId="20577"/>
+          <ac:spMkLst>
+            <pc:docMk/>
+            <pc:sldMk cId="300207621" sldId="288"/>
+            <ac:spMk id="2" creationId="{00000000-0000-0000-0000-000000000000}"/>
+          </ac:spMkLst>
+        </pc:spChg>
+      </pc:sldChg>
+      <pc:sldChg chg="modSp mod">
+        <pc:chgData name="Mikel Lumbreras" userId="e57255e2-e72e-47e1-86e5-705636f423c9" providerId="ADAL" clId="{FCFC49AC-4CFD-4F4E-BF55-D381B60FC068}" dt="2021-11-30T16:32:45.578" v="18" actId="1076"/>
+        <pc:sldMkLst>
+          <pc:docMk/>
+          <pc:sldMk cId="2640609736" sldId="317"/>
+        </pc:sldMkLst>
+        <pc:spChg chg="mod">
+          <ac:chgData name="Mikel Lumbreras" userId="e57255e2-e72e-47e1-86e5-705636f423c9" providerId="ADAL" clId="{FCFC49AC-4CFD-4F4E-BF55-D381B60FC068}" dt="2021-11-30T16:32:45.578" v="18" actId="1076"/>
+          <ac:spMkLst>
+            <pc:docMk/>
+            <pc:sldMk cId="2640609736" sldId="317"/>
+            <ac:spMk id="4" creationId="{C600BDF6-21DE-42EC-8938-7AE4152071C7}"/>
+          </ac:spMkLst>
+        </pc:spChg>
+      </pc:sldChg>
+    </pc:docChg>
+  </pc:docChgLst>
 </pc:chgInfo>
 </file>
 
@@ -991,7 +1037,7 @@
           <a:p>
             <a:fld id="{D49BC84A-3884-429B-A7E7-0390EDA0EFB2}" type="datetimeFigureOut">
               <a:rPr lang="es-ES" smtClean="0"/>
-              <a:t>23/11/2021</a:t>
+              <a:t>30/11/2021</a:t>
             </a:fld>
             <a:endParaRPr lang="es-ES"/>
           </a:p>
@@ -1389,7 +1435,7 @@
           <a:p>
             <a:fld id="{31A5FAD9-4F41-45A2-94CB-CF6C3F2E165E}" type="datetimeFigureOut">
               <a:rPr lang="en-GB" smtClean="0"/>
-              <a:t>23/11/2021</a:t>
+              <a:t>30/11/2021</a:t>
             </a:fld>
             <a:endParaRPr lang="en-GB"/>
           </a:p>
@@ -1559,7 +1605,7 @@
           <a:p>
             <a:fld id="{31A5FAD9-4F41-45A2-94CB-CF6C3F2E165E}" type="datetimeFigureOut">
               <a:rPr lang="en-GB" smtClean="0"/>
-              <a:t>23/11/2021</a:t>
+              <a:t>30/11/2021</a:t>
             </a:fld>
             <a:endParaRPr lang="en-GB"/>
           </a:p>
@@ -1739,7 +1785,7 @@
           <a:p>
             <a:fld id="{31A5FAD9-4F41-45A2-94CB-CF6C3F2E165E}" type="datetimeFigureOut">
               <a:rPr lang="en-GB" smtClean="0"/>
-              <a:t>23/11/2021</a:t>
+              <a:t>30/11/2021</a:t>
             </a:fld>
             <a:endParaRPr lang="en-GB"/>
           </a:p>
@@ -3258,7 +3304,7 @@
           <a:p>
             <a:fld id="{4A42529D-B5B1-47E1-A19B-037CCFF42894}" type="datetimeFigureOut">
               <a:rPr lang="en-GB" smtClean="0"/>
-              <a:t>23/11/2021</a:t>
+              <a:t>30/11/2021</a:t>
             </a:fld>
             <a:endParaRPr lang="en-GB"/>
           </a:p>
@@ -3436,7 +3482,7 @@
           <a:p>
             <a:fld id="{31A5FAD9-4F41-45A2-94CB-CF6C3F2E165E}" type="datetimeFigureOut">
               <a:rPr lang="en-GB" smtClean="0"/>
-              <a:t>23/11/2021</a:t>
+              <a:t>30/11/2021</a:t>
             </a:fld>
             <a:endParaRPr lang="en-GB"/>
           </a:p>
@@ -3721,7 +3767,7 @@
           <a:p>
             <a:fld id="{4A42529D-B5B1-47E1-A19B-037CCFF42894}" type="datetimeFigureOut">
               <a:rPr lang="en-GB" smtClean="0"/>
-              <a:t>23/11/2021</a:t>
+              <a:t>30/11/2021</a:t>
             </a:fld>
             <a:endParaRPr lang="en-GB"/>
           </a:p>
@@ -3990,7 +4036,7 @@
           <a:p>
             <a:fld id="{4A42529D-B5B1-47E1-A19B-037CCFF42894}" type="datetimeFigureOut">
               <a:rPr lang="en-GB" smtClean="0"/>
-              <a:t>23/11/2021</a:t>
+              <a:t>30/11/2021</a:t>
             </a:fld>
             <a:endParaRPr lang="en-GB"/>
           </a:p>
@@ -4176,7 +4222,7 @@
           <a:p>
             <a:fld id="{4A42529D-B5B1-47E1-A19B-037CCFF42894}" type="datetimeFigureOut">
               <a:rPr lang="en-GB" smtClean="0"/>
-              <a:t>23/11/2021</a:t>
+              <a:t>30/11/2021</a:t>
             </a:fld>
             <a:endParaRPr lang="en-GB"/>
           </a:p>
@@ -4372,7 +4418,7 @@
           <a:p>
             <a:fld id="{4A42529D-B5B1-47E1-A19B-037CCFF42894}" type="datetimeFigureOut">
               <a:rPr lang="en-GB" smtClean="0"/>
-              <a:t>23/11/2021</a:t>
+              <a:t>30/11/2021</a:t>
             </a:fld>
             <a:endParaRPr lang="en-GB"/>
           </a:p>
@@ -4626,7 +4672,7 @@
           <a:p>
             <a:fld id="{31A5FAD9-4F41-45A2-94CB-CF6C3F2E165E}" type="datetimeFigureOut">
               <a:rPr lang="en-GB" smtClean="0"/>
-              <a:t>23/11/2021</a:t>
+              <a:t>30/11/2021</a:t>
             </a:fld>
             <a:endParaRPr lang="en-GB"/>
           </a:p>
@@ -4858,7 +4904,7 @@
           <a:p>
             <a:fld id="{31A5FAD9-4F41-45A2-94CB-CF6C3F2E165E}" type="datetimeFigureOut">
               <a:rPr lang="en-GB" smtClean="0"/>
-              <a:t>23/11/2021</a:t>
+              <a:t>30/11/2021</a:t>
             </a:fld>
             <a:endParaRPr lang="en-GB"/>
           </a:p>
@@ -5225,7 +5271,7 @@
           <a:p>
             <a:fld id="{31A5FAD9-4F41-45A2-94CB-CF6C3F2E165E}" type="datetimeFigureOut">
               <a:rPr lang="en-GB" smtClean="0"/>
-              <a:t>23/11/2021</a:t>
+              <a:t>30/11/2021</a:t>
             </a:fld>
             <a:endParaRPr lang="en-GB"/>
           </a:p>
@@ -5343,7 +5389,7 @@
           <a:p>
             <a:fld id="{31A5FAD9-4F41-45A2-94CB-CF6C3F2E165E}" type="datetimeFigureOut">
               <a:rPr lang="en-GB" smtClean="0"/>
-              <a:t>23/11/2021</a:t>
+              <a:t>30/11/2021</a:t>
             </a:fld>
             <a:endParaRPr lang="en-GB"/>
           </a:p>
@@ -5438,7 +5484,7 @@
           <a:p>
             <a:fld id="{31A5FAD9-4F41-45A2-94CB-CF6C3F2E165E}" type="datetimeFigureOut">
               <a:rPr lang="en-GB" smtClean="0"/>
-              <a:t>23/11/2021</a:t>
+              <a:t>30/11/2021</a:t>
             </a:fld>
             <a:endParaRPr lang="en-GB"/>
           </a:p>
@@ -5715,7 +5761,7 @@
           <a:p>
             <a:fld id="{31A5FAD9-4F41-45A2-94CB-CF6C3F2E165E}" type="datetimeFigureOut">
               <a:rPr lang="en-GB" smtClean="0"/>
-              <a:t>23/11/2021</a:t>
+              <a:t>30/11/2021</a:t>
             </a:fld>
             <a:endParaRPr lang="en-GB"/>
           </a:p>
@@ -5968,7 +6014,7 @@
           <a:p>
             <a:fld id="{31A5FAD9-4F41-45A2-94CB-CF6C3F2E165E}" type="datetimeFigureOut">
               <a:rPr lang="en-GB" smtClean="0"/>
-              <a:t>23/11/2021</a:t>
+              <a:t>30/11/2021</a:t>
             </a:fld>
             <a:endParaRPr lang="en-GB"/>
           </a:p>
@@ -6181,7 +6227,7 @@
           <a:p>
             <a:fld id="{31A5FAD9-4F41-45A2-94CB-CF6C3F2E165E}" type="datetimeFigureOut">
               <a:rPr lang="en-GB" smtClean="0"/>
-              <a:t>23/11/2021</a:t>
+              <a:t>30/11/2021</a:t>
             </a:fld>
             <a:endParaRPr lang="en-GB"/>
           </a:p>
@@ -7226,7 +7272,7 @@
           <p:cNvPr id="3" name="Content Placeholder 2">
             <a:extLst>
               <a:ext uri="{FF2B5EF4-FFF2-40B4-BE49-F238E27FC236}">
-                <a16:creationId xmlns:a16="http://schemas.microsoft.com/office/drawing/2014/main" id="{0B271636-AD7D-40A9-B0C5-6E36E0585951}"/>
+                <a16:creationId xmlns:a16="http://schemas.microsoft.com/office/drawing/2014/main" id="{7DF18251-5429-4362-85E0-B1E46ADC4890}"/>
               </a:ext>
             </a:extLst>
           </p:cNvPr>
@@ -7244,139 +7290,16 @@
           <a:p>
             <a:r>
               <a:rPr lang="es-ES" dirty="0"/>
-              <a:t>“</a:t>
-            </a:r>
-            <a:r>
-              <a:rPr lang="es-ES" i="0" dirty="0">
-                <a:solidFill>
-                  <a:srgbClr val="2C2C2C"/>
-                </a:solidFill>
-                <a:effectLst/>
-              </a:rPr>
-              <a:t>El </a:t>
-            </a:r>
-            <a:r>
-              <a:rPr lang="es-ES" i="1" dirty="0">
-                <a:solidFill>
-                  <a:srgbClr val="2C2C2C"/>
-                </a:solidFill>
-                <a:effectLst/>
-              </a:rPr>
-              <a:t>Machine Learning</a:t>
-            </a:r>
-            <a:r>
-              <a:rPr lang="es-ES" i="0" dirty="0">
-                <a:solidFill>
-                  <a:srgbClr val="2C2C2C"/>
-                </a:solidFill>
-                <a:effectLst/>
-              </a:rPr>
-              <a:t> es una disciplina del campo de la </a:t>
-            </a:r>
-            <a:r>
-              <a:rPr lang="es-ES" i="0" u="none" strike="noStrike" dirty="0">
-                <a:solidFill>
-                  <a:srgbClr val="0D7CBF"/>
-                </a:solidFill>
-                <a:effectLst/>
-                <a:hlinkClick r:id="rId2"/>
-              </a:rPr>
-              <a:t>Inteligencia Artificial</a:t>
-            </a:r>
-            <a:r>
-              <a:rPr lang="es-ES" i="0" dirty="0">
-                <a:solidFill>
-                  <a:srgbClr val="2C2C2C"/>
-                </a:solidFill>
-                <a:effectLst/>
-              </a:rPr>
-              <a:t> que, a través de </a:t>
-            </a:r>
-            <a:r>
-              <a:rPr lang="es-ES" i="0" dirty="0">
-                <a:solidFill>
-                  <a:srgbClr val="CF4900"/>
-                </a:solidFill>
-                <a:effectLst/>
-              </a:rPr>
-              <a:t>algoritmos,</a:t>
-            </a:r>
-            <a:r>
-              <a:rPr lang="es-ES" i="0" dirty="0">
-                <a:solidFill>
-                  <a:srgbClr val="2C2C2C"/>
-                </a:solidFill>
-                <a:effectLst/>
-              </a:rPr>
-              <a:t> dota a los ordenadores de la capacidad de identificar patrones en datos masivos y elaborar predicciones (</a:t>
-            </a:r>
-            <a:r>
-              <a:rPr lang="es-ES" i="0" u="none" strike="noStrike" dirty="0">
-                <a:solidFill>
-                  <a:srgbClr val="0D7CBF"/>
-                </a:solidFill>
-                <a:effectLst/>
-                <a:hlinkClick r:id="rId3"/>
-              </a:rPr>
-              <a:t>análisis predictivo</a:t>
-            </a:r>
-            <a:r>
-              <a:rPr lang="es-ES" i="0" dirty="0">
-                <a:solidFill>
-                  <a:srgbClr val="2C2C2C"/>
-                </a:solidFill>
-                <a:effectLst/>
-              </a:rPr>
-              <a:t>)”</a:t>
-            </a:r>
-          </a:p>
-          <a:p>
-            <a:pPr marL="0" indent="0">
-              <a:buNone/>
-            </a:pPr>
-            <a:r>
-              <a:rPr lang="es-ES" dirty="0">
-                <a:solidFill>
-                  <a:srgbClr val="2C2C2C"/>
-                </a:solidFill>
-              </a:rPr>
-              <a:t>Fuente: Iberdrola: </a:t>
-            </a:r>
-            <a:r>
-              <a:rPr lang="es-ES" sz="1600" dirty="0">
-                <a:solidFill>
-                  <a:srgbClr val="2C2C2C"/>
-                </a:solidFill>
-                <a:hlinkClick r:id="rId4"/>
-              </a:rPr>
-              <a:t>https://www.iberdrola.com/</a:t>
-            </a:r>
-            <a:r>
-              <a:rPr lang="es-ES" sz="1600" dirty="0" err="1">
-                <a:solidFill>
-                  <a:srgbClr val="2C2C2C"/>
-                </a:solidFill>
-                <a:hlinkClick r:id="rId4"/>
-              </a:rPr>
-              <a:t>innovacion</a:t>
-            </a:r>
-            <a:r>
-              <a:rPr lang="es-ES" sz="1600" dirty="0">
-                <a:solidFill>
-                  <a:srgbClr val="2C2C2C"/>
-                </a:solidFill>
-                <a:hlinkClick r:id="rId4"/>
-              </a:rPr>
-              <a:t>/machine-learning-aprendizaje-automático</a:t>
-            </a:r>
-            <a:r>
-              <a:rPr lang="es-ES" sz="1600" dirty="0">
-                <a:solidFill>
-                  <a:srgbClr val="2C2C2C"/>
-                </a:solidFill>
-              </a:rPr>
-              <a:t> </a:t>
-            </a:r>
+              <a:t>Modelos de aprendizaje automático</a:t>
+            </a:r>
+          </a:p>
+          <a:p>
+            <a:r>
+              <a:rPr lang="es-ES" dirty="0"/>
+              <a:t>Modelos matemáticos que se alimentan de datos para “aprender” el comportamiento de las variables objetivo</a:t>
+            </a:r>
+          </a:p>
+          <a:p>
             <a:endParaRPr lang="es-ES" dirty="0"/>
           </a:p>
         </p:txBody>
@@ -7386,7 +7309,7 @@
           <p:cNvPr id="4" name="Título 1">
             <a:extLst>
               <a:ext uri="{FF2B5EF4-FFF2-40B4-BE49-F238E27FC236}">
-                <a16:creationId xmlns:a16="http://schemas.microsoft.com/office/drawing/2014/main" id="{8A069EF8-271E-48B3-8A0C-080D9CB06CDD}"/>
+                <a16:creationId xmlns:a16="http://schemas.microsoft.com/office/drawing/2014/main" id="{516D2DB9-337E-48B3-A910-7FDE706EAF15}"/>
               </a:ext>
             </a:extLst>
           </p:cNvPr>
@@ -7414,10 +7337,57 @@
           </a:p>
         </p:txBody>
       </p:sp>
+      <p:pic>
+        <p:nvPicPr>
+          <p:cNvPr id="2050" name="Picture 2" descr="Que es el Machine Learning ? Te lo contamos todo | Marketing Digital">
+            <a:extLst>
+              <a:ext uri="{FF2B5EF4-FFF2-40B4-BE49-F238E27FC236}">
+                <a16:creationId xmlns:a16="http://schemas.microsoft.com/office/drawing/2014/main" id="{1FF11C5D-A6B1-4DC1-84EC-A38C94A566B2}"/>
+              </a:ext>
+            </a:extLst>
+          </p:cNvPr>
+          <p:cNvPicPr>
+            <a:picLocks noChangeAspect="1" noChangeArrowheads="1"/>
+          </p:cNvPicPr>
+          <p:nvPr/>
+        </p:nvPicPr>
+        <p:blipFill>
+          <a:blip r:embed="rId2">
+            <a:extLst>
+              <a:ext uri="{28A0092B-C50C-407E-A947-70E740481C1C}">
+                <a14:useLocalDpi xmlns:a14="http://schemas.microsoft.com/office/drawing/2010/main" val="0"/>
+              </a:ext>
+            </a:extLst>
+          </a:blip>
+          <a:srcRect/>
+          <a:stretch>
+            <a:fillRect/>
+          </a:stretch>
+        </p:blipFill>
+        <p:spPr bwMode="auto">
+          <a:xfrm>
+            <a:off x="3121891" y="3497262"/>
+            <a:ext cx="7416800" cy="3360738"/>
+          </a:xfrm>
+          <a:prstGeom prst="rect">
+            <a:avLst/>
+          </a:prstGeom>
+          <a:noFill/>
+          <a:extLst>
+            <a:ext uri="{909E8E84-426E-40DD-AFC4-6F175D3DCCD1}">
+              <a14:hiddenFill xmlns:a14="http://schemas.microsoft.com/office/drawing/2010/main">
+                <a:solidFill>
+                  <a:srgbClr val="FFFFFF"/>
+                </a:solidFill>
+              </a14:hiddenFill>
+            </a:ext>
+          </a:extLst>
+        </p:spPr>
+      </p:pic>
     </p:spTree>
     <p:extLst>
       <p:ext uri="{BB962C8B-B14F-4D97-AF65-F5344CB8AC3E}">
-        <p14:creationId xmlns:p14="http://schemas.microsoft.com/office/powerpoint/2010/main" val="1808727453"/>
+        <p14:creationId xmlns:p14="http://schemas.microsoft.com/office/powerpoint/2010/main" val="2189653242"/>
       </p:ext>
     </p:extLst>
   </p:cSld>
@@ -7446,129 +7416,201 @@
       </p:grpSpPr>
       <p:sp>
         <p:nvSpPr>
-          <p:cNvPr id="2" name="Título 1"/>
-          <p:cNvSpPr>
-            <a:spLocks noGrp="1"/>
-          </p:cNvSpPr>
-          <p:nvPr>
-            <p:ph type="title"/>
-          </p:nvPr>
-        </p:nvSpPr>
-        <p:spPr/>
-        <p:txBody>
-          <a:bodyPr/>
-          <a:lstStyle/>
-          <a:p>
-            <a:r>
-              <a:rPr lang="es-ES" dirty="0"/>
-              <a:t>Objetivos Módulo 4</a:t>
-            </a:r>
-          </a:p>
-        </p:txBody>
-      </p:sp>
-      <p:sp>
-        <p:nvSpPr>
-          <p:cNvPr id="3" name="Marcador de contenido 2"/>
-          <p:cNvSpPr>
-            <a:spLocks noGrp="1"/>
-          </p:cNvSpPr>
-          <p:nvPr>
-            <p:ph idx="1"/>
-          </p:nvPr>
-        </p:nvSpPr>
-        <p:spPr/>
-        <p:txBody>
-          <a:bodyPr/>
-          <a:lstStyle/>
-          <a:p>
-            <a:r>
-              <a:rPr lang="es-ES" dirty="0"/>
-              <a:t>Definir qué es el clustering no-supervisado</a:t>
-            </a:r>
-          </a:p>
-          <a:p>
-            <a:r>
-              <a:rPr lang="es-ES" dirty="0"/>
-              <a:t>Ver los algoritmos más comunes</a:t>
-            </a:r>
-          </a:p>
-          <a:p>
-            <a:r>
-              <a:rPr lang="es-ES" dirty="0"/>
-              <a:t>Identificar posibles aplicaciones: Identificación de outliers</a:t>
-            </a:r>
-          </a:p>
-          <a:p>
-            <a:r>
-              <a:rPr lang="es-ES" dirty="0"/>
-              <a:t>Estudiar la validación de clústeres no supervisados</a:t>
-            </a:r>
-          </a:p>
-          <a:p>
-            <a:r>
-              <a:rPr lang="es-ES" dirty="0"/>
-              <a:t>Definir qué son los métodos de imputación</a:t>
-            </a:r>
-          </a:p>
-          <a:p>
-            <a:endParaRPr lang="es-ES" dirty="0"/>
-          </a:p>
-          <a:p>
-            <a:endParaRPr lang="es-ES" dirty="0"/>
-          </a:p>
-          <a:p>
-            <a:endParaRPr lang="es-ES" dirty="0"/>
-          </a:p>
-          <a:p>
-            <a:endParaRPr lang="es-ES" dirty="0"/>
-          </a:p>
-        </p:txBody>
-      </p:sp>
-      <p:pic>
-        <p:nvPicPr>
-          <p:cNvPr id="2052" name="Picture 4" descr="Objetivos de la comunicación en publicidad - Gestion.Org"/>
-          <p:cNvPicPr>
-            <a:picLocks noChangeAspect="1" noChangeArrowheads="1"/>
-          </p:cNvPicPr>
-          <p:nvPr/>
-        </p:nvPicPr>
-        <p:blipFill>
-          <a:blip r:embed="rId2">
+          <p:cNvPr id="3" name="Content Placeholder 2">
             <a:extLst>
-              <a:ext uri="{28A0092B-C50C-407E-A947-70E740481C1C}">
-                <a14:useLocalDpi xmlns:a14="http://schemas.microsoft.com/office/drawing/2010/main" val="0"/>
+              <a:ext uri="{FF2B5EF4-FFF2-40B4-BE49-F238E27FC236}">
+                <a16:creationId xmlns:a16="http://schemas.microsoft.com/office/drawing/2014/main" id="{0B271636-AD7D-40A9-B0C5-6E36E0585951}"/>
               </a:ext>
             </a:extLst>
-          </a:blip>
-          <a:srcRect/>
-          <a:stretch>
-            <a:fillRect/>
-          </a:stretch>
-        </p:blipFill>
-        <p:spPr bwMode="auto">
+          </p:cNvPr>
+          <p:cNvSpPr>
+            <a:spLocks noGrp="1"/>
+          </p:cNvSpPr>
+          <p:nvPr>
+            <p:ph idx="1"/>
+          </p:nvPr>
+        </p:nvSpPr>
+        <p:spPr/>
+        <p:txBody>
+          <a:bodyPr/>
+          <a:lstStyle/>
+          <a:p>
+            <a:r>
+              <a:rPr lang="es-ES" dirty="0"/>
+              <a:t>“</a:t>
+            </a:r>
+            <a:r>
+              <a:rPr lang="es-ES" i="0" dirty="0">
+                <a:solidFill>
+                  <a:srgbClr val="2C2C2C"/>
+                </a:solidFill>
+                <a:effectLst/>
+              </a:rPr>
+              <a:t>El </a:t>
+            </a:r>
+            <a:r>
+              <a:rPr lang="es-ES" i="1" dirty="0">
+                <a:solidFill>
+                  <a:srgbClr val="2C2C2C"/>
+                </a:solidFill>
+                <a:effectLst/>
+              </a:rPr>
+              <a:t>Machine Learning</a:t>
+            </a:r>
+            <a:r>
+              <a:rPr lang="es-ES" i="0" dirty="0">
+                <a:solidFill>
+                  <a:srgbClr val="2C2C2C"/>
+                </a:solidFill>
+                <a:effectLst/>
+              </a:rPr>
+              <a:t> es una disciplina del campo de la </a:t>
+            </a:r>
+            <a:r>
+              <a:rPr lang="es-ES" i="0" u="none" strike="noStrike" dirty="0">
+                <a:solidFill>
+                  <a:srgbClr val="0D7CBF"/>
+                </a:solidFill>
+                <a:effectLst/>
+                <a:hlinkClick r:id="rId2"/>
+              </a:rPr>
+              <a:t>Inteligencia Artificial</a:t>
+            </a:r>
+            <a:r>
+              <a:rPr lang="es-ES" i="0" dirty="0">
+                <a:solidFill>
+                  <a:srgbClr val="2C2C2C"/>
+                </a:solidFill>
+                <a:effectLst/>
+              </a:rPr>
+              <a:t> que, a través de </a:t>
+            </a:r>
+            <a:r>
+              <a:rPr lang="es-ES" i="0" dirty="0">
+                <a:solidFill>
+                  <a:srgbClr val="CF4900"/>
+                </a:solidFill>
+                <a:effectLst/>
+              </a:rPr>
+              <a:t>algoritmos,</a:t>
+            </a:r>
+            <a:r>
+              <a:rPr lang="es-ES" i="0" dirty="0">
+                <a:solidFill>
+                  <a:srgbClr val="2C2C2C"/>
+                </a:solidFill>
+                <a:effectLst/>
+              </a:rPr>
+              <a:t> dota a los ordenadores de la capacidad de identificar patrones en datos masivos y elaborar predicciones (</a:t>
+            </a:r>
+            <a:r>
+              <a:rPr lang="es-ES" i="0" u="none" strike="noStrike" dirty="0">
+                <a:solidFill>
+                  <a:srgbClr val="0D7CBF"/>
+                </a:solidFill>
+                <a:effectLst/>
+                <a:hlinkClick r:id="rId3"/>
+              </a:rPr>
+              <a:t>análisis predictivo</a:t>
+            </a:r>
+            <a:r>
+              <a:rPr lang="es-ES" i="0" dirty="0">
+                <a:solidFill>
+                  <a:srgbClr val="2C2C2C"/>
+                </a:solidFill>
+                <a:effectLst/>
+              </a:rPr>
+              <a:t>)”</a:t>
+            </a:r>
+          </a:p>
+          <a:p>
+            <a:pPr marL="0" indent="0">
+              <a:buNone/>
+            </a:pPr>
+            <a:r>
+              <a:rPr lang="es-ES" dirty="0">
+                <a:solidFill>
+                  <a:srgbClr val="2C2C2C"/>
+                </a:solidFill>
+              </a:rPr>
+              <a:t>Fuente: Iberdrola: </a:t>
+            </a:r>
+            <a:r>
+              <a:rPr lang="es-ES" sz="1600" dirty="0">
+                <a:solidFill>
+                  <a:srgbClr val="2C2C2C"/>
+                </a:solidFill>
+                <a:hlinkClick r:id="rId4"/>
+              </a:rPr>
+              <a:t>https://www.iberdrola.com/</a:t>
+            </a:r>
+            <a:r>
+              <a:rPr lang="es-ES" sz="1600" dirty="0" err="1">
+                <a:solidFill>
+                  <a:srgbClr val="2C2C2C"/>
+                </a:solidFill>
+                <a:hlinkClick r:id="rId4"/>
+              </a:rPr>
+              <a:t>innovacion</a:t>
+            </a:r>
+            <a:r>
+              <a:rPr lang="es-ES" sz="1600" dirty="0">
+                <a:solidFill>
+                  <a:srgbClr val="2C2C2C"/>
+                </a:solidFill>
+                <a:hlinkClick r:id="rId4"/>
+              </a:rPr>
+              <a:t>/machine-learning-aprendizaje-automático</a:t>
+            </a:r>
+            <a:r>
+              <a:rPr lang="es-ES" sz="1600" dirty="0">
+                <a:solidFill>
+                  <a:srgbClr val="2C2C2C"/>
+                </a:solidFill>
+              </a:rPr>
+              <a:t> </a:t>
+            </a:r>
+            <a:endParaRPr lang="es-ES" dirty="0"/>
+          </a:p>
+        </p:txBody>
+      </p:sp>
+      <p:sp>
+        <p:nvSpPr>
+          <p:cNvPr id="4" name="Título 1">
+            <a:extLst>
+              <a:ext uri="{FF2B5EF4-FFF2-40B4-BE49-F238E27FC236}">
+                <a16:creationId xmlns:a16="http://schemas.microsoft.com/office/drawing/2014/main" id="{8A069EF8-271E-48B3-8A0C-080D9CB06CDD}"/>
+              </a:ext>
+            </a:extLst>
+          </p:cNvPr>
+          <p:cNvSpPr>
+            <a:spLocks noGrp="1"/>
+          </p:cNvSpPr>
+          <p:nvPr>
+            <p:ph type="title"/>
+          </p:nvPr>
+        </p:nvSpPr>
+        <p:spPr>
           <a:xfrm>
-            <a:off x="8147141" y="3632194"/>
-            <a:ext cx="3324225" cy="2952751"/>
+            <a:off x="838200" y="365125"/>
+            <a:ext cx="10515600" cy="1325563"/>
           </a:xfrm>
-          <a:prstGeom prst="rect">
-            <a:avLst/>
-          </a:prstGeom>
-          <a:noFill/>
-          <a:extLst>
-            <a:ext uri="{909E8E84-426E-40DD-AFC4-6F175D3DCCD1}">
-              <a14:hiddenFill xmlns:a14="http://schemas.microsoft.com/office/drawing/2010/main">
-                <a:solidFill>
-                  <a:srgbClr val="FFFFFF"/>
-                </a:solidFill>
-              </a14:hiddenFill>
-            </a:ext>
-          </a:extLst>
         </p:spPr>
-      </p:pic>
+        <p:txBody>
+          <a:bodyPr/>
+          <a:lstStyle/>
+          <a:p>
+            <a:r>
+              <a:rPr lang="es-ES" dirty="0"/>
+              <a:t>Introducción </a:t>
+            </a:r>
+          </a:p>
+        </p:txBody>
+      </p:sp>
     </p:spTree>
     <p:extLst>
       <p:ext uri="{BB962C8B-B14F-4D97-AF65-F5344CB8AC3E}">
-        <p14:creationId xmlns:p14="http://schemas.microsoft.com/office/powerpoint/2010/main" val="300207621"/>
+        <p14:creationId xmlns:p14="http://schemas.microsoft.com/office/powerpoint/2010/main" val="1808727453"/>
       </p:ext>
     </p:extLst>
   </p:cSld>
@@ -13595,7 +13637,7 @@
         </p:nvSpPr>
         <p:spPr>
           <a:xfrm>
-            <a:off x="782968" y="1759430"/>
+            <a:off x="967696" y="1759430"/>
             <a:ext cx="5906267" cy="4014736"/>
           </a:xfrm>
         </p:spPr>
@@ -16763,7 +16805,7 @@
           <a:p>
             <a:r>
               <a:rPr lang="es-ES" sz="4800" b="1" u="sng" dirty="0"/>
-              <a:t>Módulo 4: Modelos de clasificación y segmentación no-supervisada</a:t>
+              <a:t>Módulo 4: Modelos de Segmentación No-Supervisada</a:t>
             </a:r>
             <a:endParaRPr lang="es-ES" sz="4800" dirty="0"/>
           </a:p>
@@ -17011,13 +17053,29 @@
       </p:grpSpPr>
       <p:sp>
         <p:nvSpPr>
-          <p:cNvPr id="3" name="Content Placeholder 2">
-            <a:extLst>
-              <a:ext uri="{FF2B5EF4-FFF2-40B4-BE49-F238E27FC236}">
-                <a16:creationId xmlns:a16="http://schemas.microsoft.com/office/drawing/2014/main" id="{7DF18251-5429-4362-85E0-B1E46ADC4890}"/>
-              </a:ext>
-            </a:extLst>
-          </p:cNvPr>
+          <p:cNvPr id="2" name="Título 1"/>
+          <p:cNvSpPr>
+            <a:spLocks noGrp="1"/>
+          </p:cNvSpPr>
+          <p:nvPr>
+            <p:ph type="title"/>
+          </p:nvPr>
+        </p:nvSpPr>
+        <p:spPr/>
+        <p:txBody>
+          <a:bodyPr/>
+          <a:lstStyle/>
+          <a:p>
+            <a:r>
+              <a:rPr lang="es-ES" dirty="0"/>
+              <a:t>Objetivos Sesión 4</a:t>
+            </a:r>
+          </a:p>
+        </p:txBody>
+      </p:sp>
+      <p:sp>
+        <p:nvSpPr>
+          <p:cNvPr id="3" name="Marcador de contenido 2"/>
           <p:cNvSpPr>
             <a:spLocks noGrp="1"/>
           </p:cNvSpPr>
@@ -17032,62 +17090,50 @@
           <a:p>
             <a:r>
               <a:rPr lang="es-ES" dirty="0"/>
-              <a:t>Modelos de aprendizaje automático</a:t>
+              <a:t>Definir qué es el clustering no-supervisado</a:t>
             </a:r>
           </a:p>
           <a:p>
             <a:r>
               <a:rPr lang="es-ES" dirty="0"/>
-              <a:t>Modelos matemáticos que se alimentan de datos para “aprender” el comportamiento de las variables objetivo</a:t>
+              <a:t>Ver los algoritmos más comunes</a:t>
+            </a:r>
+          </a:p>
+          <a:p>
+            <a:r>
+              <a:rPr lang="es-ES" dirty="0"/>
+              <a:t>Identificar posibles aplicaciones: Identificación de outliers</a:t>
+            </a:r>
+          </a:p>
+          <a:p>
+            <a:r>
+              <a:rPr lang="es-ES" dirty="0"/>
+              <a:t>Estudiar la validación de clústeres no supervisados</a:t>
+            </a:r>
+          </a:p>
+          <a:p>
+            <a:r>
+              <a:rPr lang="es-ES" dirty="0"/>
+              <a:t>Definir qué son los métodos de imputación</a:t>
             </a:r>
           </a:p>
           <a:p>
             <a:endParaRPr lang="es-ES" dirty="0"/>
           </a:p>
-        </p:txBody>
-      </p:sp>
-      <p:sp>
-        <p:nvSpPr>
-          <p:cNvPr id="4" name="Título 1">
-            <a:extLst>
-              <a:ext uri="{FF2B5EF4-FFF2-40B4-BE49-F238E27FC236}">
-                <a16:creationId xmlns:a16="http://schemas.microsoft.com/office/drawing/2014/main" id="{516D2DB9-337E-48B3-A910-7FDE706EAF15}"/>
-              </a:ext>
-            </a:extLst>
-          </p:cNvPr>
-          <p:cNvSpPr>
-            <a:spLocks noGrp="1"/>
-          </p:cNvSpPr>
-          <p:nvPr>
-            <p:ph type="title"/>
-          </p:nvPr>
-        </p:nvSpPr>
-        <p:spPr>
-          <a:xfrm>
-            <a:off x="838200" y="365125"/>
-            <a:ext cx="10515600" cy="1325563"/>
-          </a:xfrm>
-        </p:spPr>
-        <p:txBody>
-          <a:bodyPr/>
-          <a:lstStyle/>
-          <a:p>
-            <a:r>
-              <a:rPr lang="es-ES" dirty="0"/>
-              <a:t>Introducción </a:t>
-            </a:r>
+          <a:p>
+            <a:endParaRPr lang="es-ES" dirty="0"/>
+          </a:p>
+          <a:p>
+            <a:endParaRPr lang="es-ES" dirty="0"/>
+          </a:p>
+          <a:p>
+            <a:endParaRPr lang="es-ES" dirty="0"/>
           </a:p>
         </p:txBody>
       </p:sp>
       <p:pic>
         <p:nvPicPr>
-          <p:cNvPr id="2050" name="Picture 2" descr="Que es el Machine Learning ? Te lo contamos todo | Marketing Digital">
-            <a:extLst>
-              <a:ext uri="{FF2B5EF4-FFF2-40B4-BE49-F238E27FC236}">
-                <a16:creationId xmlns:a16="http://schemas.microsoft.com/office/drawing/2014/main" id="{1FF11C5D-A6B1-4DC1-84EC-A38C94A566B2}"/>
-              </a:ext>
-            </a:extLst>
-          </p:cNvPr>
+          <p:cNvPr id="2052" name="Picture 4" descr="Objetivos de la comunicación en publicidad - Gestion.Org"/>
           <p:cNvPicPr>
             <a:picLocks noChangeAspect="1" noChangeArrowheads="1"/>
           </p:cNvPicPr>
@@ -17108,8 +17154,8 @@
         </p:blipFill>
         <p:spPr bwMode="auto">
           <a:xfrm>
-            <a:off x="3121891" y="3497262"/>
-            <a:ext cx="7416800" cy="3360738"/>
+            <a:off x="8147141" y="3632194"/>
+            <a:ext cx="3324225" cy="2952751"/>
           </a:xfrm>
           <a:prstGeom prst="rect">
             <a:avLst/>
@@ -17129,7 +17175,7 @@
     </p:spTree>
     <p:extLst>
       <p:ext uri="{BB962C8B-B14F-4D97-AF65-F5344CB8AC3E}">
-        <p14:creationId xmlns:p14="http://schemas.microsoft.com/office/powerpoint/2010/main" val="2189653242"/>
+        <p14:creationId xmlns:p14="http://schemas.microsoft.com/office/powerpoint/2010/main" val="300207621"/>
       </p:ext>
     </p:extLst>
   </p:cSld>
